--- a/wiki/truong_xander.pptx
+++ b/wiki/truong_xander.pptx
@@ -973,7 +973,7 @@
             <a:fld id="{0044072F-D6C9-440B-8FAA-C6541B39F5E4}" type="datetime1">
               <a:rPr lang="de-CH"/>
               <a:pPr/>
-              <a:t>30.12.2010</a:t>
+              <a:t>02.01.2011</a:t>
             </a:fld>
             <a:endParaRPr lang="de-CH"/>
           </a:p>
@@ -1165,7 +1165,7 @@
             <a:fld id="{2C23A18F-BB17-4584-8D05-AC679BEE26A0}" type="datetime1">
               <a:rPr lang="de-CH"/>
               <a:pPr/>
-              <a:t>30.12.2010</a:t>
+              <a:t>02.01.2011</a:t>
             </a:fld>
             <a:endParaRPr lang="de-CH"/>
           </a:p>
@@ -1365,7 +1365,7 @@
             <a:fld id="{6576DC5F-9D17-4D4A-AF66-0EAE4487250B}" type="datetime1">
               <a:rPr lang="de-CH"/>
               <a:pPr/>
-              <a:t>30.12.2010</a:t>
+              <a:t>02.01.2011</a:t>
             </a:fld>
             <a:endParaRPr lang="de-CH"/>
           </a:p>
@@ -1547,7 +1547,7 @@
             <a:fld id="{D76A9070-E014-4528-8E82-312AA3518309}" type="datetime1">
               <a:rPr lang="de-CH"/>
               <a:pPr/>
-              <a:t>30.12.2010</a:t>
+              <a:t>02.01.2011</a:t>
             </a:fld>
             <a:endParaRPr lang="de-CH"/>
           </a:p>
@@ -1751,7 +1751,7 @@
             <a:fld id="{23C64AC4-66C6-4A71-BD4B-5DCEE0F4ACAA}" type="datetime1">
               <a:rPr lang="de-CH"/>
               <a:pPr/>
-              <a:t>30.12.2010</a:t>
+              <a:t>02.01.2011</a:t>
             </a:fld>
             <a:endParaRPr lang="de-CH"/>
           </a:p>
@@ -2051,7 +2051,7 @@
             <a:fld id="{88C1DC40-DDF3-4F24-ABB3-DA3AE3B2FE00}" type="datetime1">
               <a:rPr lang="de-CH"/>
               <a:pPr/>
-              <a:t>30.12.2010</a:t>
+              <a:t>02.01.2011</a:t>
             </a:fld>
             <a:endParaRPr lang="de-CH"/>
           </a:p>
@@ -2490,7 +2490,7 @@
             <a:fld id="{503FCF75-0452-4EFC-A459-E58EEFAD8630}" type="datetime1">
               <a:rPr lang="de-CH"/>
               <a:pPr/>
-              <a:t>30.12.2010</a:t>
+              <a:t>02.01.2011</a:t>
             </a:fld>
             <a:endParaRPr lang="de-CH"/>
           </a:p>
@@ -2620,7 +2620,7 @@
             <a:fld id="{C4168B66-B8F0-4CA9-A255-29A0917DD967}" type="datetime1">
               <a:rPr lang="de-CH"/>
               <a:pPr/>
-              <a:t>30.12.2010</a:t>
+              <a:t>02.01.2011</a:t>
             </a:fld>
             <a:endParaRPr lang="de-CH"/>
           </a:p>
@@ -2727,7 +2727,7 @@
             <a:fld id="{8A814DE3-2CB2-4461-ADAD-CF6DC36C4E22}" type="datetime1">
               <a:rPr lang="de-CH"/>
               <a:pPr/>
-              <a:t>30.12.2010</a:t>
+              <a:t>02.01.2011</a:t>
             </a:fld>
             <a:endParaRPr lang="de-CH"/>
           </a:p>
@@ -3016,7 +3016,7 @@
             <a:fld id="{B671AC60-5C15-4E8F-A44D-030AE10F9264}" type="datetime1">
               <a:rPr lang="de-CH"/>
               <a:pPr/>
-              <a:t>30.12.2010</a:t>
+              <a:t>02.01.2011</a:t>
             </a:fld>
             <a:endParaRPr lang="de-CH"/>
           </a:p>
@@ -3198,7 +3198,7 @@
             <a:fld id="{BF3A9F55-599C-49F5-AF74-04C3502D40EF}" type="datetime1">
               <a:rPr lang="de-CH"/>
               <a:pPr/>
-              <a:t>30.12.2010</a:t>
+              <a:t>02.01.2011</a:t>
             </a:fld>
             <a:endParaRPr lang="de-CH"/>
           </a:p>
@@ -3463,7 +3463,7 @@
             <a:fld id="{16AE8008-ED1D-482B-A8C7-93FA99EBDA61}" type="datetime1">
               <a:rPr lang="de-CH"/>
               <a:pPr/>
-              <a:t>30.12.2010</a:t>
+              <a:t>02.01.2011</a:t>
             </a:fld>
             <a:endParaRPr lang="de-CH"/>
           </a:p>
@@ -3645,7 +3645,7 @@
             <a:fld id="{D4703289-65B3-4207-9E23-B0D8666C6F61}" type="datetime1">
               <a:rPr lang="de-CH"/>
               <a:pPr/>
-              <a:t>30.12.2010</a:t>
+              <a:t>02.01.2011</a:t>
             </a:fld>
             <a:endParaRPr lang="de-CH"/>
           </a:p>
@@ -3837,7 +3837,7 @@
             <a:fld id="{C7834E1E-49E3-4898-851D-8848B9C1143D}" type="datetime1">
               <a:rPr lang="de-CH"/>
               <a:pPr/>
-              <a:t>30.12.2010</a:t>
+              <a:t>02.01.2011</a:t>
             </a:fld>
             <a:endParaRPr lang="de-CH"/>
           </a:p>
@@ -4037,7 +4037,7 @@
             <a:fld id="{8CF98BFD-C705-414C-A70D-F3690CE500E3}" type="datetime1">
               <a:rPr lang="de-CH"/>
               <a:pPr/>
-              <a:t>30.12.2010</a:t>
+              <a:t>02.01.2011</a:t>
             </a:fld>
             <a:endParaRPr lang="de-CH"/>
           </a:p>
@@ -4219,7 +4219,7 @@
             <a:fld id="{985A9BD2-3538-494E-B21C-62CD8DBA5A00}" type="datetime1">
               <a:rPr lang="de-CH"/>
               <a:pPr/>
-              <a:t>30.12.2010</a:t>
+              <a:t>02.01.2011</a:t>
             </a:fld>
             <a:endParaRPr lang="de-CH"/>
           </a:p>
@@ -4423,7 +4423,7 @@
             <a:fld id="{966BC0C4-7959-439F-952A-302EB95A8D29}" type="datetime1">
               <a:rPr lang="de-CH"/>
               <a:pPr/>
-              <a:t>30.12.2010</a:t>
+              <a:t>02.01.2011</a:t>
             </a:fld>
             <a:endParaRPr lang="de-CH"/>
           </a:p>
@@ -4723,7 +4723,7 @@
             <a:fld id="{6F23402C-4852-4AC8-A059-DCE0DF4B34C7}" type="datetime1">
               <a:rPr lang="de-CH"/>
               <a:pPr/>
-              <a:t>30.12.2010</a:t>
+              <a:t>02.01.2011</a:t>
             </a:fld>
             <a:endParaRPr lang="de-CH"/>
           </a:p>
@@ -5162,7 +5162,7 @@
             <a:fld id="{844A0892-691F-4F2B-BCED-8DAAA807D98D}" type="datetime1">
               <a:rPr lang="de-CH"/>
               <a:pPr/>
-              <a:t>30.12.2010</a:t>
+              <a:t>02.01.2011</a:t>
             </a:fld>
             <a:endParaRPr lang="de-CH"/>
           </a:p>
@@ -5292,7 +5292,7 @@
             <a:fld id="{488167B4-A489-4022-8CE9-07D4046F594C}" type="datetime1">
               <a:rPr lang="de-CH"/>
               <a:pPr/>
-              <a:t>30.12.2010</a:t>
+              <a:t>02.01.2011</a:t>
             </a:fld>
             <a:endParaRPr lang="de-CH"/>
           </a:p>
@@ -5399,7 +5399,7 @@
             <a:fld id="{C129CC09-B761-415D-8A57-A224D0792D0D}" type="datetime1">
               <a:rPr lang="de-CH"/>
               <a:pPr/>
-              <a:t>30.12.2010</a:t>
+              <a:t>02.01.2011</a:t>
             </a:fld>
             <a:endParaRPr lang="de-CH"/>
           </a:p>
@@ -5603,7 +5603,7 @@
             <a:fld id="{3754C16F-9DC2-4458-A3CD-4F1B7BD61FE6}" type="datetime1">
               <a:rPr lang="de-CH"/>
               <a:pPr/>
-              <a:t>30.12.2010</a:t>
+              <a:t>02.01.2011</a:t>
             </a:fld>
             <a:endParaRPr lang="de-CH"/>
           </a:p>
@@ -5892,7 +5892,7 @@
             <a:fld id="{E31B0E62-D4F5-4925-B9F9-61C7D5F95E34}" type="datetime1">
               <a:rPr lang="de-CH"/>
               <a:pPr/>
-              <a:t>30.12.2010</a:t>
+              <a:t>02.01.2011</a:t>
             </a:fld>
             <a:endParaRPr lang="de-CH"/>
           </a:p>
@@ -6157,7 +6157,7 @@
             <a:fld id="{BB34C0F6-B736-4F5A-8DE5-FAC1E0D81667}" type="datetime1">
               <a:rPr lang="de-CH"/>
               <a:pPr/>
-              <a:t>30.12.2010</a:t>
+              <a:t>02.01.2011</a:t>
             </a:fld>
             <a:endParaRPr lang="de-CH"/>
           </a:p>
@@ -6339,7 +6339,7 @@
             <a:fld id="{029F7034-3EA2-458F-BF6E-BF9A1465AA96}" type="datetime1">
               <a:rPr lang="de-CH"/>
               <a:pPr/>
-              <a:t>30.12.2010</a:t>
+              <a:t>02.01.2011</a:t>
             </a:fld>
             <a:endParaRPr lang="de-CH"/>
           </a:p>
@@ -6531,7 +6531,7 @@
             <a:fld id="{953634B1-1D9A-48EA-9F88-13D7D2735112}" type="datetime1">
               <a:rPr lang="de-CH"/>
               <a:pPr/>
-              <a:t>30.12.2010</a:t>
+              <a:t>02.01.2011</a:t>
             </a:fld>
             <a:endParaRPr lang="de-CH"/>
           </a:p>
@@ -6731,7 +6731,7 @@
             <a:fld id="{8285F0D4-38F3-4CC8-A739-07C5D78F8665}" type="datetime1">
               <a:rPr lang="de-CH"/>
               <a:pPr/>
-              <a:t>30.12.2010</a:t>
+              <a:t>02.01.2011</a:t>
             </a:fld>
             <a:endParaRPr lang="de-CH"/>
           </a:p>
@@ -6913,7 +6913,7 @@
             <a:fld id="{FAB429A5-16A5-472B-8DB9-5E9C5986B4F3}" type="datetime1">
               <a:rPr lang="de-CH"/>
               <a:pPr/>
-              <a:t>30.12.2010</a:t>
+              <a:t>02.01.2011</a:t>
             </a:fld>
             <a:endParaRPr lang="de-CH"/>
           </a:p>
@@ -7117,7 +7117,7 @@
             <a:fld id="{0C2F24D8-D731-458E-B3F6-B8DD01364239}" type="datetime1">
               <a:rPr lang="de-CH"/>
               <a:pPr/>
-              <a:t>30.12.2010</a:t>
+              <a:t>02.01.2011</a:t>
             </a:fld>
             <a:endParaRPr lang="de-CH"/>
           </a:p>
@@ -7417,7 +7417,7 @@
             <a:fld id="{3236EE96-4A26-42EC-9731-CB49D7B306F3}" type="datetime1">
               <a:rPr lang="de-CH"/>
               <a:pPr/>
-              <a:t>30.12.2010</a:t>
+              <a:t>02.01.2011</a:t>
             </a:fld>
             <a:endParaRPr lang="de-CH"/>
           </a:p>
@@ -7856,7 +7856,7 @@
             <a:fld id="{31E0D4EE-63B7-4D6F-972B-658CE75EE471}" type="datetime1">
               <a:rPr lang="de-CH"/>
               <a:pPr/>
-              <a:t>30.12.2010</a:t>
+              <a:t>02.01.2011</a:t>
             </a:fld>
             <a:endParaRPr lang="de-CH"/>
           </a:p>
@@ -7986,7 +7986,7 @@
             <a:fld id="{A609443E-D446-442A-9FBD-AEAFA84F95E6}" type="datetime1">
               <a:rPr lang="de-CH"/>
               <a:pPr/>
-              <a:t>30.12.2010</a:t>
+              <a:t>02.01.2011</a:t>
             </a:fld>
             <a:endParaRPr lang="de-CH"/>
           </a:p>
@@ -8286,7 +8286,7 @@
             <a:fld id="{0EBEB26E-FAA9-43F7-ACCD-651B9922C582}" type="datetime1">
               <a:rPr lang="de-CH"/>
               <a:pPr/>
-              <a:t>30.12.2010</a:t>
+              <a:t>02.01.2011</a:t>
             </a:fld>
             <a:endParaRPr lang="de-CH"/>
           </a:p>
@@ -8393,7 +8393,7 @@
             <a:fld id="{719F4A55-C648-4A52-A678-8B2779C23B28}" type="datetime1">
               <a:rPr lang="de-CH"/>
               <a:pPr/>
-              <a:t>30.12.2010</a:t>
+              <a:t>02.01.2011</a:t>
             </a:fld>
             <a:endParaRPr lang="de-CH"/>
           </a:p>
@@ -8682,7 +8682,7 @@
             <a:fld id="{2EDBB5F2-C9C9-44E9-A8F3-387716D7F22A}" type="datetime1">
               <a:rPr lang="de-CH"/>
               <a:pPr/>
-              <a:t>30.12.2010</a:t>
+              <a:t>02.01.2011</a:t>
             </a:fld>
             <a:endParaRPr lang="de-CH"/>
           </a:p>
@@ -8947,7 +8947,7 @@
             <a:fld id="{9E779988-00A4-44F4-8892-49C27C4875A1}" type="datetime1">
               <a:rPr lang="de-CH"/>
               <a:pPr/>
-              <a:t>30.12.2010</a:t>
+              <a:t>02.01.2011</a:t>
             </a:fld>
             <a:endParaRPr lang="de-CH"/>
           </a:p>
@@ -9129,7 +9129,7 @@
             <a:fld id="{B54FE42C-DC26-42ED-ADE4-41C50EA3A1EE}" type="datetime1">
               <a:rPr lang="de-CH"/>
               <a:pPr/>
-              <a:t>30.12.2010</a:t>
+              <a:t>02.01.2011</a:t>
             </a:fld>
             <a:endParaRPr lang="de-CH"/>
           </a:p>
@@ -9321,7 +9321,7 @@
             <a:fld id="{FA53D92C-01D5-4CF3-88FF-F07FF806F059}" type="datetime1">
               <a:rPr lang="de-CH"/>
               <a:pPr/>
-              <a:t>30.12.2010</a:t>
+              <a:t>02.01.2011</a:t>
             </a:fld>
             <a:endParaRPr lang="de-CH"/>
           </a:p>
@@ -9760,7 +9760,7 @@
             <a:fld id="{22921EC6-F5A7-430C-9568-29661CFA53A0}" type="datetime1">
               <a:rPr lang="de-CH"/>
               <a:pPr/>
-              <a:t>30.12.2010</a:t>
+              <a:t>02.01.2011</a:t>
             </a:fld>
             <a:endParaRPr lang="de-CH"/>
           </a:p>
@@ -9890,7 +9890,7 @@
             <a:fld id="{A4CF0BE4-69A1-430E-A15F-6EAA275DC771}" type="datetime1">
               <a:rPr lang="de-CH"/>
               <a:pPr/>
-              <a:t>30.12.2010</a:t>
+              <a:t>02.01.2011</a:t>
             </a:fld>
             <a:endParaRPr lang="de-CH"/>
           </a:p>
@@ -9997,7 +9997,7 @@
             <a:fld id="{34C61C2C-7F3C-4708-87C3-A201A765C4DF}" type="datetime1">
               <a:rPr lang="de-CH"/>
               <a:pPr/>
-              <a:t>30.12.2010</a:t>
+              <a:t>02.01.2011</a:t>
             </a:fld>
             <a:endParaRPr lang="de-CH"/>
           </a:p>
@@ -10286,7 +10286,7 @@
             <a:fld id="{39941886-3E11-4D5B-B4FC-8D611C28ED69}" type="datetime1">
               <a:rPr lang="de-CH"/>
               <a:pPr/>
-              <a:t>30.12.2010</a:t>
+              <a:t>02.01.2011</a:t>
             </a:fld>
             <a:endParaRPr lang="de-CH"/>
           </a:p>
@@ -10555,7 +10555,7 @@
             <a:fld id="{1CEE9190-1C0A-4873-8E35-A3DC097433C0}" type="datetime1">
               <a:rPr lang="de-CH"/>
               <a:pPr/>
-              <a:t>30.12.2010</a:t>
+              <a:t>02.01.2011</a:t>
             </a:fld>
             <a:endParaRPr lang="de-CH"/>
           </a:p>
@@ -10804,7 +10804,7 @@
             <a:fld id="{23F9165D-E5DE-4C67-AA17-B90458E19C17}" type="datetime1">
               <a:rPr lang="de-CH"/>
               <a:pPr/>
-              <a:t>30.12.2010</a:t>
+              <a:t>02.01.2011</a:t>
             </a:fld>
             <a:endParaRPr lang="de-CH"/>
           </a:p>
@@ -11579,7 +11579,7 @@
             <a:fld id="{19D35908-844F-4ABE-B78E-458E2E524B7E}" type="datetime1">
               <a:rPr lang="de-CH"/>
               <a:pPr/>
-              <a:t>30.12.2010</a:t>
+              <a:t>02.01.2011</a:t>
             </a:fld>
             <a:endParaRPr lang="de-CH"/>
           </a:p>
@@ -12354,7 +12354,7 @@
             <a:fld id="{B42C9D14-A430-49D4-8F25-68442D5B6000}" type="datetime1">
               <a:rPr lang="de-CH"/>
               <a:pPr/>
-              <a:t>30.12.2010</a:t>
+              <a:t>02.01.2011</a:t>
             </a:fld>
             <a:endParaRPr lang="de-CH"/>
           </a:p>
@@ -13102,7 +13102,7 @@
             <a:fld id="{CF40E398-99CA-4B91-831D-0D33FDD8BAC7}" type="datetime1">
               <a:rPr lang="de-CH"/>
               <a:pPr/>
-              <a:t>30.12.2010</a:t>
+              <a:t>02.01.2011</a:t>
             </a:fld>
             <a:endParaRPr lang="de-CH"/>
           </a:p>
@@ -13950,7 +13950,7 @@
             <a:fld id="{BF3A9F55-599C-49F5-AF74-04C3502D40EF}" type="datetime1">
               <a:rPr lang="de-CH" smtClean="0"/>
               <a:pPr/>
-              <a:t>30.12.2010</a:t>
+              <a:t>02.01.2011</a:t>
             </a:fld>
             <a:endParaRPr lang="de-CH"/>
           </a:p>
@@ -14077,13 +14077,7 @@
               <a:rPr lang="de-CH" sz="6000" dirty="0" err="1" smtClean="0">
                 <a:latin typeface="Freestyle Script" pitchFamily="66" charset="0"/>
               </a:rPr>
-              <a:t>f</a:t>
-            </a:r>
-            <a:r>
-              <a:rPr lang="de-CH" sz="6000" dirty="0" err="1" smtClean="0">
-                <a:latin typeface="Freestyle Script" pitchFamily="66" charset="0"/>
-              </a:rPr>
-              <a:t>in</a:t>
+              <a:t>fin</a:t>
             </a:r>
             <a:endParaRPr lang="de-CH" sz="6000" dirty="0" smtClean="0">
               <a:latin typeface="Freestyle Script" pitchFamily="66" charset="0"/>
@@ -14109,7 +14103,7 @@
             <a:fld id="{BF3A9F55-599C-49F5-AF74-04C3502D40EF}" type="datetime1">
               <a:rPr lang="de-CH" smtClean="0"/>
               <a:pPr/>
-              <a:t>30.12.2010</a:t>
+              <a:t>02.01.2011</a:t>
             </a:fld>
             <a:endParaRPr lang="de-CH"/>
           </a:p>
@@ -14212,7 +14206,7 @@
             <a:fld id="{14F307FF-F894-4080-8B07-C7DD9D592820}" type="datetime1">
               <a:rPr lang="de-CH"/>
               <a:pPr/>
-              <a:t>30.12.2010</a:t>
+              <a:t>02.01.2011</a:t>
             </a:fld>
             <a:endParaRPr lang="de-CH"/>
           </a:p>
@@ -14499,7 +14493,7 @@
             <a:fld id="{BF3A9F55-599C-49F5-AF74-04C3502D40EF}" type="datetime1">
               <a:rPr lang="de-CH" smtClean="0"/>
               <a:pPr/>
-              <a:t>30.12.2010</a:t>
+              <a:t>02.01.2011</a:t>
             </a:fld>
             <a:endParaRPr lang="de-CH"/>
           </a:p>
@@ -14638,11 +14632,7 @@
             </a:pPr>
             <a:r>
               <a:rPr lang="de-CH" dirty="0" smtClean="0"/>
-              <a:t> </a:t>
-            </a:r>
-            <a:r>
-              <a:rPr lang="de-CH" dirty="0" smtClean="0"/>
-              <a:t>Prototyp</a:t>
+              <a:t> Prototyp</a:t>
             </a:r>
           </a:p>
           <a:p>
@@ -14652,11 +14642,7 @@
             </a:pPr>
             <a:r>
               <a:rPr lang="de-CH" dirty="0" smtClean="0"/>
-              <a:t> </a:t>
-            </a:r>
-            <a:r>
-              <a:rPr lang="de-CH" dirty="0" smtClean="0"/>
-              <a:t>Fehlervalidierung</a:t>
+              <a:t> Fehlervalidierung</a:t>
             </a:r>
           </a:p>
           <a:p>
@@ -14666,11 +14652,7 @@
             </a:pPr>
             <a:r>
               <a:rPr lang="de-CH" dirty="0" smtClean="0"/>
-              <a:t> </a:t>
-            </a:r>
-            <a:r>
-              <a:rPr lang="de-CH" dirty="0" smtClean="0"/>
-              <a:t>Testen und Dokumentieren</a:t>
+              <a:t> Testen und Dokumentieren</a:t>
             </a:r>
             <a:endParaRPr lang="de-CH" dirty="0"/>
           </a:p>
@@ -14694,7 +14676,7 @@
             <a:fld id="{BF3A9F55-599C-49F5-AF74-04C3502D40EF}" type="datetime1">
               <a:rPr lang="de-CH" smtClean="0"/>
               <a:pPr/>
-              <a:t>30.12.2010</a:t>
+              <a:t>02.01.2011</a:t>
             </a:fld>
             <a:endParaRPr lang="de-CH"/>
           </a:p>
@@ -14837,8 +14819,17 @@
             </a:r>
             <a:r>
               <a:rPr lang="de-CH" dirty="0" smtClean="0"/>
-              <a:t>Datenbank zugriff</a:t>
-            </a:r>
+              <a:t>Zugriff auf SQL-</a:t>
+            </a:r>
+            <a:r>
+              <a:rPr lang="de-CH" dirty="0" err="1" smtClean="0"/>
+              <a:t>lite</a:t>
+            </a:r>
+            <a:r>
+              <a:rPr lang="de-CH" dirty="0" smtClean="0"/>
+              <a:t> Daten</a:t>
+            </a:r>
+            <a:endParaRPr lang="de-CH" dirty="0" smtClean="0"/>
           </a:p>
           <a:p>
             <a:pPr>
@@ -14861,7 +14852,11 @@
             </a:r>
             <a:r>
               <a:rPr lang="de-CH" dirty="0" smtClean="0"/>
-              <a:t>Values in Tabelle anzeigen</a:t>
+              <a:t>Werte </a:t>
+            </a:r>
+            <a:r>
+              <a:rPr lang="de-CH" dirty="0" smtClean="0"/>
+              <a:t>in Tabelle anzeigen</a:t>
             </a:r>
           </a:p>
           <a:p>
@@ -14875,7 +14870,11 @@
             </a:r>
             <a:r>
               <a:rPr lang="de-CH" dirty="0" smtClean="0"/>
-              <a:t>Values im Plot anzeigen</a:t>
+              <a:t>Werte </a:t>
+            </a:r>
+            <a:r>
+              <a:rPr lang="de-CH" dirty="0" smtClean="0"/>
+              <a:t>im Plot anzeigen</a:t>
             </a:r>
           </a:p>
           <a:p>
@@ -14911,11 +14910,7 @@
             </a:r>
             <a:r>
               <a:rPr lang="de-CH" dirty="0" smtClean="0"/>
-              <a:t> </a:t>
-            </a:r>
-            <a:r>
-              <a:rPr lang="de-CH" dirty="0" smtClean="0"/>
-              <a:t>Line</a:t>
+              <a:t> Line</a:t>
             </a:r>
           </a:p>
         </p:txBody>
@@ -14938,7 +14933,7 @@
             <a:fld id="{BF3A9F55-599C-49F5-AF74-04C3502D40EF}" type="datetime1">
               <a:rPr lang="de-CH" smtClean="0"/>
               <a:pPr/>
-              <a:t>30.12.2010</a:t>
+              <a:t>02.01.2011</a:t>
             </a:fld>
             <a:endParaRPr lang="de-CH"/>
           </a:p>
@@ -15093,7 +15088,7 @@
             <a:fld id="{BF3A9F55-599C-49F5-AF74-04C3502D40EF}" type="datetime1">
               <a:rPr lang="de-CH" smtClean="0"/>
               <a:pPr/>
-              <a:t>30.12.2010</a:t>
+              <a:t>02.01.2011</a:t>
             </a:fld>
             <a:endParaRPr lang="de-CH"/>
           </a:p>
@@ -15238,7 +15233,7 @@
             <a:fld id="{BF3A9F55-599C-49F5-AF74-04C3502D40EF}" type="datetime1">
               <a:rPr lang="de-CH" smtClean="0"/>
               <a:pPr/>
-              <a:t>30.12.2010</a:t>
+              <a:t>02.01.2011</a:t>
             </a:fld>
             <a:endParaRPr lang="de-CH"/>
           </a:p>
@@ -15367,8 +15362,13 @@
             </a:pPr>
             <a:r>
               <a:rPr lang="de-CH" dirty="0" smtClean="0"/>
-              <a:t> Allgemein</a:t>
-            </a:r>
+              <a:t> </a:t>
+            </a:r>
+            <a:r>
+              <a:rPr lang="de-CH" dirty="0" smtClean="0"/>
+              <a:t>Einfach</a:t>
+            </a:r>
+            <a:endParaRPr lang="de-CH" dirty="0" smtClean="0"/>
           </a:p>
           <a:p>
             <a:pPr>
@@ -15381,7 +15381,21 @@
             </a:r>
             <a:r>
               <a:rPr lang="de-CH" dirty="0" smtClean="0"/>
-              <a:t>Erweiterbarkeit</a:t>
+              <a:t>Erweiterbar</a:t>
+            </a:r>
+          </a:p>
+          <a:p>
+            <a:pPr>
+              <a:buFont typeface="Arial" pitchFamily="34" charset="0"/>
+              <a:buChar char="•"/>
+            </a:pPr>
+            <a:r>
+              <a:rPr lang="de-CH" dirty="0" smtClean="0"/>
+              <a:t>Mehrere </a:t>
+            </a:r>
+            <a:r>
+              <a:rPr lang="de-CH" dirty="0" err="1" smtClean="0"/>
+              <a:t>Betriebsysteme</a:t>
             </a:r>
             <a:endParaRPr lang="de-CH" dirty="0"/>
           </a:p>
@@ -15405,7 +15419,7 @@
             <a:fld id="{BF3A9F55-599C-49F5-AF74-04C3502D40EF}" type="datetime1">
               <a:rPr lang="de-CH" smtClean="0"/>
               <a:pPr/>
-              <a:t>30.12.2010</a:t>
+              <a:t>02.01.2011</a:t>
             </a:fld>
             <a:endParaRPr lang="de-CH"/>
           </a:p>
@@ -15544,26 +15558,10 @@
             </a:pPr>
             <a:r>
               <a:rPr lang="de-CH" dirty="0" smtClean="0"/>
-              <a:t> </a:t>
-            </a:r>
-            <a:r>
-              <a:rPr lang="de-CH" dirty="0" smtClean="0"/>
-              <a:t>Ausblick</a:t>
-            </a:r>
-          </a:p>
-          <a:p>
-            <a:pPr>
-              <a:buFont typeface="Arial" pitchFamily="34" charset="0"/>
-              <a:buChar char="•"/>
-            </a:pPr>
-            <a:r>
-              <a:rPr lang="de-CH" dirty="0" smtClean="0"/>
-              <a:t> </a:t>
-            </a:r>
-            <a:r>
-              <a:rPr lang="de-CH" dirty="0" smtClean="0"/>
-              <a:t>Rückblick</a:t>
-            </a:r>
+              <a:t> Ausblick</a:t>
+            </a:r>
+          </a:p>
+          <a:p>
             <a:endParaRPr lang="de-CH" dirty="0"/>
           </a:p>
         </p:txBody>
@@ -15586,7 +15584,7 @@
             <a:fld id="{BF3A9F55-599C-49F5-AF74-04C3502D40EF}" type="datetime1">
               <a:rPr lang="de-CH" smtClean="0"/>
               <a:pPr/>
-              <a:t>30.12.2010</a:t>
+              <a:t>02.01.2011</a:t>
             </a:fld>
             <a:endParaRPr lang="de-CH"/>
           </a:p>

--- a/wiki/truong_xander.pptx
+++ b/wiki/truong_xander.pptx
@@ -973,7 +973,7 @@
             <a:fld id="{0044072F-D6C9-440B-8FAA-C6541B39F5E4}" type="datetime1">
               <a:rPr lang="de-CH"/>
               <a:pPr/>
-              <a:t>02.01.2011</a:t>
+              <a:t>03.01.2011</a:t>
             </a:fld>
             <a:endParaRPr lang="de-CH"/>
           </a:p>
@@ -1165,7 +1165,7 @@
             <a:fld id="{2C23A18F-BB17-4584-8D05-AC679BEE26A0}" type="datetime1">
               <a:rPr lang="de-CH"/>
               <a:pPr/>
-              <a:t>02.01.2011</a:t>
+              <a:t>03.01.2011</a:t>
             </a:fld>
             <a:endParaRPr lang="de-CH"/>
           </a:p>
@@ -1365,7 +1365,7 @@
             <a:fld id="{6576DC5F-9D17-4D4A-AF66-0EAE4487250B}" type="datetime1">
               <a:rPr lang="de-CH"/>
               <a:pPr/>
-              <a:t>02.01.2011</a:t>
+              <a:t>03.01.2011</a:t>
             </a:fld>
             <a:endParaRPr lang="de-CH"/>
           </a:p>
@@ -1547,7 +1547,7 @@
             <a:fld id="{D76A9070-E014-4528-8E82-312AA3518309}" type="datetime1">
               <a:rPr lang="de-CH"/>
               <a:pPr/>
-              <a:t>02.01.2011</a:t>
+              <a:t>03.01.2011</a:t>
             </a:fld>
             <a:endParaRPr lang="de-CH"/>
           </a:p>
@@ -1751,7 +1751,7 @@
             <a:fld id="{23C64AC4-66C6-4A71-BD4B-5DCEE0F4ACAA}" type="datetime1">
               <a:rPr lang="de-CH"/>
               <a:pPr/>
-              <a:t>02.01.2011</a:t>
+              <a:t>03.01.2011</a:t>
             </a:fld>
             <a:endParaRPr lang="de-CH"/>
           </a:p>
@@ -2051,7 +2051,7 @@
             <a:fld id="{88C1DC40-DDF3-4F24-ABB3-DA3AE3B2FE00}" type="datetime1">
               <a:rPr lang="de-CH"/>
               <a:pPr/>
-              <a:t>02.01.2011</a:t>
+              <a:t>03.01.2011</a:t>
             </a:fld>
             <a:endParaRPr lang="de-CH"/>
           </a:p>
@@ -2490,7 +2490,7 @@
             <a:fld id="{503FCF75-0452-4EFC-A459-E58EEFAD8630}" type="datetime1">
               <a:rPr lang="de-CH"/>
               <a:pPr/>
-              <a:t>02.01.2011</a:t>
+              <a:t>03.01.2011</a:t>
             </a:fld>
             <a:endParaRPr lang="de-CH"/>
           </a:p>
@@ -2620,7 +2620,7 @@
             <a:fld id="{C4168B66-B8F0-4CA9-A255-29A0917DD967}" type="datetime1">
               <a:rPr lang="de-CH"/>
               <a:pPr/>
-              <a:t>02.01.2011</a:t>
+              <a:t>03.01.2011</a:t>
             </a:fld>
             <a:endParaRPr lang="de-CH"/>
           </a:p>
@@ -2727,7 +2727,7 @@
             <a:fld id="{8A814DE3-2CB2-4461-ADAD-CF6DC36C4E22}" type="datetime1">
               <a:rPr lang="de-CH"/>
               <a:pPr/>
-              <a:t>02.01.2011</a:t>
+              <a:t>03.01.2011</a:t>
             </a:fld>
             <a:endParaRPr lang="de-CH"/>
           </a:p>
@@ -3016,7 +3016,7 @@
             <a:fld id="{B671AC60-5C15-4E8F-A44D-030AE10F9264}" type="datetime1">
               <a:rPr lang="de-CH"/>
               <a:pPr/>
-              <a:t>02.01.2011</a:t>
+              <a:t>03.01.2011</a:t>
             </a:fld>
             <a:endParaRPr lang="de-CH"/>
           </a:p>
@@ -3198,7 +3198,7 @@
             <a:fld id="{BF3A9F55-599C-49F5-AF74-04C3502D40EF}" type="datetime1">
               <a:rPr lang="de-CH"/>
               <a:pPr/>
-              <a:t>02.01.2011</a:t>
+              <a:t>03.01.2011</a:t>
             </a:fld>
             <a:endParaRPr lang="de-CH"/>
           </a:p>
@@ -3463,7 +3463,7 @@
             <a:fld id="{16AE8008-ED1D-482B-A8C7-93FA99EBDA61}" type="datetime1">
               <a:rPr lang="de-CH"/>
               <a:pPr/>
-              <a:t>02.01.2011</a:t>
+              <a:t>03.01.2011</a:t>
             </a:fld>
             <a:endParaRPr lang="de-CH"/>
           </a:p>
@@ -3645,7 +3645,7 @@
             <a:fld id="{D4703289-65B3-4207-9E23-B0D8666C6F61}" type="datetime1">
               <a:rPr lang="de-CH"/>
               <a:pPr/>
-              <a:t>02.01.2011</a:t>
+              <a:t>03.01.2011</a:t>
             </a:fld>
             <a:endParaRPr lang="de-CH"/>
           </a:p>
@@ -3837,7 +3837,7 @@
             <a:fld id="{C7834E1E-49E3-4898-851D-8848B9C1143D}" type="datetime1">
               <a:rPr lang="de-CH"/>
               <a:pPr/>
-              <a:t>02.01.2011</a:t>
+              <a:t>03.01.2011</a:t>
             </a:fld>
             <a:endParaRPr lang="de-CH"/>
           </a:p>
@@ -4037,7 +4037,7 @@
             <a:fld id="{8CF98BFD-C705-414C-A70D-F3690CE500E3}" type="datetime1">
               <a:rPr lang="de-CH"/>
               <a:pPr/>
-              <a:t>02.01.2011</a:t>
+              <a:t>03.01.2011</a:t>
             </a:fld>
             <a:endParaRPr lang="de-CH"/>
           </a:p>
@@ -4219,7 +4219,7 @@
             <a:fld id="{985A9BD2-3538-494E-B21C-62CD8DBA5A00}" type="datetime1">
               <a:rPr lang="de-CH"/>
               <a:pPr/>
-              <a:t>02.01.2011</a:t>
+              <a:t>03.01.2011</a:t>
             </a:fld>
             <a:endParaRPr lang="de-CH"/>
           </a:p>
@@ -4423,7 +4423,7 @@
             <a:fld id="{966BC0C4-7959-439F-952A-302EB95A8D29}" type="datetime1">
               <a:rPr lang="de-CH"/>
               <a:pPr/>
-              <a:t>02.01.2011</a:t>
+              <a:t>03.01.2011</a:t>
             </a:fld>
             <a:endParaRPr lang="de-CH"/>
           </a:p>
@@ -4723,7 +4723,7 @@
             <a:fld id="{6F23402C-4852-4AC8-A059-DCE0DF4B34C7}" type="datetime1">
               <a:rPr lang="de-CH"/>
               <a:pPr/>
-              <a:t>02.01.2011</a:t>
+              <a:t>03.01.2011</a:t>
             </a:fld>
             <a:endParaRPr lang="de-CH"/>
           </a:p>
@@ -5162,7 +5162,7 @@
             <a:fld id="{844A0892-691F-4F2B-BCED-8DAAA807D98D}" type="datetime1">
               <a:rPr lang="de-CH"/>
               <a:pPr/>
-              <a:t>02.01.2011</a:t>
+              <a:t>03.01.2011</a:t>
             </a:fld>
             <a:endParaRPr lang="de-CH"/>
           </a:p>
@@ -5292,7 +5292,7 @@
             <a:fld id="{488167B4-A489-4022-8CE9-07D4046F594C}" type="datetime1">
               <a:rPr lang="de-CH"/>
               <a:pPr/>
-              <a:t>02.01.2011</a:t>
+              <a:t>03.01.2011</a:t>
             </a:fld>
             <a:endParaRPr lang="de-CH"/>
           </a:p>
@@ -5399,7 +5399,7 @@
             <a:fld id="{C129CC09-B761-415D-8A57-A224D0792D0D}" type="datetime1">
               <a:rPr lang="de-CH"/>
               <a:pPr/>
-              <a:t>02.01.2011</a:t>
+              <a:t>03.01.2011</a:t>
             </a:fld>
             <a:endParaRPr lang="de-CH"/>
           </a:p>
@@ -5603,7 +5603,7 @@
             <a:fld id="{3754C16F-9DC2-4458-A3CD-4F1B7BD61FE6}" type="datetime1">
               <a:rPr lang="de-CH"/>
               <a:pPr/>
-              <a:t>02.01.2011</a:t>
+              <a:t>03.01.2011</a:t>
             </a:fld>
             <a:endParaRPr lang="de-CH"/>
           </a:p>
@@ -5892,7 +5892,7 @@
             <a:fld id="{E31B0E62-D4F5-4925-B9F9-61C7D5F95E34}" type="datetime1">
               <a:rPr lang="de-CH"/>
               <a:pPr/>
-              <a:t>02.01.2011</a:t>
+              <a:t>03.01.2011</a:t>
             </a:fld>
             <a:endParaRPr lang="de-CH"/>
           </a:p>
@@ -6157,7 +6157,7 @@
             <a:fld id="{BB34C0F6-B736-4F5A-8DE5-FAC1E0D81667}" type="datetime1">
               <a:rPr lang="de-CH"/>
               <a:pPr/>
-              <a:t>02.01.2011</a:t>
+              <a:t>03.01.2011</a:t>
             </a:fld>
             <a:endParaRPr lang="de-CH"/>
           </a:p>
@@ -6339,7 +6339,7 @@
             <a:fld id="{029F7034-3EA2-458F-BF6E-BF9A1465AA96}" type="datetime1">
               <a:rPr lang="de-CH"/>
               <a:pPr/>
-              <a:t>02.01.2011</a:t>
+              <a:t>03.01.2011</a:t>
             </a:fld>
             <a:endParaRPr lang="de-CH"/>
           </a:p>
@@ -6531,7 +6531,7 @@
             <a:fld id="{953634B1-1D9A-48EA-9F88-13D7D2735112}" type="datetime1">
               <a:rPr lang="de-CH"/>
               <a:pPr/>
-              <a:t>02.01.2011</a:t>
+              <a:t>03.01.2011</a:t>
             </a:fld>
             <a:endParaRPr lang="de-CH"/>
           </a:p>
@@ -6731,7 +6731,7 @@
             <a:fld id="{8285F0D4-38F3-4CC8-A739-07C5D78F8665}" type="datetime1">
               <a:rPr lang="de-CH"/>
               <a:pPr/>
-              <a:t>02.01.2011</a:t>
+              <a:t>03.01.2011</a:t>
             </a:fld>
             <a:endParaRPr lang="de-CH"/>
           </a:p>
@@ -6913,7 +6913,7 @@
             <a:fld id="{FAB429A5-16A5-472B-8DB9-5E9C5986B4F3}" type="datetime1">
               <a:rPr lang="de-CH"/>
               <a:pPr/>
-              <a:t>02.01.2011</a:t>
+              <a:t>03.01.2011</a:t>
             </a:fld>
             <a:endParaRPr lang="de-CH"/>
           </a:p>
@@ -7117,7 +7117,7 @@
             <a:fld id="{0C2F24D8-D731-458E-B3F6-B8DD01364239}" type="datetime1">
               <a:rPr lang="de-CH"/>
               <a:pPr/>
-              <a:t>02.01.2011</a:t>
+              <a:t>03.01.2011</a:t>
             </a:fld>
             <a:endParaRPr lang="de-CH"/>
           </a:p>
@@ -7417,7 +7417,7 @@
             <a:fld id="{3236EE96-4A26-42EC-9731-CB49D7B306F3}" type="datetime1">
               <a:rPr lang="de-CH"/>
               <a:pPr/>
-              <a:t>02.01.2011</a:t>
+              <a:t>03.01.2011</a:t>
             </a:fld>
             <a:endParaRPr lang="de-CH"/>
           </a:p>
@@ -7856,7 +7856,7 @@
             <a:fld id="{31E0D4EE-63B7-4D6F-972B-658CE75EE471}" type="datetime1">
               <a:rPr lang="de-CH"/>
               <a:pPr/>
-              <a:t>02.01.2011</a:t>
+              <a:t>03.01.2011</a:t>
             </a:fld>
             <a:endParaRPr lang="de-CH"/>
           </a:p>
@@ -7986,7 +7986,7 @@
             <a:fld id="{A609443E-D446-442A-9FBD-AEAFA84F95E6}" type="datetime1">
               <a:rPr lang="de-CH"/>
               <a:pPr/>
-              <a:t>02.01.2011</a:t>
+              <a:t>03.01.2011</a:t>
             </a:fld>
             <a:endParaRPr lang="de-CH"/>
           </a:p>
@@ -8286,7 +8286,7 @@
             <a:fld id="{0EBEB26E-FAA9-43F7-ACCD-651B9922C582}" type="datetime1">
               <a:rPr lang="de-CH"/>
               <a:pPr/>
-              <a:t>02.01.2011</a:t>
+              <a:t>03.01.2011</a:t>
             </a:fld>
             <a:endParaRPr lang="de-CH"/>
           </a:p>
@@ -8393,7 +8393,7 @@
             <a:fld id="{719F4A55-C648-4A52-A678-8B2779C23B28}" type="datetime1">
               <a:rPr lang="de-CH"/>
               <a:pPr/>
-              <a:t>02.01.2011</a:t>
+              <a:t>03.01.2011</a:t>
             </a:fld>
             <a:endParaRPr lang="de-CH"/>
           </a:p>
@@ -8682,7 +8682,7 @@
             <a:fld id="{2EDBB5F2-C9C9-44E9-A8F3-387716D7F22A}" type="datetime1">
               <a:rPr lang="de-CH"/>
               <a:pPr/>
-              <a:t>02.01.2011</a:t>
+              <a:t>03.01.2011</a:t>
             </a:fld>
             <a:endParaRPr lang="de-CH"/>
           </a:p>
@@ -8947,7 +8947,7 @@
             <a:fld id="{9E779988-00A4-44F4-8892-49C27C4875A1}" type="datetime1">
               <a:rPr lang="de-CH"/>
               <a:pPr/>
-              <a:t>02.01.2011</a:t>
+              <a:t>03.01.2011</a:t>
             </a:fld>
             <a:endParaRPr lang="de-CH"/>
           </a:p>
@@ -9129,7 +9129,7 @@
             <a:fld id="{B54FE42C-DC26-42ED-ADE4-41C50EA3A1EE}" type="datetime1">
               <a:rPr lang="de-CH"/>
               <a:pPr/>
-              <a:t>02.01.2011</a:t>
+              <a:t>03.01.2011</a:t>
             </a:fld>
             <a:endParaRPr lang="de-CH"/>
           </a:p>
@@ -9321,7 +9321,7 @@
             <a:fld id="{FA53D92C-01D5-4CF3-88FF-F07FF806F059}" type="datetime1">
               <a:rPr lang="de-CH"/>
               <a:pPr/>
-              <a:t>02.01.2011</a:t>
+              <a:t>03.01.2011</a:t>
             </a:fld>
             <a:endParaRPr lang="de-CH"/>
           </a:p>
@@ -9760,7 +9760,7 @@
             <a:fld id="{22921EC6-F5A7-430C-9568-29661CFA53A0}" type="datetime1">
               <a:rPr lang="de-CH"/>
               <a:pPr/>
-              <a:t>02.01.2011</a:t>
+              <a:t>03.01.2011</a:t>
             </a:fld>
             <a:endParaRPr lang="de-CH"/>
           </a:p>
@@ -9890,7 +9890,7 @@
             <a:fld id="{A4CF0BE4-69A1-430E-A15F-6EAA275DC771}" type="datetime1">
               <a:rPr lang="de-CH"/>
               <a:pPr/>
-              <a:t>02.01.2011</a:t>
+              <a:t>03.01.2011</a:t>
             </a:fld>
             <a:endParaRPr lang="de-CH"/>
           </a:p>
@@ -9997,7 +9997,7 @@
             <a:fld id="{34C61C2C-7F3C-4708-87C3-A201A765C4DF}" type="datetime1">
               <a:rPr lang="de-CH"/>
               <a:pPr/>
-              <a:t>02.01.2011</a:t>
+              <a:t>03.01.2011</a:t>
             </a:fld>
             <a:endParaRPr lang="de-CH"/>
           </a:p>
@@ -10286,7 +10286,7 @@
             <a:fld id="{39941886-3E11-4D5B-B4FC-8D611C28ED69}" type="datetime1">
               <a:rPr lang="de-CH"/>
               <a:pPr/>
-              <a:t>02.01.2011</a:t>
+              <a:t>03.01.2011</a:t>
             </a:fld>
             <a:endParaRPr lang="de-CH"/>
           </a:p>
@@ -10555,7 +10555,7 @@
             <a:fld id="{1CEE9190-1C0A-4873-8E35-A3DC097433C0}" type="datetime1">
               <a:rPr lang="de-CH"/>
               <a:pPr/>
-              <a:t>02.01.2011</a:t>
+              <a:t>03.01.2011</a:t>
             </a:fld>
             <a:endParaRPr lang="de-CH"/>
           </a:p>
@@ -10804,7 +10804,7 @@
             <a:fld id="{23F9165D-E5DE-4C67-AA17-B90458E19C17}" type="datetime1">
               <a:rPr lang="de-CH"/>
               <a:pPr/>
-              <a:t>02.01.2011</a:t>
+              <a:t>03.01.2011</a:t>
             </a:fld>
             <a:endParaRPr lang="de-CH"/>
           </a:p>
@@ -11579,7 +11579,7 @@
             <a:fld id="{19D35908-844F-4ABE-B78E-458E2E524B7E}" type="datetime1">
               <a:rPr lang="de-CH"/>
               <a:pPr/>
-              <a:t>02.01.2011</a:t>
+              <a:t>03.01.2011</a:t>
             </a:fld>
             <a:endParaRPr lang="de-CH"/>
           </a:p>
@@ -12354,7 +12354,7 @@
             <a:fld id="{B42C9D14-A430-49D4-8F25-68442D5B6000}" type="datetime1">
               <a:rPr lang="de-CH"/>
               <a:pPr/>
-              <a:t>02.01.2011</a:t>
+              <a:t>03.01.2011</a:t>
             </a:fld>
             <a:endParaRPr lang="de-CH"/>
           </a:p>
@@ -13102,7 +13102,7 @@
             <a:fld id="{CF40E398-99CA-4B91-831D-0D33FDD8BAC7}" type="datetime1">
               <a:rPr lang="de-CH"/>
               <a:pPr/>
-              <a:t>02.01.2011</a:t>
+              <a:t>03.01.2011</a:t>
             </a:fld>
             <a:endParaRPr lang="de-CH"/>
           </a:p>
@@ -13728,47 +13728,6 @@
       </p:sp>
       <p:sp>
         <p:nvSpPr>
-          <p:cNvPr id="2051" name="Rectangle 3"/>
-          <p:cNvSpPr>
-            <a:spLocks noGrp="1" noChangeArrowheads="1"/>
-          </p:cNvSpPr>
-          <p:nvPr>
-            <p:ph type="subTitle" idx="1"/>
-          </p:nvPr>
-        </p:nvSpPr>
-        <p:spPr bwMode="auto">
-          <a:xfrm>
-            <a:off x="738188" y="1978025"/>
-            <a:ext cx="9213850" cy="285750"/>
-          </a:xfrm>
-          <a:prstGeom prst="rect">
-            <a:avLst/>
-          </a:prstGeom>
-          <a:noFill/>
-          <a:ln>
-            <a:miter lim="800000"/>
-            <a:headEnd/>
-            <a:tailEnd/>
-          </a:ln>
-        </p:spPr>
-        <p:txBody>
-          <a:bodyPr lIns="0" tIns="0" rIns="0" bIns="0"/>
-          <a:lstStyle/>
-          <a:p>
-            <a:pPr>
-              <a:spcBef>
-                <a:spcPct val="0"/>
-              </a:spcBef>
-            </a:pPr>
-            <a:r>
-              <a:rPr lang="de-CH" sz="2600" dirty="0"/>
-              <a:t>Untertitel der Präsentation</a:t>
-            </a:r>
-          </a:p>
-        </p:txBody>
-      </p:sp>
-      <p:sp>
-        <p:nvSpPr>
           <p:cNvPr id="2061" name="Rectangle 13"/>
           <p:cNvSpPr>
             <a:spLocks noChangeArrowheads="1"/>
@@ -13800,16 +13759,29 @@
           <a:p>
             <a:pPr algn="ctr" defTabSz="1042988"/>
             <a:r>
-              <a:rPr lang="de-CH" dirty="0"/>
-              <a:t>Durch Bild ersetzen, Farbe des Balkens frei wählbar</a:t>
+              <a:rPr lang="de-CH" dirty="0" smtClean="0"/>
+              <a:t>3.1.2011, </a:t>
             </a:r>
           </a:p>
           <a:p>
             <a:pPr algn="ctr" defTabSz="1042988"/>
             <a:r>
-              <a:rPr lang="de-CH" dirty="0"/>
-              <a:t>(Grösse und Position beibehalten)</a:t>
-            </a:r>
+              <a:rPr lang="de-CH" dirty="0" smtClean="0"/>
+              <a:t>Daniel </a:t>
+            </a:r>
+            <a:r>
+              <a:rPr lang="de-CH" dirty="0" err="1" smtClean="0"/>
+              <a:t>Xander</a:t>
+            </a:r>
+            <a:r>
+              <a:rPr lang="de-CH" dirty="0" smtClean="0"/>
+              <a:t>, </a:t>
+            </a:r>
+            <a:r>
+              <a:rPr lang="de-CH" smtClean="0"/>
+              <a:t>John Truong</a:t>
+            </a:r>
+            <a:endParaRPr lang="de-CH" dirty="0"/>
           </a:p>
         </p:txBody>
       </p:sp>
@@ -13950,7 +13922,7 @@
             <a:fld id="{BF3A9F55-599C-49F5-AF74-04C3502D40EF}" type="datetime1">
               <a:rPr lang="de-CH" smtClean="0"/>
               <a:pPr/>
-              <a:t>02.01.2011</a:t>
+              <a:t>03.01.2011</a:t>
             </a:fld>
             <a:endParaRPr lang="de-CH"/>
           </a:p>
@@ -14103,7 +14075,7 @@
             <a:fld id="{BF3A9F55-599C-49F5-AF74-04C3502D40EF}" type="datetime1">
               <a:rPr lang="de-CH" smtClean="0"/>
               <a:pPr/>
-              <a:t>02.01.2011</a:t>
+              <a:t>03.01.2011</a:t>
             </a:fld>
             <a:endParaRPr lang="de-CH"/>
           </a:p>
@@ -14206,7 +14178,7 @@
             <a:fld id="{14F307FF-F894-4080-8B07-C7DD9D592820}" type="datetime1">
               <a:rPr lang="de-CH"/>
               <a:pPr/>
-              <a:t>02.01.2011</a:t>
+              <a:t>03.01.2011</a:t>
             </a:fld>
             <a:endParaRPr lang="de-CH"/>
           </a:p>
@@ -14275,7 +14247,7 @@
           <a:p>
             <a:r>
               <a:rPr lang="de-DE" dirty="0" smtClean="0"/>
-              <a:t>Inhaltsverzeichnis</a:t>
+              <a:t>Ablauf</a:t>
             </a:r>
             <a:br>
               <a:rPr lang="de-DE" dirty="0" smtClean="0"/>
@@ -14493,7 +14465,7 @@
             <a:fld id="{BF3A9F55-599C-49F5-AF74-04C3502D40EF}" type="datetime1">
               <a:rPr lang="de-CH" smtClean="0"/>
               <a:pPr/>
-              <a:t>02.01.2011</a:t>
+              <a:t>03.01.2011</a:t>
             </a:fld>
             <a:endParaRPr lang="de-CH"/>
           </a:p>
@@ -14676,7 +14648,7 @@
             <a:fld id="{BF3A9F55-599C-49F5-AF74-04C3502D40EF}" type="datetime1">
               <a:rPr lang="de-CH" smtClean="0"/>
               <a:pPr/>
-              <a:t>02.01.2011</a:t>
+              <a:t>03.01.2011</a:t>
             </a:fld>
             <a:endParaRPr lang="de-CH"/>
           </a:p>
@@ -14815,11 +14787,7 @@
             </a:pPr>
             <a:r>
               <a:rPr lang="de-CH" dirty="0" smtClean="0"/>
-              <a:t> </a:t>
-            </a:r>
-            <a:r>
-              <a:rPr lang="de-CH" dirty="0" smtClean="0"/>
-              <a:t>Zugriff auf SQL-</a:t>
+              <a:t> Zugriff auf SQL-</a:t>
             </a:r>
             <a:r>
               <a:rPr lang="de-CH" dirty="0" err="1" smtClean="0"/>
@@ -14829,7 +14797,6 @@
               <a:rPr lang="de-CH" dirty="0" smtClean="0"/>
               <a:t> Daten</a:t>
             </a:r>
-            <a:endParaRPr lang="de-CH" dirty="0" smtClean="0"/>
           </a:p>
           <a:p>
             <a:pPr>
@@ -14848,15 +14815,7 @@
             </a:pPr>
             <a:r>
               <a:rPr lang="de-CH" dirty="0" smtClean="0"/>
-              <a:t> </a:t>
-            </a:r>
-            <a:r>
-              <a:rPr lang="de-CH" dirty="0" smtClean="0"/>
-              <a:t>Werte </a:t>
-            </a:r>
-            <a:r>
-              <a:rPr lang="de-CH" dirty="0" smtClean="0"/>
-              <a:t>in Tabelle anzeigen</a:t>
+              <a:t> Werte in Tabelle anzeigen</a:t>
             </a:r>
           </a:p>
           <a:p>
@@ -14866,15 +14825,7 @@
             </a:pPr>
             <a:r>
               <a:rPr lang="de-CH" dirty="0" smtClean="0"/>
-              <a:t> </a:t>
-            </a:r>
-            <a:r>
-              <a:rPr lang="de-CH" dirty="0" smtClean="0"/>
-              <a:t>Werte </a:t>
-            </a:r>
-            <a:r>
-              <a:rPr lang="de-CH" dirty="0" smtClean="0"/>
-              <a:t>im Plot anzeigen</a:t>
+              <a:t> Werte im Plot anzeigen</a:t>
             </a:r>
           </a:p>
           <a:p>
@@ -14933,7 +14884,7 @@
             <a:fld id="{BF3A9F55-599C-49F5-AF74-04C3502D40EF}" type="datetime1">
               <a:rPr lang="de-CH" smtClean="0"/>
               <a:pPr/>
-              <a:t>02.01.2011</a:t>
+              <a:t>03.01.2011</a:t>
             </a:fld>
             <a:endParaRPr lang="de-CH"/>
           </a:p>
@@ -15088,7 +15039,7 @@
             <a:fld id="{BF3A9F55-599C-49F5-AF74-04C3502D40EF}" type="datetime1">
               <a:rPr lang="de-CH" smtClean="0"/>
               <a:pPr/>
-              <a:t>02.01.2011</a:t>
+              <a:t>03.01.2011</a:t>
             </a:fld>
             <a:endParaRPr lang="de-CH"/>
           </a:p>
@@ -15233,7 +15184,7 @@
             <a:fld id="{BF3A9F55-599C-49F5-AF74-04C3502D40EF}" type="datetime1">
               <a:rPr lang="de-CH" smtClean="0"/>
               <a:pPr/>
-              <a:t>02.01.2011</a:t>
+              <a:t>03.01.2011</a:t>
             </a:fld>
             <a:endParaRPr lang="de-CH"/>
           </a:p>
@@ -15362,13 +15313,8 @@
             </a:pPr>
             <a:r>
               <a:rPr lang="de-CH" dirty="0" smtClean="0"/>
-              <a:t> </a:t>
-            </a:r>
-            <a:r>
-              <a:rPr lang="de-CH" dirty="0" smtClean="0"/>
-              <a:t>Einfach</a:t>
-            </a:r>
-            <a:endParaRPr lang="de-CH" dirty="0" smtClean="0"/>
+              <a:t> Einfach</a:t>
+            </a:r>
           </a:p>
           <a:p>
             <a:pPr>
@@ -15377,11 +15323,7 @@
             </a:pPr>
             <a:r>
               <a:rPr lang="de-CH" dirty="0" smtClean="0"/>
-              <a:t> </a:t>
-            </a:r>
-            <a:r>
-              <a:rPr lang="de-CH" dirty="0" smtClean="0"/>
-              <a:t>Erweiterbar</a:t>
+              <a:t> Erweiterbar</a:t>
             </a:r>
           </a:p>
           <a:p>
@@ -15419,7 +15361,7 @@
             <a:fld id="{BF3A9F55-599C-49F5-AF74-04C3502D40EF}" type="datetime1">
               <a:rPr lang="de-CH" smtClean="0"/>
               <a:pPr/>
-              <a:t>02.01.2011</a:t>
+              <a:t>03.01.2011</a:t>
             </a:fld>
             <a:endParaRPr lang="de-CH"/>
           </a:p>
@@ -15584,7 +15526,7 @@
             <a:fld id="{BF3A9F55-599C-49F5-AF74-04C3502D40EF}" type="datetime1">
               <a:rPr lang="de-CH" smtClean="0"/>
               <a:pPr/>
-              <a:t>02.01.2011</a:t>
+              <a:t>03.01.2011</a:t>
             </a:fld>
             <a:endParaRPr lang="de-CH"/>
           </a:p>

--- a/wiki/truong_xander.pptx
+++ b/wiki/truong_xander.pptx
@@ -14856,13 +14856,20 @@
               <a:buChar char="•"/>
             </a:pPr>
             <a:r>
+              <a:rPr lang="de-CH" dirty="0" smtClean="0"/>
+              <a:t>Lineare Regression</a:t>
+            </a:r>
+          </a:p>
+          <a:p>
+            <a:pPr lvl="1">
+              <a:buFont typeface="Arial" pitchFamily="34" charset="0"/>
+              <a:buChar char="•"/>
+            </a:pPr>
+            <a:r>
               <a:rPr lang="de-CH" dirty="0" err="1" smtClean="0"/>
-              <a:t>Approximate</a:t>
-            </a:r>
-            <a:r>
-              <a:rPr lang="de-CH" dirty="0" smtClean="0"/>
-              <a:t> Line</a:t>
-            </a:r>
+              <a:t>Curve</a:t>
+            </a:r>
+            <a:endParaRPr lang="de-CH" dirty="0" smtClean="0"/>
           </a:p>
         </p:txBody>
       </p:sp>

--- a/wiki/truong_xander.pptx
+++ b/wiki/truong_xander.pptx
@@ -8,10 +8,10 @@
     <p:sldMasterId id="2147483652" r:id="rId4"/>
   </p:sldMasterIdLst>
   <p:notesMasterIdLst>
-    <p:notesMasterId r:id="rId16"/>
+    <p:notesMasterId r:id="rId15"/>
   </p:notesMasterIdLst>
   <p:handoutMasterIdLst>
-    <p:handoutMasterId r:id="rId17"/>
+    <p:handoutMasterId r:id="rId16"/>
   </p:handoutMasterIdLst>
   <p:sldIdLst>
     <p:sldId id="256" r:id="rId5"/>
@@ -20,11 +20,10 @@
     <p:sldId id="262" r:id="rId8"/>
     <p:sldId id="263" r:id="rId9"/>
     <p:sldId id="264" r:id="rId10"/>
-    <p:sldId id="268" r:id="rId11"/>
-    <p:sldId id="265" r:id="rId12"/>
-    <p:sldId id="266" r:id="rId13"/>
-    <p:sldId id="267" r:id="rId14"/>
-    <p:sldId id="269" r:id="rId15"/>
+    <p:sldId id="270" r:id="rId11"/>
+    <p:sldId id="266" r:id="rId12"/>
+    <p:sldId id="267" r:id="rId13"/>
+    <p:sldId id="269" r:id="rId14"/>
   </p:sldIdLst>
   <p:sldSz cx="10693400" cy="7561263"/>
   <p:notesSz cx="6858000" cy="9144000"/>
@@ -971,9 +970,9 @@
           </a:lstStyle>
           <a:p>
             <a:fld id="{0044072F-D6C9-440B-8FAA-C6541B39F5E4}" type="datetime1">
-              <a:rPr lang="de-CH"/>
+              <a:rPr lang="de-CH" smtClean="0"/>
               <a:pPr/>
-              <a:t>03.01.2011</a:t>
+              <a:t>05.01.2011</a:t>
             </a:fld>
             <a:endParaRPr lang="de-CH"/>
           </a:p>
@@ -999,9 +998,10 @@
           </a:lstStyle>
           <a:p>
             <a:r>
-              <a:rPr lang="de-CH"/>
+              <a:rPr lang="de-CH" smtClean="0"/>
               <a:t>Fusszeile: Institut etc</a:t>
             </a:r>
+            <a:endParaRPr lang="de-CH"/>
           </a:p>
         </p:txBody>
       </p:sp>
@@ -1163,9 +1163,9 @@
           </a:lstStyle>
           <a:p>
             <a:fld id="{2C23A18F-BB17-4584-8D05-AC679BEE26A0}" type="datetime1">
-              <a:rPr lang="de-CH"/>
+              <a:rPr lang="de-CH" smtClean="0"/>
               <a:pPr/>
-              <a:t>03.01.2011</a:t>
+              <a:t>05.01.2011</a:t>
             </a:fld>
             <a:endParaRPr lang="de-CH"/>
           </a:p>
@@ -1191,9 +1191,10 @@
           </a:lstStyle>
           <a:p>
             <a:r>
-              <a:rPr lang="de-CH"/>
+              <a:rPr lang="de-CH" smtClean="0"/>
               <a:t>Fusszeile: Institut etc</a:t>
             </a:r>
+            <a:endParaRPr lang="de-CH"/>
           </a:p>
         </p:txBody>
       </p:sp>
@@ -1363,9 +1364,9 @@
           </a:lstStyle>
           <a:p>
             <a:fld id="{6576DC5F-9D17-4D4A-AF66-0EAE4487250B}" type="datetime1">
-              <a:rPr lang="de-CH"/>
+              <a:rPr lang="de-CH" smtClean="0"/>
               <a:pPr/>
-              <a:t>03.01.2011</a:t>
+              <a:t>05.01.2011</a:t>
             </a:fld>
             <a:endParaRPr lang="de-CH"/>
           </a:p>
@@ -1391,9 +1392,10 @@
           </a:lstStyle>
           <a:p>
             <a:r>
-              <a:rPr lang="de-CH"/>
+              <a:rPr lang="de-CH" smtClean="0"/>
               <a:t>Fusszeile: Institut etc</a:t>
             </a:r>
+            <a:endParaRPr lang="de-CH"/>
           </a:p>
         </p:txBody>
       </p:sp>
@@ -1545,9 +1547,9 @@
           </a:lstStyle>
           <a:p>
             <a:fld id="{D76A9070-E014-4528-8E82-312AA3518309}" type="datetime1">
-              <a:rPr lang="de-CH"/>
+              <a:rPr lang="de-CH" smtClean="0"/>
               <a:pPr/>
-              <a:t>03.01.2011</a:t>
+              <a:t>05.01.2011</a:t>
             </a:fld>
             <a:endParaRPr lang="de-CH"/>
           </a:p>
@@ -1573,9 +1575,10 @@
           </a:lstStyle>
           <a:p>
             <a:r>
-              <a:rPr lang="de-CH"/>
+              <a:rPr lang="de-CH" smtClean="0"/>
               <a:t>Fusszeile: Institut etc</a:t>
             </a:r>
+            <a:endParaRPr lang="de-CH"/>
           </a:p>
         </p:txBody>
       </p:sp>
@@ -1749,9 +1752,9 @@
           </a:lstStyle>
           <a:p>
             <a:fld id="{23C64AC4-66C6-4A71-BD4B-5DCEE0F4ACAA}" type="datetime1">
-              <a:rPr lang="de-CH"/>
+              <a:rPr lang="de-CH" smtClean="0"/>
               <a:pPr/>
-              <a:t>03.01.2011</a:t>
+              <a:t>05.01.2011</a:t>
             </a:fld>
             <a:endParaRPr lang="de-CH"/>
           </a:p>
@@ -1777,9 +1780,10 @@
           </a:lstStyle>
           <a:p>
             <a:r>
-              <a:rPr lang="de-CH"/>
+              <a:rPr lang="de-CH" smtClean="0"/>
               <a:t>Fusszeile: Institut etc</a:t>
             </a:r>
+            <a:endParaRPr lang="de-CH"/>
           </a:p>
         </p:txBody>
       </p:sp>
@@ -2049,9 +2053,9 @@
           </a:lstStyle>
           <a:p>
             <a:fld id="{88C1DC40-DDF3-4F24-ABB3-DA3AE3B2FE00}" type="datetime1">
-              <a:rPr lang="de-CH"/>
+              <a:rPr lang="de-CH" smtClean="0"/>
               <a:pPr/>
-              <a:t>03.01.2011</a:t>
+              <a:t>05.01.2011</a:t>
             </a:fld>
             <a:endParaRPr lang="de-CH"/>
           </a:p>
@@ -2077,9 +2081,10 @@
           </a:lstStyle>
           <a:p>
             <a:r>
-              <a:rPr lang="de-CH"/>
+              <a:rPr lang="de-CH" smtClean="0"/>
               <a:t>Fusszeile: Institut etc</a:t>
             </a:r>
+            <a:endParaRPr lang="de-CH"/>
           </a:p>
         </p:txBody>
       </p:sp>
@@ -2488,9 +2493,9 @@
           </a:lstStyle>
           <a:p>
             <a:fld id="{503FCF75-0452-4EFC-A459-E58EEFAD8630}" type="datetime1">
-              <a:rPr lang="de-CH"/>
+              <a:rPr lang="de-CH" smtClean="0"/>
               <a:pPr/>
-              <a:t>03.01.2011</a:t>
+              <a:t>05.01.2011</a:t>
             </a:fld>
             <a:endParaRPr lang="de-CH"/>
           </a:p>
@@ -2516,9 +2521,10 @@
           </a:lstStyle>
           <a:p>
             <a:r>
-              <a:rPr lang="de-CH"/>
+              <a:rPr lang="de-CH" smtClean="0"/>
               <a:t>Fusszeile: Institut etc</a:t>
             </a:r>
+            <a:endParaRPr lang="de-CH"/>
           </a:p>
         </p:txBody>
       </p:sp>
@@ -2618,9 +2624,9 @@
           </a:lstStyle>
           <a:p>
             <a:fld id="{C4168B66-B8F0-4CA9-A255-29A0917DD967}" type="datetime1">
-              <a:rPr lang="de-CH"/>
+              <a:rPr lang="de-CH" smtClean="0"/>
               <a:pPr/>
-              <a:t>03.01.2011</a:t>
+              <a:t>05.01.2011</a:t>
             </a:fld>
             <a:endParaRPr lang="de-CH"/>
           </a:p>
@@ -2646,9 +2652,10 @@
           </a:lstStyle>
           <a:p>
             <a:r>
-              <a:rPr lang="de-CH"/>
+              <a:rPr lang="de-CH" smtClean="0"/>
               <a:t>Fusszeile: Institut etc</a:t>
             </a:r>
+            <a:endParaRPr lang="de-CH"/>
           </a:p>
         </p:txBody>
       </p:sp>
@@ -2725,9 +2732,9 @@
           </a:lstStyle>
           <a:p>
             <a:fld id="{8A814DE3-2CB2-4461-ADAD-CF6DC36C4E22}" type="datetime1">
-              <a:rPr lang="de-CH"/>
+              <a:rPr lang="de-CH" smtClean="0"/>
               <a:pPr/>
-              <a:t>03.01.2011</a:t>
+              <a:t>05.01.2011</a:t>
             </a:fld>
             <a:endParaRPr lang="de-CH"/>
           </a:p>
@@ -2753,9 +2760,10 @@
           </a:lstStyle>
           <a:p>
             <a:r>
-              <a:rPr lang="de-CH"/>
+              <a:rPr lang="de-CH" smtClean="0"/>
               <a:t>Fusszeile: Institut etc</a:t>
             </a:r>
+            <a:endParaRPr lang="de-CH"/>
           </a:p>
         </p:txBody>
       </p:sp>
@@ -3014,9 +3022,9 @@
           </a:lstStyle>
           <a:p>
             <a:fld id="{B671AC60-5C15-4E8F-A44D-030AE10F9264}" type="datetime1">
-              <a:rPr lang="de-CH"/>
+              <a:rPr lang="de-CH" smtClean="0"/>
               <a:pPr/>
-              <a:t>03.01.2011</a:t>
+              <a:t>05.01.2011</a:t>
             </a:fld>
             <a:endParaRPr lang="de-CH"/>
           </a:p>
@@ -3042,9 +3050,10 @@
           </a:lstStyle>
           <a:p>
             <a:r>
-              <a:rPr lang="de-CH"/>
+              <a:rPr lang="de-CH" smtClean="0"/>
               <a:t>Fusszeile: Institut etc</a:t>
             </a:r>
+            <a:endParaRPr lang="de-CH"/>
           </a:p>
         </p:txBody>
       </p:sp>
@@ -3196,9 +3205,9 @@
           </a:lstStyle>
           <a:p>
             <a:fld id="{BF3A9F55-599C-49F5-AF74-04C3502D40EF}" type="datetime1">
-              <a:rPr lang="de-CH"/>
+              <a:rPr lang="de-CH" smtClean="0"/>
               <a:pPr/>
-              <a:t>03.01.2011</a:t>
+              <a:t>05.01.2011</a:t>
             </a:fld>
             <a:endParaRPr lang="de-CH"/>
           </a:p>
@@ -3224,9 +3233,10 @@
           </a:lstStyle>
           <a:p>
             <a:r>
-              <a:rPr lang="de-CH"/>
+              <a:rPr lang="de-CH" smtClean="0"/>
               <a:t>Fusszeile: Institut etc</a:t>
             </a:r>
+            <a:endParaRPr lang="de-CH"/>
           </a:p>
         </p:txBody>
       </p:sp>
@@ -3461,9 +3471,9 @@
           </a:lstStyle>
           <a:p>
             <a:fld id="{16AE8008-ED1D-482B-A8C7-93FA99EBDA61}" type="datetime1">
-              <a:rPr lang="de-CH"/>
+              <a:rPr lang="de-CH" smtClean="0"/>
               <a:pPr/>
-              <a:t>03.01.2011</a:t>
+              <a:t>05.01.2011</a:t>
             </a:fld>
             <a:endParaRPr lang="de-CH"/>
           </a:p>
@@ -3489,9 +3499,10 @@
           </a:lstStyle>
           <a:p>
             <a:r>
-              <a:rPr lang="de-CH"/>
+              <a:rPr lang="de-CH" smtClean="0"/>
               <a:t>Fusszeile: Institut etc</a:t>
             </a:r>
+            <a:endParaRPr lang="de-CH"/>
           </a:p>
         </p:txBody>
       </p:sp>
@@ -3643,9 +3654,9 @@
           </a:lstStyle>
           <a:p>
             <a:fld id="{D4703289-65B3-4207-9E23-B0D8666C6F61}" type="datetime1">
-              <a:rPr lang="de-CH"/>
+              <a:rPr lang="de-CH" smtClean="0"/>
               <a:pPr/>
-              <a:t>03.01.2011</a:t>
+              <a:t>05.01.2011</a:t>
             </a:fld>
             <a:endParaRPr lang="de-CH"/>
           </a:p>
@@ -3671,9 +3682,10 @@
           </a:lstStyle>
           <a:p>
             <a:r>
-              <a:rPr lang="de-CH"/>
+              <a:rPr lang="de-CH" smtClean="0"/>
               <a:t>Fusszeile: Institut etc</a:t>
             </a:r>
+            <a:endParaRPr lang="de-CH"/>
           </a:p>
         </p:txBody>
       </p:sp>
@@ -3835,9 +3847,9 @@
           </a:lstStyle>
           <a:p>
             <a:fld id="{C7834E1E-49E3-4898-851D-8848B9C1143D}" type="datetime1">
-              <a:rPr lang="de-CH"/>
+              <a:rPr lang="de-CH" smtClean="0"/>
               <a:pPr/>
-              <a:t>03.01.2011</a:t>
+              <a:t>05.01.2011</a:t>
             </a:fld>
             <a:endParaRPr lang="de-CH"/>
           </a:p>
@@ -3863,9 +3875,10 @@
           </a:lstStyle>
           <a:p>
             <a:r>
-              <a:rPr lang="de-CH"/>
+              <a:rPr lang="de-CH" smtClean="0"/>
               <a:t>Fusszeile: Institut etc</a:t>
             </a:r>
+            <a:endParaRPr lang="de-CH"/>
           </a:p>
         </p:txBody>
       </p:sp>
@@ -4035,9 +4048,9 @@
           </a:lstStyle>
           <a:p>
             <a:fld id="{8CF98BFD-C705-414C-A70D-F3690CE500E3}" type="datetime1">
-              <a:rPr lang="de-CH"/>
+              <a:rPr lang="de-CH" smtClean="0"/>
               <a:pPr/>
-              <a:t>03.01.2011</a:t>
+              <a:t>05.01.2011</a:t>
             </a:fld>
             <a:endParaRPr lang="de-CH"/>
           </a:p>
@@ -4063,9 +4076,10 @@
           </a:lstStyle>
           <a:p>
             <a:r>
-              <a:rPr lang="de-CH"/>
+              <a:rPr lang="de-CH" smtClean="0"/>
               <a:t>Fusszeile: Institut etc</a:t>
             </a:r>
+            <a:endParaRPr lang="de-CH"/>
           </a:p>
         </p:txBody>
       </p:sp>
@@ -4217,9 +4231,9 @@
           </a:lstStyle>
           <a:p>
             <a:fld id="{985A9BD2-3538-494E-B21C-62CD8DBA5A00}" type="datetime1">
-              <a:rPr lang="de-CH"/>
+              <a:rPr lang="de-CH" smtClean="0"/>
               <a:pPr/>
-              <a:t>03.01.2011</a:t>
+              <a:t>05.01.2011</a:t>
             </a:fld>
             <a:endParaRPr lang="de-CH"/>
           </a:p>
@@ -4245,9 +4259,10 @@
           </a:lstStyle>
           <a:p>
             <a:r>
-              <a:rPr lang="de-CH"/>
+              <a:rPr lang="de-CH" smtClean="0"/>
               <a:t>Fusszeile: Institut etc</a:t>
             </a:r>
+            <a:endParaRPr lang="de-CH"/>
           </a:p>
         </p:txBody>
       </p:sp>
@@ -4421,9 +4436,9 @@
           </a:lstStyle>
           <a:p>
             <a:fld id="{966BC0C4-7959-439F-952A-302EB95A8D29}" type="datetime1">
-              <a:rPr lang="de-CH"/>
+              <a:rPr lang="de-CH" smtClean="0"/>
               <a:pPr/>
-              <a:t>03.01.2011</a:t>
+              <a:t>05.01.2011</a:t>
             </a:fld>
             <a:endParaRPr lang="de-CH"/>
           </a:p>
@@ -4449,9 +4464,10 @@
           </a:lstStyle>
           <a:p>
             <a:r>
-              <a:rPr lang="de-CH"/>
+              <a:rPr lang="de-CH" smtClean="0"/>
               <a:t>Fusszeile: Institut etc</a:t>
             </a:r>
+            <a:endParaRPr lang="de-CH"/>
           </a:p>
         </p:txBody>
       </p:sp>
@@ -4721,9 +4737,9 @@
           </a:lstStyle>
           <a:p>
             <a:fld id="{6F23402C-4852-4AC8-A059-DCE0DF4B34C7}" type="datetime1">
-              <a:rPr lang="de-CH"/>
+              <a:rPr lang="de-CH" smtClean="0"/>
               <a:pPr/>
-              <a:t>03.01.2011</a:t>
+              <a:t>05.01.2011</a:t>
             </a:fld>
             <a:endParaRPr lang="de-CH"/>
           </a:p>
@@ -4749,9 +4765,10 @@
           </a:lstStyle>
           <a:p>
             <a:r>
-              <a:rPr lang="de-CH"/>
+              <a:rPr lang="de-CH" smtClean="0"/>
               <a:t>Fusszeile: Institut etc</a:t>
             </a:r>
+            <a:endParaRPr lang="de-CH"/>
           </a:p>
         </p:txBody>
       </p:sp>
@@ -5160,9 +5177,9 @@
           </a:lstStyle>
           <a:p>
             <a:fld id="{844A0892-691F-4F2B-BCED-8DAAA807D98D}" type="datetime1">
-              <a:rPr lang="de-CH"/>
+              <a:rPr lang="de-CH" smtClean="0"/>
               <a:pPr/>
-              <a:t>03.01.2011</a:t>
+              <a:t>05.01.2011</a:t>
             </a:fld>
             <a:endParaRPr lang="de-CH"/>
           </a:p>
@@ -5188,9 +5205,10 @@
           </a:lstStyle>
           <a:p>
             <a:r>
-              <a:rPr lang="de-CH"/>
+              <a:rPr lang="de-CH" smtClean="0"/>
               <a:t>Fusszeile: Institut etc</a:t>
             </a:r>
+            <a:endParaRPr lang="de-CH"/>
           </a:p>
         </p:txBody>
       </p:sp>
@@ -5290,9 +5308,9 @@
           </a:lstStyle>
           <a:p>
             <a:fld id="{488167B4-A489-4022-8CE9-07D4046F594C}" type="datetime1">
-              <a:rPr lang="de-CH"/>
+              <a:rPr lang="de-CH" smtClean="0"/>
               <a:pPr/>
-              <a:t>03.01.2011</a:t>
+              <a:t>05.01.2011</a:t>
             </a:fld>
             <a:endParaRPr lang="de-CH"/>
           </a:p>
@@ -5318,9 +5336,10 @@
           </a:lstStyle>
           <a:p>
             <a:r>
-              <a:rPr lang="de-CH"/>
+              <a:rPr lang="de-CH" smtClean="0"/>
               <a:t>Fusszeile: Institut etc</a:t>
             </a:r>
+            <a:endParaRPr lang="de-CH"/>
           </a:p>
         </p:txBody>
       </p:sp>
@@ -5397,9 +5416,9 @@
           </a:lstStyle>
           <a:p>
             <a:fld id="{C129CC09-B761-415D-8A57-A224D0792D0D}" type="datetime1">
-              <a:rPr lang="de-CH"/>
+              <a:rPr lang="de-CH" smtClean="0"/>
               <a:pPr/>
-              <a:t>03.01.2011</a:t>
+              <a:t>05.01.2011</a:t>
             </a:fld>
             <a:endParaRPr lang="de-CH"/>
           </a:p>
@@ -5425,9 +5444,10 @@
           </a:lstStyle>
           <a:p>
             <a:r>
-              <a:rPr lang="de-CH"/>
+              <a:rPr lang="de-CH" smtClean="0"/>
               <a:t>Fusszeile: Institut etc</a:t>
             </a:r>
+            <a:endParaRPr lang="de-CH"/>
           </a:p>
         </p:txBody>
       </p:sp>
@@ -5601,9 +5621,9 @@
           </a:lstStyle>
           <a:p>
             <a:fld id="{3754C16F-9DC2-4458-A3CD-4F1B7BD61FE6}" type="datetime1">
-              <a:rPr lang="de-CH"/>
+              <a:rPr lang="de-CH" smtClean="0"/>
               <a:pPr/>
-              <a:t>03.01.2011</a:t>
+              <a:t>05.01.2011</a:t>
             </a:fld>
             <a:endParaRPr lang="de-CH"/>
           </a:p>
@@ -5629,9 +5649,10 @@
           </a:lstStyle>
           <a:p>
             <a:r>
-              <a:rPr lang="de-CH"/>
+              <a:rPr lang="de-CH" smtClean="0"/>
               <a:t>Fusszeile: Institut etc</a:t>
             </a:r>
+            <a:endParaRPr lang="de-CH"/>
           </a:p>
         </p:txBody>
       </p:sp>
@@ -5890,9 +5911,9 @@
           </a:lstStyle>
           <a:p>
             <a:fld id="{E31B0E62-D4F5-4925-B9F9-61C7D5F95E34}" type="datetime1">
-              <a:rPr lang="de-CH"/>
+              <a:rPr lang="de-CH" smtClean="0"/>
               <a:pPr/>
-              <a:t>03.01.2011</a:t>
+              <a:t>05.01.2011</a:t>
             </a:fld>
             <a:endParaRPr lang="de-CH"/>
           </a:p>
@@ -5918,9 +5939,10 @@
           </a:lstStyle>
           <a:p>
             <a:r>
-              <a:rPr lang="de-CH"/>
+              <a:rPr lang="de-CH" smtClean="0"/>
               <a:t>Fusszeile: Institut etc</a:t>
             </a:r>
+            <a:endParaRPr lang="de-CH"/>
           </a:p>
         </p:txBody>
       </p:sp>
@@ -6155,9 +6177,9 @@
           </a:lstStyle>
           <a:p>
             <a:fld id="{BB34C0F6-B736-4F5A-8DE5-FAC1E0D81667}" type="datetime1">
-              <a:rPr lang="de-CH"/>
+              <a:rPr lang="de-CH" smtClean="0"/>
               <a:pPr/>
-              <a:t>03.01.2011</a:t>
+              <a:t>05.01.2011</a:t>
             </a:fld>
             <a:endParaRPr lang="de-CH"/>
           </a:p>
@@ -6183,9 +6205,10 @@
           </a:lstStyle>
           <a:p>
             <a:r>
-              <a:rPr lang="de-CH"/>
+              <a:rPr lang="de-CH" smtClean="0"/>
               <a:t>Fusszeile: Institut etc</a:t>
             </a:r>
+            <a:endParaRPr lang="de-CH"/>
           </a:p>
         </p:txBody>
       </p:sp>
@@ -6337,9 +6360,9 @@
           </a:lstStyle>
           <a:p>
             <a:fld id="{029F7034-3EA2-458F-BF6E-BF9A1465AA96}" type="datetime1">
-              <a:rPr lang="de-CH"/>
+              <a:rPr lang="de-CH" smtClean="0"/>
               <a:pPr/>
-              <a:t>03.01.2011</a:t>
+              <a:t>05.01.2011</a:t>
             </a:fld>
             <a:endParaRPr lang="de-CH"/>
           </a:p>
@@ -6365,9 +6388,10 @@
           </a:lstStyle>
           <a:p>
             <a:r>
-              <a:rPr lang="de-CH"/>
+              <a:rPr lang="de-CH" smtClean="0"/>
               <a:t>Fusszeile: Institut etc</a:t>
             </a:r>
+            <a:endParaRPr lang="de-CH"/>
           </a:p>
         </p:txBody>
       </p:sp>
@@ -6529,9 +6553,9 @@
           </a:lstStyle>
           <a:p>
             <a:fld id="{953634B1-1D9A-48EA-9F88-13D7D2735112}" type="datetime1">
-              <a:rPr lang="de-CH"/>
+              <a:rPr lang="de-CH" smtClean="0"/>
               <a:pPr/>
-              <a:t>03.01.2011</a:t>
+              <a:t>05.01.2011</a:t>
             </a:fld>
             <a:endParaRPr lang="de-CH"/>
           </a:p>
@@ -6557,9 +6581,10 @@
           </a:lstStyle>
           <a:p>
             <a:r>
-              <a:rPr lang="de-CH"/>
+              <a:rPr lang="de-CH" smtClean="0"/>
               <a:t>Fusszeile: Institut etc</a:t>
             </a:r>
+            <a:endParaRPr lang="de-CH"/>
           </a:p>
         </p:txBody>
       </p:sp>
@@ -6729,9 +6754,9 @@
           </a:lstStyle>
           <a:p>
             <a:fld id="{8285F0D4-38F3-4CC8-A739-07C5D78F8665}" type="datetime1">
-              <a:rPr lang="de-CH"/>
+              <a:rPr lang="de-CH" smtClean="0"/>
               <a:pPr/>
-              <a:t>03.01.2011</a:t>
+              <a:t>05.01.2011</a:t>
             </a:fld>
             <a:endParaRPr lang="de-CH"/>
           </a:p>
@@ -6757,9 +6782,10 @@
           </a:lstStyle>
           <a:p>
             <a:r>
-              <a:rPr lang="de-CH"/>
+              <a:rPr lang="de-CH" smtClean="0"/>
               <a:t>Fusszeile: Institut etc</a:t>
             </a:r>
+            <a:endParaRPr lang="de-CH"/>
           </a:p>
         </p:txBody>
       </p:sp>
@@ -6911,9 +6937,9 @@
           </a:lstStyle>
           <a:p>
             <a:fld id="{FAB429A5-16A5-472B-8DB9-5E9C5986B4F3}" type="datetime1">
-              <a:rPr lang="de-CH"/>
+              <a:rPr lang="de-CH" smtClean="0"/>
               <a:pPr/>
-              <a:t>03.01.2011</a:t>
+              <a:t>05.01.2011</a:t>
             </a:fld>
             <a:endParaRPr lang="de-CH"/>
           </a:p>
@@ -6939,9 +6965,10 @@
           </a:lstStyle>
           <a:p>
             <a:r>
-              <a:rPr lang="de-CH"/>
+              <a:rPr lang="de-CH" smtClean="0"/>
               <a:t>Fusszeile: Institut etc</a:t>
             </a:r>
+            <a:endParaRPr lang="de-CH"/>
           </a:p>
         </p:txBody>
       </p:sp>
@@ -7115,9 +7142,9 @@
           </a:lstStyle>
           <a:p>
             <a:fld id="{0C2F24D8-D731-458E-B3F6-B8DD01364239}" type="datetime1">
-              <a:rPr lang="de-CH"/>
+              <a:rPr lang="de-CH" smtClean="0"/>
               <a:pPr/>
-              <a:t>03.01.2011</a:t>
+              <a:t>05.01.2011</a:t>
             </a:fld>
             <a:endParaRPr lang="de-CH"/>
           </a:p>
@@ -7143,9 +7170,10 @@
           </a:lstStyle>
           <a:p>
             <a:r>
-              <a:rPr lang="de-CH"/>
+              <a:rPr lang="de-CH" smtClean="0"/>
               <a:t>Fusszeile: Institut etc</a:t>
             </a:r>
+            <a:endParaRPr lang="de-CH"/>
           </a:p>
         </p:txBody>
       </p:sp>
@@ -7415,9 +7443,9 @@
           </a:lstStyle>
           <a:p>
             <a:fld id="{3236EE96-4A26-42EC-9731-CB49D7B306F3}" type="datetime1">
-              <a:rPr lang="de-CH"/>
+              <a:rPr lang="de-CH" smtClean="0"/>
               <a:pPr/>
-              <a:t>03.01.2011</a:t>
+              <a:t>05.01.2011</a:t>
             </a:fld>
             <a:endParaRPr lang="de-CH"/>
           </a:p>
@@ -7443,9 +7471,10 @@
           </a:lstStyle>
           <a:p>
             <a:r>
-              <a:rPr lang="de-CH"/>
+              <a:rPr lang="de-CH" smtClean="0"/>
               <a:t>Fusszeile: Institut etc</a:t>
             </a:r>
+            <a:endParaRPr lang="de-CH"/>
           </a:p>
         </p:txBody>
       </p:sp>
@@ -7854,9 +7883,9 @@
           </a:lstStyle>
           <a:p>
             <a:fld id="{31E0D4EE-63B7-4D6F-972B-658CE75EE471}" type="datetime1">
-              <a:rPr lang="de-CH"/>
+              <a:rPr lang="de-CH" smtClean="0"/>
               <a:pPr/>
-              <a:t>03.01.2011</a:t>
+              <a:t>05.01.2011</a:t>
             </a:fld>
             <a:endParaRPr lang="de-CH"/>
           </a:p>
@@ -7882,9 +7911,10 @@
           </a:lstStyle>
           <a:p>
             <a:r>
-              <a:rPr lang="de-CH"/>
+              <a:rPr lang="de-CH" smtClean="0"/>
               <a:t>Fusszeile: Institut etc</a:t>
             </a:r>
+            <a:endParaRPr lang="de-CH"/>
           </a:p>
         </p:txBody>
       </p:sp>
@@ -7984,9 +8014,9 @@
           </a:lstStyle>
           <a:p>
             <a:fld id="{A609443E-D446-442A-9FBD-AEAFA84F95E6}" type="datetime1">
-              <a:rPr lang="de-CH"/>
+              <a:rPr lang="de-CH" smtClean="0"/>
               <a:pPr/>
-              <a:t>03.01.2011</a:t>
+              <a:t>05.01.2011</a:t>
             </a:fld>
             <a:endParaRPr lang="de-CH"/>
           </a:p>
@@ -8012,9 +8042,10 @@
           </a:lstStyle>
           <a:p>
             <a:r>
-              <a:rPr lang="de-CH"/>
+              <a:rPr lang="de-CH" smtClean="0"/>
               <a:t>Fusszeile: Institut etc</a:t>
             </a:r>
+            <a:endParaRPr lang="de-CH"/>
           </a:p>
         </p:txBody>
       </p:sp>
@@ -8284,9 +8315,9 @@
           </a:lstStyle>
           <a:p>
             <a:fld id="{0EBEB26E-FAA9-43F7-ACCD-651B9922C582}" type="datetime1">
-              <a:rPr lang="de-CH"/>
+              <a:rPr lang="de-CH" smtClean="0"/>
               <a:pPr/>
-              <a:t>03.01.2011</a:t>
+              <a:t>05.01.2011</a:t>
             </a:fld>
             <a:endParaRPr lang="de-CH"/>
           </a:p>
@@ -8312,9 +8343,10 @@
           </a:lstStyle>
           <a:p>
             <a:r>
-              <a:rPr lang="de-CH"/>
+              <a:rPr lang="de-CH" smtClean="0"/>
               <a:t>Fusszeile: Institut etc</a:t>
             </a:r>
+            <a:endParaRPr lang="de-CH"/>
           </a:p>
         </p:txBody>
       </p:sp>
@@ -8391,9 +8423,9 @@
           </a:lstStyle>
           <a:p>
             <a:fld id="{719F4A55-C648-4A52-A678-8B2779C23B28}" type="datetime1">
-              <a:rPr lang="de-CH"/>
+              <a:rPr lang="de-CH" smtClean="0"/>
               <a:pPr/>
-              <a:t>03.01.2011</a:t>
+              <a:t>05.01.2011</a:t>
             </a:fld>
             <a:endParaRPr lang="de-CH"/>
           </a:p>
@@ -8419,9 +8451,10 @@
           </a:lstStyle>
           <a:p>
             <a:r>
-              <a:rPr lang="de-CH"/>
+              <a:rPr lang="de-CH" smtClean="0"/>
               <a:t>Fusszeile: Institut etc</a:t>
             </a:r>
+            <a:endParaRPr lang="de-CH"/>
           </a:p>
         </p:txBody>
       </p:sp>
@@ -8680,9 +8713,9 @@
           </a:lstStyle>
           <a:p>
             <a:fld id="{2EDBB5F2-C9C9-44E9-A8F3-387716D7F22A}" type="datetime1">
-              <a:rPr lang="de-CH"/>
+              <a:rPr lang="de-CH" smtClean="0"/>
               <a:pPr/>
-              <a:t>03.01.2011</a:t>
+              <a:t>05.01.2011</a:t>
             </a:fld>
             <a:endParaRPr lang="de-CH"/>
           </a:p>
@@ -8708,9 +8741,10 @@
           </a:lstStyle>
           <a:p>
             <a:r>
-              <a:rPr lang="de-CH"/>
+              <a:rPr lang="de-CH" smtClean="0"/>
               <a:t>Fusszeile: Institut etc</a:t>
             </a:r>
+            <a:endParaRPr lang="de-CH"/>
           </a:p>
         </p:txBody>
       </p:sp>
@@ -8945,9 +8979,9 @@
           </a:lstStyle>
           <a:p>
             <a:fld id="{9E779988-00A4-44F4-8892-49C27C4875A1}" type="datetime1">
-              <a:rPr lang="de-CH"/>
+              <a:rPr lang="de-CH" smtClean="0"/>
               <a:pPr/>
-              <a:t>03.01.2011</a:t>
+              <a:t>05.01.2011</a:t>
             </a:fld>
             <a:endParaRPr lang="de-CH"/>
           </a:p>
@@ -8973,9 +9007,10 @@
           </a:lstStyle>
           <a:p>
             <a:r>
-              <a:rPr lang="de-CH"/>
+              <a:rPr lang="de-CH" smtClean="0"/>
               <a:t>Fusszeile: Institut etc</a:t>
             </a:r>
+            <a:endParaRPr lang="de-CH"/>
           </a:p>
         </p:txBody>
       </p:sp>
@@ -9127,9 +9162,9 @@
           </a:lstStyle>
           <a:p>
             <a:fld id="{B54FE42C-DC26-42ED-ADE4-41C50EA3A1EE}" type="datetime1">
-              <a:rPr lang="de-CH"/>
+              <a:rPr lang="de-CH" smtClean="0"/>
               <a:pPr/>
-              <a:t>03.01.2011</a:t>
+              <a:t>05.01.2011</a:t>
             </a:fld>
             <a:endParaRPr lang="de-CH"/>
           </a:p>
@@ -9155,9 +9190,10 @@
           </a:lstStyle>
           <a:p>
             <a:r>
-              <a:rPr lang="de-CH"/>
+              <a:rPr lang="de-CH" smtClean="0"/>
               <a:t>Fusszeile: Institut etc</a:t>
             </a:r>
+            <a:endParaRPr lang="de-CH"/>
           </a:p>
         </p:txBody>
       </p:sp>
@@ -9319,9 +9355,9 @@
           </a:lstStyle>
           <a:p>
             <a:fld id="{FA53D92C-01D5-4CF3-88FF-F07FF806F059}" type="datetime1">
-              <a:rPr lang="de-CH"/>
+              <a:rPr lang="de-CH" smtClean="0"/>
               <a:pPr/>
-              <a:t>03.01.2011</a:t>
+              <a:t>05.01.2011</a:t>
             </a:fld>
             <a:endParaRPr lang="de-CH"/>
           </a:p>
@@ -9347,9 +9383,10 @@
           </a:lstStyle>
           <a:p>
             <a:r>
-              <a:rPr lang="de-CH"/>
+              <a:rPr lang="de-CH" smtClean="0"/>
               <a:t>Fusszeile: Institut etc</a:t>
             </a:r>
+            <a:endParaRPr lang="de-CH"/>
           </a:p>
         </p:txBody>
       </p:sp>
@@ -9758,9 +9795,9 @@
           </a:lstStyle>
           <a:p>
             <a:fld id="{22921EC6-F5A7-430C-9568-29661CFA53A0}" type="datetime1">
-              <a:rPr lang="de-CH"/>
+              <a:rPr lang="de-CH" smtClean="0"/>
               <a:pPr/>
-              <a:t>03.01.2011</a:t>
+              <a:t>05.01.2011</a:t>
             </a:fld>
             <a:endParaRPr lang="de-CH"/>
           </a:p>
@@ -9786,9 +9823,10 @@
           </a:lstStyle>
           <a:p>
             <a:r>
-              <a:rPr lang="de-CH"/>
+              <a:rPr lang="de-CH" smtClean="0"/>
               <a:t>Fusszeile: Institut etc</a:t>
             </a:r>
+            <a:endParaRPr lang="de-CH"/>
           </a:p>
         </p:txBody>
       </p:sp>
@@ -9888,9 +9926,9 @@
           </a:lstStyle>
           <a:p>
             <a:fld id="{A4CF0BE4-69A1-430E-A15F-6EAA275DC771}" type="datetime1">
-              <a:rPr lang="de-CH"/>
+              <a:rPr lang="de-CH" smtClean="0"/>
               <a:pPr/>
-              <a:t>03.01.2011</a:t>
+              <a:t>05.01.2011</a:t>
             </a:fld>
             <a:endParaRPr lang="de-CH"/>
           </a:p>
@@ -9916,9 +9954,10 @@
           </a:lstStyle>
           <a:p>
             <a:r>
-              <a:rPr lang="de-CH"/>
+              <a:rPr lang="de-CH" smtClean="0"/>
               <a:t>Fusszeile: Institut etc</a:t>
             </a:r>
+            <a:endParaRPr lang="de-CH"/>
           </a:p>
         </p:txBody>
       </p:sp>
@@ -9995,9 +10034,9 @@
           </a:lstStyle>
           <a:p>
             <a:fld id="{34C61C2C-7F3C-4708-87C3-A201A765C4DF}" type="datetime1">
-              <a:rPr lang="de-CH"/>
+              <a:rPr lang="de-CH" smtClean="0"/>
               <a:pPr/>
-              <a:t>03.01.2011</a:t>
+              <a:t>05.01.2011</a:t>
             </a:fld>
             <a:endParaRPr lang="de-CH"/>
           </a:p>
@@ -10023,9 +10062,10 @@
           </a:lstStyle>
           <a:p>
             <a:r>
-              <a:rPr lang="de-CH"/>
+              <a:rPr lang="de-CH" smtClean="0"/>
               <a:t>Fusszeile: Institut etc</a:t>
             </a:r>
+            <a:endParaRPr lang="de-CH"/>
           </a:p>
         </p:txBody>
       </p:sp>
@@ -10284,9 +10324,9 @@
           </a:lstStyle>
           <a:p>
             <a:fld id="{39941886-3E11-4D5B-B4FC-8D611C28ED69}" type="datetime1">
-              <a:rPr lang="de-CH"/>
+              <a:rPr lang="de-CH" smtClean="0"/>
               <a:pPr/>
-              <a:t>03.01.2011</a:t>
+              <a:t>05.01.2011</a:t>
             </a:fld>
             <a:endParaRPr lang="de-CH"/>
           </a:p>
@@ -10312,9 +10352,10 @@
           </a:lstStyle>
           <a:p>
             <a:r>
-              <a:rPr lang="de-CH"/>
+              <a:rPr lang="de-CH" smtClean="0"/>
               <a:t>Fusszeile: Institut etc</a:t>
             </a:r>
+            <a:endParaRPr lang="de-CH"/>
           </a:p>
         </p:txBody>
       </p:sp>
@@ -10553,9 +10594,9 @@
           </a:lstStyle>
           <a:p>
             <a:fld id="{1CEE9190-1C0A-4873-8E35-A3DC097433C0}" type="datetime1">
-              <a:rPr lang="de-CH"/>
+              <a:rPr lang="de-CH" smtClean="0"/>
               <a:pPr/>
-              <a:t>03.01.2011</a:t>
+              <a:t>05.01.2011</a:t>
             </a:fld>
             <a:endParaRPr lang="de-CH"/>
           </a:p>
@@ -10581,9 +10622,10 @@
           </a:lstStyle>
           <a:p>
             <a:r>
-              <a:rPr lang="de-CH"/>
+              <a:rPr lang="de-CH" smtClean="0"/>
               <a:t>Fusszeile: Institut etc</a:t>
             </a:r>
+            <a:endParaRPr lang="de-CH"/>
           </a:p>
         </p:txBody>
       </p:sp>
@@ -10802,9 +10844,9 @@
           </a:lstStyle>
           <a:p>
             <a:fld id="{23F9165D-E5DE-4C67-AA17-B90458E19C17}" type="datetime1">
-              <a:rPr lang="de-CH"/>
+              <a:rPr lang="de-CH" smtClean="0"/>
               <a:pPr/>
-              <a:t>03.01.2011</a:t>
+              <a:t>05.01.2011</a:t>
             </a:fld>
             <a:endParaRPr lang="de-CH"/>
           </a:p>
@@ -10850,9 +10892,10 @@
           </a:lstStyle>
           <a:p>
             <a:r>
-              <a:rPr lang="de-CH"/>
+              <a:rPr lang="de-CH" smtClean="0"/>
               <a:t>Fusszeile: Institut etc</a:t>
             </a:r>
+            <a:endParaRPr lang="de-CH"/>
           </a:p>
         </p:txBody>
       </p:sp>
@@ -11577,9 +11620,9 @@
           </a:lstStyle>
           <a:p>
             <a:fld id="{19D35908-844F-4ABE-B78E-458E2E524B7E}" type="datetime1">
-              <a:rPr lang="de-CH"/>
+              <a:rPr lang="de-CH" smtClean="0"/>
               <a:pPr/>
-              <a:t>03.01.2011</a:t>
+              <a:t>05.01.2011</a:t>
             </a:fld>
             <a:endParaRPr lang="de-CH"/>
           </a:p>
@@ -11625,9 +11668,10 @@
           </a:lstStyle>
           <a:p>
             <a:r>
-              <a:rPr lang="de-CH"/>
+              <a:rPr lang="de-CH" smtClean="0"/>
               <a:t>Fusszeile: Institut etc</a:t>
             </a:r>
+            <a:endParaRPr lang="de-CH"/>
           </a:p>
         </p:txBody>
       </p:sp>
@@ -12352,9 +12396,9 @@
           </a:lstStyle>
           <a:p>
             <a:fld id="{B42C9D14-A430-49D4-8F25-68442D5B6000}" type="datetime1">
-              <a:rPr lang="de-CH"/>
+              <a:rPr lang="de-CH" smtClean="0"/>
               <a:pPr/>
-              <a:t>03.01.2011</a:t>
+              <a:t>05.01.2011</a:t>
             </a:fld>
             <a:endParaRPr lang="de-CH"/>
           </a:p>
@@ -12400,9 +12444,10 @@
           </a:lstStyle>
           <a:p>
             <a:r>
-              <a:rPr lang="de-CH"/>
+              <a:rPr lang="de-CH" smtClean="0"/>
               <a:t>Fusszeile: Institut etc</a:t>
             </a:r>
+            <a:endParaRPr lang="de-CH"/>
           </a:p>
         </p:txBody>
       </p:sp>
@@ -13100,9 +13145,9 @@
           </a:lstStyle>
           <a:p>
             <a:fld id="{CF40E398-99CA-4B91-831D-0D33FDD8BAC7}" type="datetime1">
-              <a:rPr lang="de-CH"/>
+              <a:rPr lang="de-CH" smtClean="0"/>
               <a:pPr/>
-              <a:t>03.01.2011</a:t>
+              <a:t>05.01.2011</a:t>
             </a:fld>
             <a:endParaRPr lang="de-CH"/>
           </a:p>
@@ -13148,9 +13193,10 @@
           </a:lstStyle>
           <a:p>
             <a:r>
-              <a:rPr lang="de-CH"/>
+              <a:rPr lang="de-CH" smtClean="0"/>
               <a:t>Fusszeile: Institut etc</a:t>
             </a:r>
+            <a:endParaRPr lang="de-CH"/>
           </a:p>
         </p:txBody>
       </p:sp>
@@ -13720,7 +13766,18 @@
           <a:p>
             <a:r>
               <a:rPr lang="de-CH" sz="3600" dirty="0" smtClean="0"/>
-              <a:t>Newtonische Axiom</a:t>
+              <a:t>Plot Applikation</a:t>
+            </a:r>
+            <a:br>
+              <a:rPr lang="de-CH" sz="3600" dirty="0" smtClean="0"/>
+            </a:br>
+            <a:r>
+              <a:rPr lang="de-CH" sz="3600" dirty="0" err="1" smtClean="0"/>
+              <a:t>Newtonsche</a:t>
+            </a:r>
+            <a:r>
+              <a:rPr lang="de-CH" sz="3600" dirty="0" smtClean="0"/>
+              <a:t> Axiome</a:t>
             </a:r>
             <a:endParaRPr lang="de-CH" sz="3600" dirty="0"/>
           </a:p>
@@ -13758,36 +13815,45 @@
           <a:lstStyle/>
           <a:p>
             <a:pPr algn="ctr" defTabSz="1042988"/>
-            <a:r>
-              <a:rPr lang="de-CH" dirty="0" smtClean="0"/>
-              <a:t>3.1.2011, </a:t>
-            </a:r>
-          </a:p>
-          <a:p>
-            <a:pPr algn="ctr" defTabSz="1042988"/>
-            <a:r>
-              <a:rPr lang="de-CH" dirty="0" smtClean="0"/>
-              <a:t>Daniel </a:t>
-            </a:r>
-            <a:r>
-              <a:rPr lang="de-CH" dirty="0" err="1" smtClean="0"/>
-              <a:t>Xander</a:t>
-            </a:r>
-            <a:r>
-              <a:rPr lang="de-CH" dirty="0" smtClean="0"/>
-              <a:t>, </a:t>
-            </a:r>
-            <a:r>
-              <a:rPr lang="de-CH" smtClean="0"/>
-              <a:t>John Truong</a:t>
-            </a:r>
-            <a:endParaRPr lang="de-CH" dirty="0"/>
-          </a:p>
-        </p:txBody>
-      </p:sp>
-      <p:sp>
-        <p:nvSpPr>
-          <p:cNvPr id="1027" name="Rectangle 3"/>
+            <a:endParaRPr lang="de-CH" dirty="0" smtClean="0"/>
+          </a:p>
+        </p:txBody>
+      </p:sp>
+      <p:pic>
+        <p:nvPicPr>
+          <p:cNvPr id="1026" name="Picture 2"/>
+          <p:cNvPicPr>
+            <a:picLocks noChangeAspect="1" noChangeArrowheads="1"/>
+          </p:cNvPicPr>
+          <p:nvPr/>
+        </p:nvPicPr>
+        <p:blipFill>
+          <a:blip r:embed="rId2" cstate="print"/>
+          <a:srcRect/>
+          <a:stretch>
+            <a:fillRect/>
+          </a:stretch>
+        </p:blipFill>
+        <p:spPr bwMode="auto">
+          <a:xfrm>
+            <a:off x="954212" y="3348583"/>
+            <a:ext cx="4004006" cy="2840272"/>
+          </a:xfrm>
+          <a:prstGeom prst="rect">
+            <a:avLst/>
+          </a:prstGeom>
+          <a:noFill/>
+          <a:ln w="9525">
+            <a:noFill/>
+            <a:miter lim="800000"/>
+            <a:headEnd/>
+            <a:tailEnd/>
+          </a:ln>
+        </p:spPr>
+      </p:pic>
+      <p:sp>
+        <p:nvSpPr>
+          <p:cNvPr id="6" name="Rectangle 2"/>
           <p:cNvSpPr>
             <a:spLocks noChangeArrowheads="1"/>
           </p:cNvSpPr>
@@ -13796,13 +13862,13 @@
         <p:spPr bwMode="auto">
           <a:xfrm>
             <a:off x="0" y="3280565"/>
-            <a:ext cx="774668" cy="3071834"/>
+            <a:ext cx="774667" cy="3071834"/>
           </a:xfrm>
           <a:prstGeom prst="rect">
             <a:avLst/>
           </a:prstGeom>
           <a:solidFill>
-            <a:srgbClr val="9999FF"/>
+            <a:srgbClr val="FF6600"/>
           </a:solidFill>
           <a:ln w="9525">
             <a:noFill/>
@@ -13820,6 +13886,77 @@
           <a:lstStyle/>
           <a:p>
             <a:endParaRPr lang="de-CH"/>
+          </a:p>
+        </p:txBody>
+      </p:sp>
+      <p:pic>
+        <p:nvPicPr>
+          <p:cNvPr id="1028" name="Picture 4"/>
+          <p:cNvPicPr>
+            <a:picLocks noChangeAspect="1" noChangeArrowheads="1"/>
+          </p:cNvPicPr>
+          <p:nvPr/>
+        </p:nvPicPr>
+        <p:blipFill>
+          <a:blip r:embed="rId3" cstate="print"/>
+          <a:srcRect/>
+          <a:stretch>
+            <a:fillRect/>
+          </a:stretch>
+        </p:blipFill>
+        <p:spPr bwMode="auto">
+          <a:xfrm>
+            <a:off x="5202684" y="3348583"/>
+            <a:ext cx="4617540" cy="2878734"/>
+          </a:xfrm>
+          <a:prstGeom prst="rect">
+            <a:avLst/>
+          </a:prstGeom>
+          <a:noFill/>
+          <a:ln w="9525">
+            <a:noFill/>
+            <a:miter lim="800000"/>
+            <a:headEnd/>
+            <a:tailEnd/>
+          </a:ln>
+        </p:spPr>
+      </p:pic>
+      <p:sp>
+        <p:nvSpPr>
+          <p:cNvPr id="10" name="Textfeld 9"/>
+          <p:cNvSpPr txBox="1"/>
+          <p:nvPr/>
+        </p:nvSpPr>
+        <p:spPr>
+          <a:xfrm>
+            <a:off x="3186460" y="7020991"/>
+            <a:ext cx="4176464" cy="415498"/>
+          </a:xfrm>
+          <a:prstGeom prst="rect">
+            <a:avLst/>
+          </a:prstGeom>
+          <a:noFill/>
+        </p:spPr>
+        <p:txBody>
+          <a:bodyPr wrap="square" rtlCol="0">
+            <a:spAutoFit/>
+          </a:bodyPr>
+          <a:lstStyle/>
+          <a:p>
+            <a:pPr algn="ctr"/>
+            <a:r>
+              <a:rPr lang="de-CH" dirty="0" smtClean="0"/>
+              <a:t>Daniel </a:t>
+            </a:r>
+            <a:r>
+              <a:rPr lang="de-CH" dirty="0" err="1" smtClean="0"/>
+              <a:t>Xander</a:t>
+            </a:r>
+            <a:r>
+              <a:rPr lang="de-CH" dirty="0" smtClean="0"/>
+              <a:t> und John Truong</a:t>
+            </a:r>
+            <a:endParaRPr lang="de-CH" dirty="0"/>
           </a:p>
         </p:txBody>
       </p:sp>
@@ -13870,7 +14007,7 @@
           <a:bodyPr/>
           <a:lstStyle/>
           <a:p>
-            <a:endParaRPr lang="de-CH" dirty="0"/>
+            <a:endParaRPr lang="de-CH"/>
           </a:p>
         </p:txBody>
       </p:sp>
@@ -13892,15 +14029,16 @@
             <a:endParaRPr lang="de-CH" dirty="0" smtClean="0"/>
           </a:p>
           <a:p>
-            <a:endParaRPr lang="de-CH" dirty="0" smtClean="0"/>
-          </a:p>
-          <a:p>
             <a:pPr algn="ctr"/>
             <a:r>
-              <a:rPr lang="de-CH" dirty="0" smtClean="0"/>
-              <a:t>Fragen</a:t>
-            </a:r>
-            <a:endParaRPr lang="de-CH" dirty="0"/>
+              <a:rPr lang="de-CH" sz="6000" dirty="0" err="1" smtClean="0">
+                <a:latin typeface="Freestyle Script" pitchFamily="66" charset="0"/>
+              </a:rPr>
+              <a:t>fin</a:t>
+            </a:r>
+            <a:endParaRPr lang="de-CH" sz="6000" dirty="0" smtClean="0">
+              <a:latin typeface="Freestyle Script" pitchFamily="66" charset="0"/>
+            </a:endParaRPr>
           </a:p>
         </p:txBody>
       </p:sp>
@@ -13922,7 +14060,7 @@
             <a:fld id="{BF3A9F55-599C-49F5-AF74-04C3502D40EF}" type="datetime1">
               <a:rPr lang="de-CH" smtClean="0"/>
               <a:pPr/>
-              <a:t>03.01.2011</a:t>
+              <a:t>05.01.2011</a:t>
             </a:fld>
             <a:endParaRPr lang="de-CH"/>
           </a:p>
@@ -13975,155 +14113,40 @@
           </a:p>
         </p:txBody>
       </p:sp>
-    </p:spTree>
-  </p:cSld>
-  <p:clrMapOvr>
-    <a:masterClrMapping/>
-  </p:clrMapOvr>
-  <p:timing>
-    <p:tnLst>
-      <p:par>
-        <p:cTn id="1" dur="indefinite" restart="never" nodeType="tmRoot"/>
-      </p:par>
-    </p:tnLst>
-  </p:timing>
-</p:sld>
-</file>
-
-<file path=ppt/slides/slide11.xml><?xml version="1.0" encoding="utf-8"?>
-<p:sld xmlns:a="http://schemas.openxmlformats.org/drawingml/2006/main" xmlns:r="http://schemas.openxmlformats.org/officeDocument/2006/relationships" xmlns:p="http://schemas.openxmlformats.org/presentationml/2006/main">
-  <p:cSld>
-    <p:spTree>
-      <p:nvGrpSpPr>
-        <p:cNvPr id="1" name=""/>
-        <p:cNvGrpSpPr/>
-        <p:nvPr/>
-      </p:nvGrpSpPr>
-      <p:grpSpPr>
-        <a:xfrm>
-          <a:off x="0" y="0"/>
-          <a:ext cx="0" cy="0"/>
-          <a:chOff x="0" y="0"/>
-          <a:chExt cx="0" cy="0"/>
-        </a:xfrm>
-      </p:grpSpPr>
-      <p:sp>
-        <p:nvSpPr>
-          <p:cNvPr id="2" name="Titel 1"/>
-          <p:cNvSpPr>
-            <a:spLocks noGrp="1"/>
-          </p:cNvSpPr>
-          <p:nvPr>
-            <p:ph type="title"/>
-          </p:nvPr>
-        </p:nvSpPr>
-        <p:spPr/>
-        <p:txBody>
-          <a:bodyPr/>
+      <p:sp>
+        <p:nvSpPr>
+          <p:cNvPr id="7" name="Rectangle 2"/>
+          <p:cNvSpPr>
+            <a:spLocks noChangeArrowheads="1"/>
+          </p:cNvSpPr>
+          <p:nvPr/>
+        </p:nvSpPr>
+        <p:spPr bwMode="auto">
+          <a:xfrm>
+            <a:off x="0" y="3280565"/>
+            <a:ext cx="774667" cy="3071834"/>
+          </a:xfrm>
+          <a:prstGeom prst="rect">
+            <a:avLst/>
+          </a:prstGeom>
+          <a:solidFill>
+            <a:srgbClr val="FF6600"/>
+          </a:solidFill>
+          <a:ln w="9525">
+            <a:noFill/>
+            <a:miter lim="800000"/>
+            <a:headEnd/>
+            <a:tailEnd/>
+          </a:ln>
+        </p:spPr>
+        <p:txBody>
+          <a:bodyPr vert="horz" wrap="square" lIns="91440" tIns="45720" rIns="91440" bIns="45720" numCol="1" anchor="t" anchorCtr="0" compatLnSpc="1">
+            <a:prstTxWarp prst="textNoShape">
+              <a:avLst/>
+            </a:prstTxWarp>
+          </a:bodyPr>
           <a:lstStyle/>
           <a:p>
-            <a:endParaRPr lang="de-CH"/>
-          </a:p>
-        </p:txBody>
-      </p:sp>
-      <p:sp>
-        <p:nvSpPr>
-          <p:cNvPr id="3" name="Inhaltsplatzhalter 2"/>
-          <p:cNvSpPr>
-            <a:spLocks noGrp="1"/>
-          </p:cNvSpPr>
-          <p:nvPr>
-            <p:ph idx="1"/>
-          </p:nvPr>
-        </p:nvSpPr>
-        <p:spPr/>
-        <p:txBody>
-          <a:bodyPr/>
-          <a:lstStyle/>
-          <a:p>
-            <a:endParaRPr lang="de-CH" dirty="0" smtClean="0"/>
-          </a:p>
-          <a:p>
-            <a:pPr algn="ctr"/>
-            <a:r>
-              <a:rPr lang="de-CH" sz="6000" dirty="0" err="1" smtClean="0">
-                <a:latin typeface="Freestyle Script" pitchFamily="66" charset="0"/>
-              </a:rPr>
-              <a:t>fin</a:t>
-            </a:r>
-            <a:endParaRPr lang="de-CH" sz="6000" dirty="0" smtClean="0">
-              <a:latin typeface="Freestyle Script" pitchFamily="66" charset="0"/>
-            </a:endParaRPr>
-          </a:p>
-        </p:txBody>
-      </p:sp>
-      <p:sp>
-        <p:nvSpPr>
-          <p:cNvPr id="4" name="Datumsplatzhalter 3"/>
-          <p:cNvSpPr>
-            <a:spLocks noGrp="1"/>
-          </p:cNvSpPr>
-          <p:nvPr>
-            <p:ph type="dt" sz="half" idx="10"/>
-          </p:nvPr>
-        </p:nvSpPr>
-        <p:spPr/>
-        <p:txBody>
-          <a:bodyPr/>
-          <a:lstStyle/>
-          <a:p>
-            <a:fld id="{BF3A9F55-599C-49F5-AF74-04C3502D40EF}" type="datetime1">
-              <a:rPr lang="de-CH" smtClean="0"/>
-              <a:pPr/>
-              <a:t>03.01.2011</a:t>
-            </a:fld>
-            <a:endParaRPr lang="de-CH"/>
-          </a:p>
-        </p:txBody>
-      </p:sp>
-      <p:sp>
-        <p:nvSpPr>
-          <p:cNvPr id="5" name="Fußzeilenplatzhalter 4"/>
-          <p:cNvSpPr>
-            <a:spLocks noGrp="1"/>
-          </p:cNvSpPr>
-          <p:nvPr>
-            <p:ph type="ftr" sz="quarter" idx="11"/>
-          </p:nvPr>
-        </p:nvSpPr>
-        <p:spPr/>
-        <p:txBody>
-          <a:bodyPr/>
-          <a:lstStyle/>
-          <a:p>
-            <a:r>
-              <a:rPr lang="de-CH" smtClean="0"/>
-              <a:t>Fusszeile: Institut etc</a:t>
-            </a:r>
-            <a:endParaRPr lang="de-CH"/>
-          </a:p>
-        </p:txBody>
-      </p:sp>
-      <p:sp>
-        <p:nvSpPr>
-          <p:cNvPr id="6" name="Foliennummernplatzhalter 5"/>
-          <p:cNvSpPr>
-            <a:spLocks noGrp="1"/>
-          </p:cNvSpPr>
-          <p:nvPr>
-            <p:ph type="sldNum" sz="quarter" idx="12"/>
-          </p:nvPr>
-        </p:nvSpPr>
-        <p:spPr/>
-        <p:txBody>
-          <a:bodyPr/>
-          <a:lstStyle/>
-          <a:p>
-            <a:fld id="{951F542B-409F-4D05-888D-57A7B176C1CF}" type="slidenum">
-              <a:rPr lang="de-CH" smtClean="0"/>
-              <a:pPr/>
-              <a:t>11</a:t>
-            </a:fld>
             <a:endParaRPr lang="de-CH"/>
           </a:p>
         </p:txBody>
@@ -14176,9 +14199,9 @@
           <a:lstStyle/>
           <a:p>
             <a:fld id="{14F307FF-F894-4080-8B07-C7DD9D592820}" type="datetime1">
-              <a:rPr lang="de-CH"/>
+              <a:rPr lang="de-CH" smtClean="0"/>
               <a:pPr/>
-              <a:t>03.01.2011</a:t>
+              <a:t>05.01.2011</a:t>
             </a:fld>
             <a:endParaRPr lang="de-CH"/>
           </a:p>
@@ -14200,9 +14223,10 @@
           <a:lstStyle/>
           <a:p>
             <a:r>
-              <a:rPr lang="de-CH"/>
-              <a:t>Fusszeile: Institut etc</a:t>
-            </a:r>
+              <a:rPr lang="de-CH" dirty="0" smtClean="0"/>
+              <a:t>Fachhochschule Nordwestschweiz</a:t>
+            </a:r>
+            <a:endParaRPr lang="de-CH" dirty="0"/>
           </a:p>
         </p:txBody>
       </p:sp>
@@ -14240,7 +14264,12 @@
             <p:ph type="title"/>
           </p:nvPr>
         </p:nvSpPr>
-        <p:spPr/>
+        <p:spPr>
+          <a:xfrm>
+            <a:off x="810196" y="1509713"/>
+            <a:ext cx="9140254" cy="361950"/>
+          </a:xfrm>
+        </p:spPr>
         <p:txBody>
           <a:bodyPr/>
           <a:lstStyle/>
@@ -14266,7 +14295,12 @@
             <p:ph type="body" idx="1"/>
           </p:nvPr>
         </p:nvSpPr>
-        <p:spPr/>
+        <p:spPr>
+          <a:xfrm>
+            <a:off x="1098228" y="2197100"/>
+            <a:ext cx="8853810" cy="4464050"/>
+          </a:xfrm>
+        </p:spPr>
         <p:txBody>
           <a:bodyPr/>
           <a:lstStyle/>
@@ -14297,7 +14331,7 @@
             </a:pPr>
             <a:r>
               <a:rPr lang="de-DE" dirty="0" smtClean="0"/>
-              <a:t> Funktion / Architektur (inkl. Demo)</a:t>
+              <a:t> Funktionen der Applikation</a:t>
             </a:r>
           </a:p>
           <a:p>
@@ -14307,7 +14341,7 @@
             </a:pPr>
             <a:r>
               <a:rPr lang="de-DE" dirty="0" smtClean="0"/>
-              <a:t> Vorteil</a:t>
+              <a:t> Demonstration</a:t>
             </a:r>
           </a:p>
           <a:p>
@@ -14317,7 +14351,7 @@
             </a:pPr>
             <a:r>
               <a:rPr lang="de-DE" dirty="0" smtClean="0"/>
-              <a:t> Schlusswort</a:t>
+              <a:t> Vorteile / Nachteile</a:t>
             </a:r>
           </a:p>
           <a:p>
@@ -14327,9 +14361,57 @@
             </a:pPr>
             <a:r>
               <a:rPr lang="de-DE" dirty="0" smtClean="0"/>
+              <a:t> Schlusswort</a:t>
+            </a:r>
+          </a:p>
+          <a:p>
+            <a:pPr>
+              <a:buFont typeface="Arial" pitchFamily="34" charset="0"/>
+              <a:buChar char="•"/>
+            </a:pPr>
+            <a:r>
+              <a:rPr lang="de-DE" dirty="0" smtClean="0"/>
               <a:t> Fragen</a:t>
             </a:r>
             <a:endParaRPr lang="de-DE" dirty="0"/>
+          </a:p>
+        </p:txBody>
+      </p:sp>
+      <p:sp>
+        <p:nvSpPr>
+          <p:cNvPr id="7" name="Rectangle 2"/>
+          <p:cNvSpPr>
+            <a:spLocks noChangeArrowheads="1"/>
+          </p:cNvSpPr>
+          <p:nvPr/>
+        </p:nvSpPr>
+        <p:spPr bwMode="auto">
+          <a:xfrm>
+            <a:off x="0" y="3280565"/>
+            <a:ext cx="774667" cy="3071834"/>
+          </a:xfrm>
+          <a:prstGeom prst="rect">
+            <a:avLst/>
+          </a:prstGeom>
+          <a:solidFill>
+            <a:srgbClr val="FF6600"/>
+          </a:solidFill>
+          <a:ln w="9525">
+            <a:noFill/>
+            <a:miter lim="800000"/>
+            <a:headEnd/>
+            <a:tailEnd/>
+          </a:ln>
+        </p:spPr>
+        <p:txBody>
+          <a:bodyPr vert="horz" wrap="square" lIns="91440" tIns="45720" rIns="91440" bIns="45720" numCol="1" anchor="t" anchorCtr="0" compatLnSpc="1">
+            <a:prstTxWarp prst="textNoShape">
+              <a:avLst/>
+            </a:prstTxWarp>
+          </a:bodyPr>
+          <a:lstStyle/>
+          <a:p>
+            <a:endParaRPr lang="de-CH"/>
           </a:p>
         </p:txBody>
       </p:sp>
@@ -14375,7 +14457,12 @@
             <p:ph type="title"/>
           </p:nvPr>
         </p:nvSpPr>
-        <p:spPr/>
+        <p:spPr>
+          <a:xfrm>
+            <a:off x="810196" y="1509713"/>
+            <a:ext cx="9140254" cy="361950"/>
+          </a:xfrm>
+        </p:spPr>
         <p:txBody>
           <a:bodyPr/>
           <a:lstStyle/>
@@ -14401,7 +14488,12 @@
             <p:ph idx="1"/>
           </p:nvPr>
         </p:nvSpPr>
-        <p:spPr/>
+        <p:spPr>
+          <a:xfrm>
+            <a:off x="1026220" y="2197100"/>
+            <a:ext cx="8925818" cy="4464050"/>
+          </a:xfrm>
+        </p:spPr>
         <p:txBody>
           <a:bodyPr/>
           <a:lstStyle/>
@@ -14412,7 +14504,7 @@
             </a:pPr>
             <a:r>
               <a:rPr lang="de-CH" dirty="0" smtClean="0"/>
-              <a:t> Ziel des Projektes</a:t>
+              <a:t> Allgemein</a:t>
             </a:r>
           </a:p>
           <a:p>
@@ -14422,7 +14514,7 @@
             </a:pPr>
             <a:r>
               <a:rPr lang="de-CH" dirty="0" smtClean="0"/>
-              <a:t>Grafische Anzeige der gemessenen Werten</a:t>
+              <a:t>Erstellen einer Plot Applikation</a:t>
             </a:r>
           </a:p>
           <a:p>
@@ -14432,7 +14524,17 @@
             </a:pPr>
             <a:r>
               <a:rPr lang="de-CH" dirty="0" smtClean="0"/>
-              <a:t>Windows und OS X kompatibel</a:t>
+              <a:t>Python</a:t>
+            </a:r>
+          </a:p>
+          <a:p>
+            <a:pPr>
+              <a:buFont typeface="Arial" pitchFamily="34" charset="0"/>
+              <a:buChar char="•"/>
+            </a:pPr>
+            <a:r>
+              <a:rPr lang="de-CH" dirty="0" smtClean="0"/>
+              <a:t> Ziele des Projektes</a:t>
             </a:r>
           </a:p>
           <a:p>
@@ -14442,7 +14544,34 @@
             </a:pPr>
             <a:r>
               <a:rPr lang="de-CH" dirty="0" smtClean="0"/>
-              <a:t>Vorgehen eines Projektes</a:t>
+              <a:t>Grafische Anzeige der gemessenen Werten</a:t>
+            </a:r>
+          </a:p>
+          <a:p>
+            <a:pPr lvl="1">
+              <a:buFont typeface="Arial" pitchFamily="34" charset="0"/>
+              <a:buChar char="•"/>
+            </a:pPr>
+            <a:r>
+              <a:rPr lang="de-CH" dirty="0" smtClean="0"/>
+              <a:t>Windows und OS X kompatibel</a:t>
+            </a:r>
+          </a:p>
+          <a:p>
+            <a:pPr lvl="1">
+              <a:buFont typeface="Arial" pitchFamily="34" charset="0"/>
+              <a:buChar char="•"/>
+            </a:pPr>
+            <a:endParaRPr lang="de-CH" dirty="0" smtClean="0"/>
+          </a:p>
+          <a:p>
+            <a:pPr lvl="1">
+              <a:buFont typeface="Arial" pitchFamily="34" charset="0"/>
+              <a:buChar char="•"/>
+            </a:pPr>
+            <a:r>
+              <a:rPr lang="de-CH" dirty="0" smtClean="0"/>
+              <a:t>Projektmanagement bezüglich Softwareentwicklung</a:t>
             </a:r>
           </a:p>
         </p:txBody>
@@ -14465,7 +14594,7 @@
             <a:fld id="{BF3A9F55-599C-49F5-AF74-04C3502D40EF}" type="datetime1">
               <a:rPr lang="de-CH" smtClean="0"/>
               <a:pPr/>
-              <a:t>03.01.2011</a:t>
+              <a:t>05.01.2011</a:t>
             </a:fld>
             <a:endParaRPr lang="de-CH"/>
           </a:p>
@@ -14514,6 +14643,44 @@
               <a:pPr/>
               <a:t>3</a:t>
             </a:fld>
+            <a:endParaRPr lang="de-CH"/>
+          </a:p>
+        </p:txBody>
+      </p:sp>
+      <p:sp>
+        <p:nvSpPr>
+          <p:cNvPr id="7" name="Rectangle 2"/>
+          <p:cNvSpPr>
+            <a:spLocks noChangeArrowheads="1"/>
+          </p:cNvSpPr>
+          <p:nvPr/>
+        </p:nvSpPr>
+        <p:spPr bwMode="auto">
+          <a:xfrm>
+            <a:off x="0" y="3280565"/>
+            <a:ext cx="774667" cy="3071834"/>
+          </a:xfrm>
+          <a:prstGeom prst="rect">
+            <a:avLst/>
+          </a:prstGeom>
+          <a:solidFill>
+            <a:srgbClr val="FF6600"/>
+          </a:solidFill>
+          <a:ln w="9525">
+            <a:noFill/>
+            <a:miter lim="800000"/>
+            <a:headEnd/>
+            <a:tailEnd/>
+          </a:ln>
+        </p:spPr>
+        <p:txBody>
+          <a:bodyPr vert="horz" wrap="square" lIns="91440" tIns="45720" rIns="91440" bIns="45720" numCol="1" anchor="t" anchorCtr="0" compatLnSpc="1">
+            <a:prstTxWarp prst="textNoShape">
+              <a:avLst/>
+            </a:prstTxWarp>
+          </a:bodyPr>
+          <a:lstStyle/>
+          <a:p>
             <a:endParaRPr lang="de-CH"/>
           </a:p>
         </p:txBody>
@@ -14560,7 +14727,12 @@
             <p:ph type="title"/>
           </p:nvPr>
         </p:nvSpPr>
-        <p:spPr/>
+        <p:spPr>
+          <a:xfrm>
+            <a:off x="810196" y="1509713"/>
+            <a:ext cx="9140254" cy="361950"/>
+          </a:xfrm>
+        </p:spPr>
         <p:txBody>
           <a:bodyPr/>
           <a:lstStyle/>
@@ -14583,7 +14755,12 @@
             <p:ph idx="1"/>
           </p:nvPr>
         </p:nvSpPr>
-        <p:spPr/>
+        <p:spPr>
+          <a:xfrm>
+            <a:off x="1026220" y="2197100"/>
+            <a:ext cx="8925818" cy="4464050"/>
+          </a:xfrm>
+        </p:spPr>
         <p:txBody>
           <a:bodyPr/>
           <a:lstStyle/>
@@ -14614,7 +14791,7 @@
             </a:pPr>
             <a:r>
               <a:rPr lang="de-CH" dirty="0" smtClean="0"/>
-              <a:t> Fehlervalidierung</a:t>
+              <a:t> Weiterentwicklung / Fehlervalidierung</a:t>
             </a:r>
           </a:p>
           <a:p>
@@ -14648,7 +14825,7 @@
             <a:fld id="{BF3A9F55-599C-49F5-AF74-04C3502D40EF}" type="datetime1">
               <a:rPr lang="de-CH" smtClean="0"/>
               <a:pPr/>
-              <a:t>03.01.2011</a:t>
+              <a:t>05.01.2011</a:t>
             </a:fld>
             <a:endParaRPr lang="de-CH"/>
           </a:p>
@@ -14697,6 +14874,44 @@
               <a:pPr/>
               <a:t>4</a:t>
             </a:fld>
+            <a:endParaRPr lang="de-CH"/>
+          </a:p>
+        </p:txBody>
+      </p:sp>
+      <p:sp>
+        <p:nvSpPr>
+          <p:cNvPr id="7" name="Rectangle 2"/>
+          <p:cNvSpPr>
+            <a:spLocks noChangeArrowheads="1"/>
+          </p:cNvSpPr>
+          <p:nvPr/>
+        </p:nvSpPr>
+        <p:spPr bwMode="auto">
+          <a:xfrm>
+            <a:off x="0" y="3280565"/>
+            <a:ext cx="774667" cy="3071834"/>
+          </a:xfrm>
+          <a:prstGeom prst="rect">
+            <a:avLst/>
+          </a:prstGeom>
+          <a:solidFill>
+            <a:srgbClr val="FF6600"/>
+          </a:solidFill>
+          <a:ln w="9525">
+            <a:noFill/>
+            <a:miter lim="800000"/>
+            <a:headEnd/>
+            <a:tailEnd/>
+          </a:ln>
+        </p:spPr>
+        <p:txBody>
+          <a:bodyPr vert="horz" wrap="square" lIns="91440" tIns="45720" rIns="91440" bIns="45720" numCol="1" anchor="t" anchorCtr="0" compatLnSpc="1">
+            <a:prstTxWarp prst="textNoShape">
+              <a:avLst/>
+            </a:prstTxWarp>
+          </a:bodyPr>
+          <a:lstStyle/>
+          <a:p>
             <a:endParaRPr lang="de-CH"/>
           </a:p>
         </p:txBody>
@@ -14743,14 +14958,19 @@
             <p:ph type="title"/>
           </p:nvPr>
         </p:nvSpPr>
-        <p:spPr/>
+        <p:spPr>
+          <a:xfrm>
+            <a:off x="810196" y="1509713"/>
+            <a:ext cx="9140254" cy="361950"/>
+          </a:xfrm>
+        </p:spPr>
         <p:txBody>
           <a:bodyPr/>
           <a:lstStyle/>
           <a:p>
             <a:r>
               <a:rPr lang="de-CH" dirty="0" smtClean="0"/>
-              <a:t>Funktionen  / Architektur</a:t>
+              <a:t>Funktionen der Applikation</a:t>
             </a:r>
             <a:endParaRPr lang="de-CH" dirty="0"/>
           </a:p>
@@ -14766,7 +14986,12 @@
             <p:ph idx="1"/>
           </p:nvPr>
         </p:nvSpPr>
-        <p:spPr/>
+        <p:spPr>
+          <a:xfrm>
+            <a:off x="1026220" y="2197100"/>
+            <a:ext cx="8925818" cy="4464050"/>
+          </a:xfrm>
+        </p:spPr>
         <p:txBody>
           <a:bodyPr/>
           <a:lstStyle/>
@@ -14777,7 +15002,7 @@
             </a:pPr>
             <a:r>
               <a:rPr lang="de-CH" dirty="0" smtClean="0"/>
-              <a:t>Importfunktion</a:t>
+              <a:t> Importfunktion</a:t>
             </a:r>
           </a:p>
           <a:p>
@@ -14787,16 +15012,13 @@
             </a:pPr>
             <a:r>
               <a:rPr lang="de-CH" dirty="0" smtClean="0"/>
-              <a:t> Zugriff auf SQL-</a:t>
+              <a:t> </a:t>
             </a:r>
             <a:r>
               <a:rPr lang="de-CH" dirty="0" err="1" smtClean="0"/>
-              <a:t>lite</a:t>
-            </a:r>
-            <a:r>
-              <a:rPr lang="de-CH" dirty="0" smtClean="0"/>
-              <a:t> Daten</a:t>
-            </a:r>
+              <a:t>SQLite</a:t>
+            </a:r>
+            <a:endParaRPr lang="de-CH" dirty="0" smtClean="0"/>
           </a:p>
           <a:p>
             <a:pPr>
@@ -14805,7 +15027,7 @@
             </a:pPr>
             <a:r>
               <a:rPr lang="de-CH" dirty="0" smtClean="0"/>
-              <a:t>Experimenten anzeigen</a:t>
+              <a:t> Werte in Tabelle anzeigen</a:t>
             </a:r>
           </a:p>
           <a:p>
@@ -14815,16 +15037,6 @@
             </a:pPr>
             <a:r>
               <a:rPr lang="de-CH" dirty="0" smtClean="0"/>
-              <a:t> Werte in Tabelle anzeigen</a:t>
-            </a:r>
-          </a:p>
-          <a:p>
-            <a:pPr>
-              <a:buFont typeface="Arial" pitchFamily="34" charset="0"/>
-              <a:buChar char="•"/>
-            </a:pPr>
-            <a:r>
-              <a:rPr lang="de-CH" dirty="0" smtClean="0"/>
               <a:t> Werte im Plot anzeigen</a:t>
             </a:r>
           </a:p>
@@ -14834,10 +15046,9 @@
               <a:buChar char="•"/>
             </a:pPr>
             <a:r>
-              <a:rPr lang="de-CH" dirty="0" err="1" smtClean="0"/>
-              <a:t>Dot</a:t>
-            </a:r>
-            <a:endParaRPr lang="de-CH" dirty="0" smtClean="0"/>
+              <a:rPr lang="de-CH" dirty="0" smtClean="0"/>
+              <a:t>Punktdiagramm</a:t>
+            </a:r>
           </a:p>
           <a:p>
             <a:pPr lvl="1">
@@ -14845,10 +15056,9 @@
               <a:buChar char="•"/>
             </a:pPr>
             <a:r>
-              <a:rPr lang="de-CH" dirty="0" err="1" smtClean="0"/>
-              <a:t>Spline</a:t>
-            </a:r>
-            <a:endParaRPr lang="de-CH" dirty="0" smtClean="0"/>
+              <a:rPr lang="de-CH" dirty="0" smtClean="0"/>
+              <a:t>Liniendiagramm</a:t>
+            </a:r>
           </a:p>
           <a:p>
             <a:pPr lvl="1">
@@ -14866,10 +15076,9 @@
               <a:buChar char="•"/>
             </a:pPr>
             <a:r>
-              <a:rPr lang="de-CH" dirty="0" err="1" smtClean="0"/>
-              <a:t>Curve</a:t>
-            </a:r>
-            <a:endParaRPr lang="de-CH" dirty="0" smtClean="0"/>
+              <a:rPr lang="de-CH" dirty="0" smtClean="0"/>
+              <a:t>Approximation</a:t>
+            </a:r>
           </a:p>
         </p:txBody>
       </p:sp>
@@ -14891,7 +15100,7 @@
             <a:fld id="{BF3A9F55-599C-49F5-AF74-04C3502D40EF}" type="datetime1">
               <a:rPr lang="de-CH" smtClean="0"/>
               <a:pPr/>
-              <a:t>03.01.2011</a:t>
+              <a:t>05.01.2011</a:t>
             </a:fld>
             <a:endParaRPr lang="de-CH"/>
           </a:p>
@@ -14940,6 +15149,44 @@
               <a:pPr/>
               <a:t>5</a:t>
             </a:fld>
+            <a:endParaRPr lang="de-CH"/>
+          </a:p>
+        </p:txBody>
+      </p:sp>
+      <p:sp>
+        <p:nvSpPr>
+          <p:cNvPr id="7" name="Rectangle 2"/>
+          <p:cNvSpPr>
+            <a:spLocks noChangeArrowheads="1"/>
+          </p:cNvSpPr>
+          <p:nvPr/>
+        </p:nvSpPr>
+        <p:spPr bwMode="auto">
+          <a:xfrm>
+            <a:off x="0" y="3280565"/>
+            <a:ext cx="774667" cy="3071834"/>
+          </a:xfrm>
+          <a:prstGeom prst="rect">
+            <a:avLst/>
+          </a:prstGeom>
+          <a:solidFill>
+            <a:srgbClr val="FF6600"/>
+          </a:solidFill>
+          <a:ln w="9525">
+            <a:noFill/>
+            <a:miter lim="800000"/>
+            <a:headEnd/>
+            <a:tailEnd/>
+          </a:ln>
+        </p:spPr>
+        <p:txBody>
+          <a:bodyPr vert="horz" wrap="square" lIns="91440" tIns="45720" rIns="91440" bIns="45720" numCol="1" anchor="t" anchorCtr="0" compatLnSpc="1">
+            <a:prstTxWarp prst="textNoShape">
+              <a:avLst/>
+            </a:prstTxWarp>
+          </a:bodyPr>
+          <a:lstStyle/>
+          <a:p>
             <a:endParaRPr lang="de-CH"/>
           </a:p>
         </p:txBody>
@@ -14986,42 +15233,40 @@
             <p:ph type="title"/>
           </p:nvPr>
         </p:nvSpPr>
+        <p:spPr>
+          <a:xfrm>
+            <a:off x="810196" y="1509713"/>
+            <a:ext cx="9140254" cy="361950"/>
+          </a:xfrm>
+        </p:spPr>
+        <p:txBody>
+          <a:bodyPr/>
+          <a:lstStyle/>
+          <a:p>
+            <a:r>
+              <a:rPr lang="de-CH" dirty="0" smtClean="0"/>
+              <a:t>Demonstration</a:t>
+            </a:r>
+            <a:endParaRPr lang="de-CH" dirty="0"/>
+          </a:p>
+        </p:txBody>
+      </p:sp>
+      <p:sp>
+        <p:nvSpPr>
+          <p:cNvPr id="3" name="Inhaltsplatzhalter 2"/>
+          <p:cNvSpPr>
+            <a:spLocks noGrp="1"/>
+          </p:cNvSpPr>
+          <p:nvPr>
+            <p:ph idx="1"/>
+          </p:nvPr>
+        </p:nvSpPr>
         <p:spPr/>
         <p:txBody>
           <a:bodyPr/>
           <a:lstStyle/>
           <a:p>
-            <a:r>
-              <a:rPr lang="de-CH" dirty="0" smtClean="0"/>
-              <a:t>Funktion / Architektur</a:t>
-            </a:r>
-            <a:endParaRPr lang="de-CH" dirty="0"/>
-          </a:p>
-        </p:txBody>
-      </p:sp>
-      <p:sp>
-        <p:nvSpPr>
-          <p:cNvPr id="3" name="Inhaltsplatzhalter 2"/>
-          <p:cNvSpPr>
-            <a:spLocks noGrp="1"/>
-          </p:cNvSpPr>
-          <p:nvPr>
-            <p:ph idx="1"/>
-          </p:nvPr>
-        </p:nvSpPr>
-        <p:spPr/>
-        <p:txBody>
-          <a:bodyPr/>
-          <a:lstStyle/>
-          <a:p>
-            <a:pPr>
-              <a:buFont typeface="Arial" pitchFamily="34" charset="0"/>
-              <a:buChar char="•"/>
-            </a:pPr>
-            <a:r>
-              <a:rPr lang="de-CH" dirty="0" smtClean="0"/>
-              <a:t> Demo</a:t>
-            </a:r>
+            <a:endParaRPr lang="de-CH" dirty="0" smtClean="0"/>
           </a:p>
           <a:p>
             <a:endParaRPr lang="de-CH" dirty="0"/>
@@ -15046,7 +15291,7 @@
             <a:fld id="{BF3A9F55-599C-49F5-AF74-04C3502D40EF}" type="datetime1">
               <a:rPr lang="de-CH" smtClean="0"/>
               <a:pPr/>
-              <a:t>03.01.2011</a:t>
+              <a:t>05.01.2011</a:t>
             </a:fld>
             <a:endParaRPr lang="de-CH"/>
           </a:p>
@@ -15099,6 +15344,76 @@
           </a:p>
         </p:txBody>
       </p:sp>
+      <p:sp>
+        <p:nvSpPr>
+          <p:cNvPr id="7" name="Rectangle 2"/>
+          <p:cNvSpPr>
+            <a:spLocks noChangeArrowheads="1"/>
+          </p:cNvSpPr>
+          <p:nvPr/>
+        </p:nvSpPr>
+        <p:spPr bwMode="auto">
+          <a:xfrm>
+            <a:off x="0" y="3280565"/>
+            <a:ext cx="774667" cy="3071834"/>
+          </a:xfrm>
+          <a:prstGeom prst="rect">
+            <a:avLst/>
+          </a:prstGeom>
+          <a:solidFill>
+            <a:srgbClr val="FF6600"/>
+          </a:solidFill>
+          <a:ln w="9525">
+            <a:noFill/>
+            <a:miter lim="800000"/>
+            <a:headEnd/>
+            <a:tailEnd/>
+          </a:ln>
+        </p:spPr>
+        <p:txBody>
+          <a:bodyPr vert="horz" wrap="square" lIns="91440" tIns="45720" rIns="91440" bIns="45720" numCol="1" anchor="t" anchorCtr="0" compatLnSpc="1">
+            <a:prstTxWarp prst="textNoShape">
+              <a:avLst/>
+            </a:prstTxWarp>
+          </a:bodyPr>
+          <a:lstStyle/>
+          <a:p>
+            <a:endParaRPr lang="de-CH"/>
+          </a:p>
+        </p:txBody>
+      </p:sp>
+      <p:pic>
+        <p:nvPicPr>
+          <p:cNvPr id="2050" name="Picture 2"/>
+          <p:cNvPicPr>
+            <a:picLocks noChangeAspect="1" noChangeArrowheads="1"/>
+          </p:cNvPicPr>
+          <p:nvPr/>
+        </p:nvPicPr>
+        <p:blipFill>
+          <a:blip r:embed="rId2" cstate="print"/>
+          <a:srcRect/>
+          <a:stretch>
+            <a:fillRect/>
+          </a:stretch>
+        </p:blipFill>
+        <p:spPr bwMode="auto">
+          <a:xfrm>
+            <a:off x="2466380" y="2190761"/>
+            <a:ext cx="6046648" cy="4415460"/>
+          </a:xfrm>
+          <a:prstGeom prst="rect">
+            <a:avLst/>
+          </a:prstGeom>
+          <a:noFill/>
+          <a:ln w="9525">
+            <a:noFill/>
+            <a:miter lim="800000"/>
+            <a:headEnd/>
+            <a:tailEnd/>
+          </a:ln>
+        </p:spPr>
+      </p:pic>
     </p:spTree>
   </p:cSld>
   <p:clrMapOvr>
@@ -15141,57 +15456,149 @@
             <p:ph type="title"/>
           </p:nvPr>
         </p:nvSpPr>
+        <p:spPr>
+          <a:xfrm>
+            <a:off x="810196" y="1509713"/>
+            <a:ext cx="9140254" cy="361950"/>
+          </a:xfrm>
+        </p:spPr>
+        <p:txBody>
+          <a:bodyPr/>
+          <a:lstStyle/>
+          <a:p>
+            <a:r>
+              <a:rPr lang="de-CH" dirty="0" smtClean="0"/>
+              <a:t>Vorteile / Nachteile </a:t>
+            </a:r>
+            <a:endParaRPr lang="de-CH" dirty="0"/>
+          </a:p>
+        </p:txBody>
+      </p:sp>
+      <p:sp>
+        <p:nvSpPr>
+          <p:cNvPr id="3" name="Inhaltsplatzhalter 2"/>
+          <p:cNvSpPr>
+            <a:spLocks noGrp="1"/>
+          </p:cNvSpPr>
+          <p:nvPr>
+            <p:ph sz="half" idx="1"/>
+          </p:nvPr>
+        </p:nvSpPr>
+        <p:spPr>
+          <a:xfrm>
+            <a:off x="1026220" y="2197100"/>
+            <a:ext cx="4242693" cy="4464050"/>
+          </a:xfrm>
+        </p:spPr>
+        <p:txBody>
+          <a:bodyPr/>
+          <a:lstStyle/>
+          <a:p>
+            <a:r>
+              <a:rPr lang="de-CH" sz="2000" dirty="0" smtClean="0"/>
+              <a:t>Vorteile</a:t>
+            </a:r>
+          </a:p>
+          <a:p>
+            <a:pPr>
+              <a:buFont typeface="Arial" pitchFamily="34" charset="0"/>
+              <a:buChar char="•"/>
+            </a:pPr>
+            <a:r>
+              <a:rPr lang="de-CH" sz="2000" dirty="0" smtClean="0"/>
+              <a:t> Einfach</a:t>
+            </a:r>
+          </a:p>
+          <a:p>
+            <a:pPr>
+              <a:buFont typeface="Arial" pitchFamily="34" charset="0"/>
+              <a:buChar char="•"/>
+            </a:pPr>
+            <a:r>
+              <a:rPr lang="de-CH" sz="2000" dirty="0" smtClean="0"/>
+              <a:t> Erweiterbar</a:t>
+            </a:r>
+          </a:p>
+          <a:p>
+            <a:pPr>
+              <a:buFont typeface="Arial" pitchFamily="34" charset="0"/>
+              <a:buChar char="•"/>
+            </a:pPr>
+            <a:r>
+              <a:rPr lang="de-CH" sz="2000" dirty="0" smtClean="0"/>
+              <a:t> Betriebssystem unabhängig</a:t>
+            </a:r>
+            <a:endParaRPr lang="de-CH" sz="2000" dirty="0"/>
+          </a:p>
+        </p:txBody>
+      </p:sp>
+      <p:sp>
+        <p:nvSpPr>
+          <p:cNvPr id="4" name="Inhaltsplatzhalter 3"/>
+          <p:cNvSpPr>
+            <a:spLocks noGrp="1"/>
+          </p:cNvSpPr>
+          <p:nvPr>
+            <p:ph sz="half" idx="2"/>
+          </p:nvPr>
+        </p:nvSpPr>
+        <p:spPr>
+          <a:xfrm>
+            <a:off x="5490716" y="2197100"/>
+            <a:ext cx="4461322" cy="4464050"/>
+          </a:xfrm>
+        </p:spPr>
+        <p:txBody>
+          <a:bodyPr/>
+          <a:lstStyle/>
+          <a:p>
+            <a:r>
+              <a:rPr lang="de-CH" sz="2000" dirty="0" smtClean="0"/>
+              <a:t>Nachteile</a:t>
+            </a:r>
+          </a:p>
+          <a:p>
+            <a:pPr>
+              <a:buFont typeface="Arial" pitchFamily="34" charset="0"/>
+              <a:buChar char="•"/>
+            </a:pPr>
+            <a:r>
+              <a:rPr lang="de-CH" sz="2000" dirty="0" smtClean="0"/>
+              <a:t> keine Ansichtsvergrösserung</a:t>
+            </a:r>
+          </a:p>
+          <a:p>
+            <a:pPr>
+              <a:buFont typeface="Arial" pitchFamily="34" charset="0"/>
+              <a:buChar char="•"/>
+            </a:pPr>
+            <a:r>
+              <a:rPr lang="de-CH" sz="2000" dirty="0" smtClean="0"/>
+              <a:t> Performance</a:t>
+            </a:r>
+            <a:endParaRPr lang="de-CH" sz="2000" dirty="0"/>
+          </a:p>
+        </p:txBody>
+      </p:sp>
+      <p:sp>
+        <p:nvSpPr>
+          <p:cNvPr id="5" name="Datumsplatzhalter 4"/>
+          <p:cNvSpPr>
+            <a:spLocks noGrp="1"/>
+          </p:cNvSpPr>
+          <p:nvPr>
+            <p:ph type="dt" sz="half" idx="10"/>
+          </p:nvPr>
+        </p:nvSpPr>
         <p:spPr/>
         <p:txBody>
           <a:bodyPr/>
           <a:lstStyle/>
           <a:p>
-            <a:r>
-              <a:rPr lang="de-CH" dirty="0" smtClean="0"/>
-              <a:t>Funktionen / Architektur</a:t>
-            </a:r>
-            <a:endParaRPr lang="de-CH" dirty="0"/>
-          </a:p>
-        </p:txBody>
-      </p:sp>
-      <p:sp>
-        <p:nvSpPr>
-          <p:cNvPr id="3" name="Inhaltsplatzhalter 2"/>
-          <p:cNvSpPr>
-            <a:spLocks noGrp="1"/>
-          </p:cNvSpPr>
-          <p:nvPr>
-            <p:ph idx="1"/>
-          </p:nvPr>
-        </p:nvSpPr>
-        <p:spPr/>
-        <p:txBody>
-          <a:bodyPr/>
-          <a:lstStyle/>
-          <a:p>
-            <a:endParaRPr lang="de-CH"/>
-          </a:p>
-        </p:txBody>
-      </p:sp>
-      <p:sp>
-        <p:nvSpPr>
-          <p:cNvPr id="4" name="Datumsplatzhalter 3"/>
-          <p:cNvSpPr>
-            <a:spLocks noGrp="1"/>
-          </p:cNvSpPr>
-          <p:nvPr>
-            <p:ph type="dt" sz="half" idx="10"/>
-          </p:nvPr>
-        </p:nvSpPr>
-        <p:spPr/>
-        <p:txBody>
-          <a:bodyPr/>
-          <a:lstStyle/>
-          <a:p>
-            <a:fld id="{BF3A9F55-599C-49F5-AF74-04C3502D40EF}" type="datetime1">
+            <a:fld id="{0EBEB26E-FAA9-43F7-ACCD-651B9922C582}" type="datetime1">
               <a:rPr lang="de-CH" smtClean="0"/>
               <a:pPr/>
-              <a:t>03.01.2011</a:t>
+              <a:t>05.01.2011</a:t>
             </a:fld>
             <a:endParaRPr lang="de-CH"/>
           </a:p>
@@ -15199,7 +15606,7 @@
       </p:sp>
       <p:sp>
         <p:nvSpPr>
-          <p:cNvPr id="5" name="Fußzeilenplatzhalter 4"/>
+          <p:cNvPr id="6" name="Fußzeilenplatzhalter 5"/>
           <p:cNvSpPr>
             <a:spLocks noGrp="1"/>
           </p:cNvSpPr>
@@ -15222,7 +15629,7 @@
       </p:sp>
       <p:sp>
         <p:nvSpPr>
-          <p:cNvPr id="6" name="Foliennummernplatzhalter 5"/>
+          <p:cNvPr id="7" name="Foliennummernplatzhalter 6"/>
           <p:cNvSpPr>
             <a:spLocks noGrp="1"/>
           </p:cNvSpPr>
@@ -15235,11 +15642,49 @@
           <a:bodyPr/>
           <a:lstStyle/>
           <a:p>
-            <a:fld id="{951F542B-409F-4D05-888D-57A7B176C1CF}" type="slidenum">
+            <a:fld id="{2473A220-3572-4E8E-9F43-FBE8FF71F260}" type="slidenum">
               <a:rPr lang="de-CH" smtClean="0"/>
               <a:pPr/>
               <a:t>7</a:t>
             </a:fld>
+            <a:endParaRPr lang="de-CH"/>
+          </a:p>
+        </p:txBody>
+      </p:sp>
+      <p:sp>
+        <p:nvSpPr>
+          <p:cNvPr id="8" name="Rectangle 2"/>
+          <p:cNvSpPr>
+            <a:spLocks noChangeArrowheads="1"/>
+          </p:cNvSpPr>
+          <p:nvPr/>
+        </p:nvSpPr>
+        <p:spPr bwMode="auto">
+          <a:xfrm>
+            <a:off x="0" y="3280565"/>
+            <a:ext cx="774667" cy="3071834"/>
+          </a:xfrm>
+          <a:prstGeom prst="rect">
+            <a:avLst/>
+          </a:prstGeom>
+          <a:solidFill>
+            <a:srgbClr val="FF6600"/>
+          </a:solidFill>
+          <a:ln w="9525">
+            <a:noFill/>
+            <a:miter lim="800000"/>
+            <a:headEnd/>
+            <a:tailEnd/>
+          </a:ln>
+        </p:spPr>
+        <p:txBody>
+          <a:bodyPr vert="horz" wrap="square" lIns="91440" tIns="45720" rIns="91440" bIns="45720" numCol="1" anchor="t" anchorCtr="0" compatLnSpc="1">
+            <a:prstTxWarp prst="textNoShape">
+              <a:avLst/>
+            </a:prstTxWarp>
+          </a:bodyPr>
+          <a:lstStyle/>
+          <a:p>
             <a:endParaRPr lang="de-CH"/>
           </a:p>
         </p:txBody>
@@ -15286,14 +15731,19 @@
             <p:ph type="title"/>
           </p:nvPr>
         </p:nvSpPr>
-        <p:spPr/>
+        <p:spPr>
+          <a:xfrm>
+            <a:off x="810196" y="1509713"/>
+            <a:ext cx="9140254" cy="361950"/>
+          </a:xfrm>
+        </p:spPr>
         <p:txBody>
           <a:bodyPr/>
           <a:lstStyle/>
           <a:p>
             <a:r>
               <a:rPr lang="de-CH" dirty="0" smtClean="0"/>
-              <a:t>Vorteil</a:t>
+              <a:t>Schlusswort</a:t>
             </a:r>
             <a:endParaRPr lang="de-CH" dirty="0"/>
           </a:p>
@@ -15309,7 +15759,12 @@
             <p:ph idx="1"/>
           </p:nvPr>
         </p:nvSpPr>
-        <p:spPr/>
+        <p:spPr>
+          <a:xfrm>
+            <a:off x="1026220" y="2197100"/>
+            <a:ext cx="8925818" cy="4464050"/>
+          </a:xfrm>
+        </p:spPr>
         <p:txBody>
           <a:bodyPr/>
           <a:lstStyle/>
@@ -15320,7 +15775,7 @@
             </a:pPr>
             <a:r>
               <a:rPr lang="de-CH" dirty="0" smtClean="0"/>
-              <a:t> Einfach</a:t>
+              <a:t> Lerneffekt</a:t>
             </a:r>
           </a:p>
           <a:p>
@@ -15330,22 +15785,10 @@
             </a:pPr>
             <a:r>
               <a:rPr lang="de-CH" dirty="0" smtClean="0"/>
-              <a:t> Erweiterbar</a:t>
-            </a:r>
-          </a:p>
-          <a:p>
-            <a:pPr>
-              <a:buFont typeface="Arial" pitchFamily="34" charset="0"/>
-              <a:buChar char="•"/>
-            </a:pPr>
-            <a:r>
-              <a:rPr lang="de-CH" dirty="0" smtClean="0"/>
-              <a:t>Mehrere </a:t>
-            </a:r>
-            <a:r>
-              <a:rPr lang="de-CH" dirty="0" err="1" smtClean="0"/>
-              <a:t>Betriebsysteme</a:t>
-            </a:r>
+              <a:t> Ausblick</a:t>
+            </a:r>
+          </a:p>
+          <a:p>
             <a:endParaRPr lang="de-CH" dirty="0"/>
           </a:p>
         </p:txBody>
@@ -15368,7 +15811,7 @@
             <a:fld id="{BF3A9F55-599C-49F5-AF74-04C3502D40EF}" type="datetime1">
               <a:rPr lang="de-CH" smtClean="0"/>
               <a:pPr/>
-              <a:t>03.01.2011</a:t>
+              <a:t>05.01.2011</a:t>
             </a:fld>
             <a:endParaRPr lang="de-CH"/>
           </a:p>
@@ -15417,6 +15860,44 @@
               <a:pPr/>
               <a:t>8</a:t>
             </a:fld>
+            <a:endParaRPr lang="de-CH"/>
+          </a:p>
+        </p:txBody>
+      </p:sp>
+      <p:sp>
+        <p:nvSpPr>
+          <p:cNvPr id="7" name="Rectangle 2"/>
+          <p:cNvSpPr>
+            <a:spLocks noChangeArrowheads="1"/>
+          </p:cNvSpPr>
+          <p:nvPr/>
+        </p:nvSpPr>
+        <p:spPr bwMode="auto">
+          <a:xfrm>
+            <a:off x="0" y="3280565"/>
+            <a:ext cx="774667" cy="3071834"/>
+          </a:xfrm>
+          <a:prstGeom prst="rect">
+            <a:avLst/>
+          </a:prstGeom>
+          <a:solidFill>
+            <a:srgbClr val="FF6600"/>
+          </a:solidFill>
+          <a:ln w="9525">
+            <a:noFill/>
+            <a:miter lim="800000"/>
+            <a:headEnd/>
+            <a:tailEnd/>
+          </a:ln>
+        </p:spPr>
+        <p:txBody>
+          <a:bodyPr vert="horz" wrap="square" lIns="91440" tIns="45720" rIns="91440" bIns="45720" numCol="1" anchor="t" anchorCtr="0" compatLnSpc="1">
+            <a:prstTxWarp prst="textNoShape">
+              <a:avLst/>
+            </a:prstTxWarp>
+          </a:bodyPr>
+          <a:lstStyle/>
+          <a:p>
             <a:endParaRPr lang="de-CH"/>
           </a:p>
         </p:txBody>
@@ -15470,7 +15951,7 @@
           <a:p>
             <a:r>
               <a:rPr lang="de-CH" dirty="0" smtClean="0"/>
-              <a:t>Schlusswort</a:t>
+              <a:t>Diskussion</a:t>
             </a:r>
             <a:endParaRPr lang="de-CH" dirty="0"/>
           </a:p>
@@ -15491,26 +15972,10 @@
           <a:bodyPr/>
           <a:lstStyle/>
           <a:p>
-            <a:pPr>
-              <a:buFont typeface="Arial" pitchFamily="34" charset="0"/>
-              <a:buChar char="•"/>
-            </a:pPr>
-            <a:r>
-              <a:rPr lang="de-CH" dirty="0" smtClean="0"/>
-              <a:t> Lerneffekt</a:t>
-            </a:r>
-          </a:p>
-          <a:p>
-            <a:pPr>
-              <a:buFont typeface="Arial" pitchFamily="34" charset="0"/>
-              <a:buChar char="•"/>
-            </a:pPr>
-            <a:r>
-              <a:rPr lang="de-CH" dirty="0" smtClean="0"/>
-              <a:t> Ausblick</a:t>
-            </a:r>
-          </a:p>
-          <a:p>
+            <a:endParaRPr lang="de-CH" dirty="0" smtClean="0"/>
+          </a:p>
+          <a:p>
+            <a:pPr algn="ctr"/>
             <a:endParaRPr lang="de-CH" dirty="0"/>
           </a:p>
         </p:txBody>
@@ -15533,7 +15998,7 @@
             <a:fld id="{BF3A9F55-599C-49F5-AF74-04C3502D40EF}" type="datetime1">
               <a:rPr lang="de-CH" smtClean="0"/>
               <a:pPr/>
-              <a:t>03.01.2011</a:t>
+              <a:t>05.01.2011</a:t>
             </a:fld>
             <a:endParaRPr lang="de-CH"/>
           </a:p>
@@ -15586,6 +16051,70 @@
           </a:p>
         </p:txBody>
       </p:sp>
+      <p:sp>
+        <p:nvSpPr>
+          <p:cNvPr id="7" name="Rectangle 2"/>
+          <p:cNvSpPr>
+            <a:spLocks noChangeArrowheads="1"/>
+          </p:cNvSpPr>
+          <p:nvPr/>
+        </p:nvSpPr>
+        <p:spPr bwMode="auto">
+          <a:xfrm>
+            <a:off x="0" y="3280565"/>
+            <a:ext cx="774667" cy="3071834"/>
+          </a:xfrm>
+          <a:prstGeom prst="rect">
+            <a:avLst/>
+          </a:prstGeom>
+          <a:solidFill>
+            <a:srgbClr val="FF6600"/>
+          </a:solidFill>
+          <a:ln w="9525">
+            <a:noFill/>
+            <a:miter lim="800000"/>
+            <a:headEnd/>
+            <a:tailEnd/>
+          </a:ln>
+        </p:spPr>
+        <p:txBody>
+          <a:bodyPr vert="horz" wrap="square" lIns="91440" tIns="45720" rIns="91440" bIns="45720" numCol="1" anchor="t" anchorCtr="0" compatLnSpc="1">
+            <a:prstTxWarp prst="textNoShape">
+              <a:avLst/>
+            </a:prstTxWarp>
+          </a:bodyPr>
+          <a:lstStyle/>
+          <a:p>
+            <a:endParaRPr lang="de-CH"/>
+          </a:p>
+        </p:txBody>
+      </p:sp>
+      <p:pic>
+        <p:nvPicPr>
+          <p:cNvPr id="7170" name="Picture 2" descr="http://www.camptaichi.com/blog/wp-content/uploads/tai-chi-argument.jpg"/>
+          <p:cNvPicPr>
+            <a:picLocks noChangeAspect="1" noChangeArrowheads="1"/>
+          </p:cNvPicPr>
+          <p:nvPr/>
+        </p:nvPicPr>
+        <p:blipFill>
+          <a:blip r:embed="rId2" cstate="print"/>
+          <a:srcRect/>
+          <a:stretch>
+            <a:fillRect/>
+          </a:stretch>
+        </p:blipFill>
+        <p:spPr bwMode="auto">
+          <a:xfrm>
+            <a:off x="3618508" y="3636615"/>
+            <a:ext cx="3333750" cy="2247901"/>
+          </a:xfrm>
+          <a:prstGeom prst="rect">
+            <a:avLst/>
+          </a:prstGeom>
+          <a:noFill/>
+        </p:spPr>
+      </p:pic>
     </p:spTree>
   </p:cSld>
   <p:clrMapOvr>

--- a/wiki/truong_xander.pptx
+++ b/wiki/truong_xander.pptx
@@ -792,6 +792,170 @@
     </a:lvl9pPr>
   </p:notesStyle>
 </p:notesMaster>
+</file>
+
+<file path=ppt/notesSlides/notesSlide1.xml><?xml version="1.0" encoding="utf-8"?>
+<p:notes xmlns:a="http://schemas.openxmlformats.org/drawingml/2006/main" xmlns:r="http://schemas.openxmlformats.org/officeDocument/2006/relationships" xmlns:p="http://schemas.openxmlformats.org/presentationml/2006/main">
+  <p:cSld>
+    <p:spTree>
+      <p:nvGrpSpPr>
+        <p:cNvPr id="1" name=""/>
+        <p:cNvGrpSpPr/>
+        <p:nvPr/>
+      </p:nvGrpSpPr>
+      <p:grpSpPr>
+        <a:xfrm>
+          <a:off x="0" y="0"/>
+          <a:ext cx="0" cy="0"/>
+          <a:chOff x="0" y="0"/>
+          <a:chExt cx="0" cy="0"/>
+        </a:xfrm>
+      </p:grpSpPr>
+      <p:sp>
+        <p:nvSpPr>
+          <p:cNvPr id="2" name="Folienbildplatzhalter 1"/>
+          <p:cNvSpPr>
+            <a:spLocks noGrp="1" noRot="1" noChangeAspect="1"/>
+          </p:cNvSpPr>
+          <p:nvPr>
+            <p:ph type="sldImg"/>
+          </p:nvPr>
+        </p:nvSpPr>
+        <p:spPr/>
+      </p:sp>
+      <p:sp>
+        <p:nvSpPr>
+          <p:cNvPr id="3" name="Notizenplatzhalter 2"/>
+          <p:cNvSpPr>
+            <a:spLocks noGrp="1"/>
+          </p:cNvSpPr>
+          <p:nvPr>
+            <p:ph type="body" idx="1"/>
+          </p:nvPr>
+        </p:nvSpPr>
+        <p:spPr/>
+        <p:txBody>
+          <a:bodyPr>
+            <a:normAutofit/>
+          </a:bodyPr>
+          <a:lstStyle/>
+          <a:p>
+            <a:endParaRPr lang="de-CH" dirty="0"/>
+          </a:p>
+        </p:txBody>
+      </p:sp>
+      <p:sp>
+        <p:nvSpPr>
+          <p:cNvPr id="4" name="Foliennummernplatzhalter 3"/>
+          <p:cNvSpPr>
+            <a:spLocks noGrp="1"/>
+          </p:cNvSpPr>
+          <p:nvPr>
+            <p:ph type="sldNum" sz="quarter" idx="10"/>
+          </p:nvPr>
+        </p:nvSpPr>
+        <p:spPr/>
+        <p:txBody>
+          <a:bodyPr/>
+          <a:lstStyle/>
+          <a:p>
+            <a:fld id="{1B2F3885-26B1-4390-BAAD-A0A4431FAD26}" type="slidenum">
+              <a:rPr lang="de-CH" smtClean="0"/>
+              <a:pPr/>
+              <a:t>1</a:t>
+            </a:fld>
+            <a:endParaRPr lang="de-CH"/>
+          </a:p>
+        </p:txBody>
+      </p:sp>
+    </p:spTree>
+  </p:cSld>
+  <p:clrMapOvr>
+    <a:masterClrMapping/>
+  </p:clrMapOvr>
+</p:notes>
+</file>
+
+<file path=ppt/notesSlides/notesSlide2.xml><?xml version="1.0" encoding="utf-8"?>
+<p:notes xmlns:a="http://schemas.openxmlformats.org/drawingml/2006/main" xmlns:r="http://schemas.openxmlformats.org/officeDocument/2006/relationships" xmlns:p="http://schemas.openxmlformats.org/presentationml/2006/main">
+  <p:cSld>
+    <p:spTree>
+      <p:nvGrpSpPr>
+        <p:cNvPr id="1" name=""/>
+        <p:cNvGrpSpPr/>
+        <p:nvPr/>
+      </p:nvGrpSpPr>
+      <p:grpSpPr>
+        <a:xfrm>
+          <a:off x="0" y="0"/>
+          <a:ext cx="0" cy="0"/>
+          <a:chOff x="0" y="0"/>
+          <a:chExt cx="0" cy="0"/>
+        </a:xfrm>
+      </p:grpSpPr>
+      <p:sp>
+        <p:nvSpPr>
+          <p:cNvPr id="2" name="Folienbildplatzhalter 1"/>
+          <p:cNvSpPr>
+            <a:spLocks noGrp="1" noRot="1" noChangeAspect="1"/>
+          </p:cNvSpPr>
+          <p:nvPr>
+            <p:ph type="sldImg"/>
+          </p:nvPr>
+        </p:nvSpPr>
+        <p:spPr/>
+      </p:sp>
+      <p:sp>
+        <p:nvSpPr>
+          <p:cNvPr id="3" name="Notizenplatzhalter 2"/>
+          <p:cNvSpPr>
+            <a:spLocks noGrp="1"/>
+          </p:cNvSpPr>
+          <p:nvPr>
+            <p:ph type="body" idx="1"/>
+          </p:nvPr>
+        </p:nvSpPr>
+        <p:spPr/>
+        <p:txBody>
+          <a:bodyPr>
+            <a:normAutofit/>
+          </a:bodyPr>
+          <a:lstStyle/>
+          <a:p>
+            <a:endParaRPr lang="de-CH" dirty="0"/>
+          </a:p>
+        </p:txBody>
+      </p:sp>
+      <p:sp>
+        <p:nvSpPr>
+          <p:cNvPr id="4" name="Foliennummernplatzhalter 3"/>
+          <p:cNvSpPr>
+            <a:spLocks noGrp="1"/>
+          </p:cNvSpPr>
+          <p:nvPr>
+            <p:ph type="sldNum" sz="quarter" idx="10"/>
+          </p:nvPr>
+        </p:nvSpPr>
+        <p:spPr/>
+        <p:txBody>
+          <a:bodyPr/>
+          <a:lstStyle/>
+          <a:p>
+            <a:fld id="{1B2F3885-26B1-4390-BAAD-A0A4431FAD26}" type="slidenum">
+              <a:rPr lang="de-CH" smtClean="0"/>
+              <a:pPr/>
+              <a:t>3</a:t>
+            </a:fld>
+            <a:endParaRPr lang="de-CH"/>
+          </a:p>
+        </p:txBody>
+      </p:sp>
+    </p:spTree>
+  </p:cSld>
+  <p:clrMapOvr>
+    <a:masterClrMapping/>
+  </p:clrMapOvr>
+</p:notes>
 </file>
 
 <file path=ppt/slideLayouts/slideLayout1.xml><?xml version="1.0" encoding="utf-8"?>
@@ -13828,7 +13992,7 @@
           <p:nvPr/>
         </p:nvPicPr>
         <p:blipFill>
-          <a:blip r:embed="rId2" cstate="print"/>
+          <a:blip r:embed="rId3" cstate="print"/>
           <a:srcRect/>
           <a:stretch>
             <a:fillRect/>
@@ -13898,7 +14062,7 @@
           <p:nvPr/>
         </p:nvPicPr>
         <p:blipFill>
-          <a:blip r:embed="rId3" cstate="print"/>
+          <a:blip r:embed="rId4" cstate="print"/>
           <a:srcRect/>
           <a:stretch>
             <a:fillRect/>
@@ -14371,7 +14535,11 @@
             </a:pPr>
             <a:r>
               <a:rPr lang="de-DE" dirty="0" smtClean="0"/>
-              <a:t> Fragen</a:t>
+              <a:t> </a:t>
+            </a:r>
+            <a:r>
+              <a:rPr lang="de-DE" dirty="0" smtClean="0"/>
+              <a:t>Diskussion</a:t>
             </a:r>
             <a:endParaRPr lang="de-DE" dirty="0"/>
           </a:p>

--- a/wiki/truong_xander.pptx
+++ b/wiki/truong_xander.pptx
@@ -922,6 +922,88 @@
           </a:bodyPr>
           <a:lstStyle/>
           <a:p>
+            <a:endParaRPr lang="de-CH"/>
+          </a:p>
+        </p:txBody>
+      </p:sp>
+      <p:sp>
+        <p:nvSpPr>
+          <p:cNvPr id="4" name="Foliennummernplatzhalter 3"/>
+          <p:cNvSpPr>
+            <a:spLocks noGrp="1"/>
+          </p:cNvSpPr>
+          <p:nvPr>
+            <p:ph type="sldNum" sz="quarter" idx="10"/>
+          </p:nvPr>
+        </p:nvSpPr>
+        <p:spPr/>
+        <p:txBody>
+          <a:bodyPr/>
+          <a:lstStyle/>
+          <a:p>
+            <a:fld id="{1B2F3885-26B1-4390-BAAD-A0A4431FAD26}" type="slidenum">
+              <a:rPr lang="de-CH" smtClean="0"/>
+              <a:pPr/>
+              <a:t>2</a:t>
+            </a:fld>
+            <a:endParaRPr lang="de-CH"/>
+          </a:p>
+        </p:txBody>
+      </p:sp>
+    </p:spTree>
+  </p:cSld>
+  <p:clrMapOvr>
+    <a:masterClrMapping/>
+  </p:clrMapOvr>
+</p:notes>
+</file>
+
+<file path=ppt/notesSlides/notesSlide3.xml><?xml version="1.0" encoding="utf-8"?>
+<p:notes xmlns:a="http://schemas.openxmlformats.org/drawingml/2006/main" xmlns:r="http://schemas.openxmlformats.org/officeDocument/2006/relationships" xmlns:p="http://schemas.openxmlformats.org/presentationml/2006/main">
+  <p:cSld>
+    <p:spTree>
+      <p:nvGrpSpPr>
+        <p:cNvPr id="1" name=""/>
+        <p:cNvGrpSpPr/>
+        <p:nvPr/>
+      </p:nvGrpSpPr>
+      <p:grpSpPr>
+        <a:xfrm>
+          <a:off x="0" y="0"/>
+          <a:ext cx="0" cy="0"/>
+          <a:chOff x="0" y="0"/>
+          <a:chExt cx="0" cy="0"/>
+        </a:xfrm>
+      </p:grpSpPr>
+      <p:sp>
+        <p:nvSpPr>
+          <p:cNvPr id="2" name="Folienbildplatzhalter 1"/>
+          <p:cNvSpPr>
+            <a:spLocks noGrp="1" noRot="1" noChangeAspect="1"/>
+          </p:cNvSpPr>
+          <p:nvPr>
+            <p:ph type="sldImg"/>
+          </p:nvPr>
+        </p:nvSpPr>
+        <p:spPr/>
+      </p:sp>
+      <p:sp>
+        <p:nvSpPr>
+          <p:cNvPr id="3" name="Notizenplatzhalter 2"/>
+          <p:cNvSpPr>
+            <a:spLocks noGrp="1"/>
+          </p:cNvSpPr>
+          <p:nvPr>
+            <p:ph type="body" idx="1"/>
+          </p:nvPr>
+        </p:nvSpPr>
+        <p:spPr/>
+        <p:txBody>
+          <a:bodyPr>
+            <a:normAutofit/>
+          </a:bodyPr>
+          <a:lstStyle/>
+          <a:p>
             <a:endParaRPr lang="de-CH" dirty="0"/>
           </a:p>
         </p:txBody>
@@ -1133,10 +1215,9 @@
             </a:lvl1pPr>
           </a:lstStyle>
           <a:p>
-            <a:fld id="{0044072F-D6C9-440B-8FAA-C6541B39F5E4}" type="datetime1">
+            <a:fld id="{E82D7E15-699A-4CFE-A2FE-B7DEB8BBB718}" type="datetime1">
               <a:rPr lang="de-CH" smtClean="0"/>
-              <a:pPr/>
-              <a:t>05.01.2011</a:t>
+              <a:t>06.01.2011</a:t>
             </a:fld>
             <a:endParaRPr lang="de-CH"/>
           </a:p>
@@ -1163,7 +1244,7 @@
           <a:p>
             <a:r>
               <a:rPr lang="de-CH" smtClean="0"/>
-              <a:t>Fusszeile: Institut etc</a:t>
+              <a:t>Fachhochschule Nordwestschweiz, D. Xander, J. Truong</a:t>
             </a:r>
             <a:endParaRPr lang="de-CH"/>
           </a:p>
@@ -1326,10 +1407,9 @@
             </a:lvl1pPr>
           </a:lstStyle>
           <a:p>
-            <a:fld id="{2C23A18F-BB17-4584-8D05-AC679BEE26A0}" type="datetime1">
+            <a:fld id="{C7C39C72-6F52-4061-9F6F-B2BE32603726}" type="datetime1">
               <a:rPr lang="de-CH" smtClean="0"/>
-              <a:pPr/>
-              <a:t>05.01.2011</a:t>
+              <a:t>06.01.2011</a:t>
             </a:fld>
             <a:endParaRPr lang="de-CH"/>
           </a:p>
@@ -1356,7 +1436,7 @@
           <a:p>
             <a:r>
               <a:rPr lang="de-CH" smtClean="0"/>
-              <a:t>Fusszeile: Institut etc</a:t>
+              <a:t>Fachhochschule Nordwestschweiz, D. Xander, J. Truong</a:t>
             </a:r>
             <a:endParaRPr lang="de-CH"/>
           </a:p>
@@ -1527,10 +1607,9 @@
             </a:lvl1pPr>
           </a:lstStyle>
           <a:p>
-            <a:fld id="{6576DC5F-9D17-4D4A-AF66-0EAE4487250B}" type="datetime1">
+            <a:fld id="{1628EED2-4C4A-4E00-9968-F74DAEE53A6E}" type="datetime1">
               <a:rPr lang="de-CH" smtClean="0"/>
-              <a:pPr/>
-              <a:t>05.01.2011</a:t>
+              <a:t>06.01.2011</a:t>
             </a:fld>
             <a:endParaRPr lang="de-CH"/>
           </a:p>
@@ -1557,7 +1636,7 @@
           <a:p>
             <a:r>
               <a:rPr lang="de-CH" smtClean="0"/>
-              <a:t>Fusszeile: Institut etc</a:t>
+              <a:t>Fachhochschule Nordwestschweiz, D. Xander, J. Truong</a:t>
             </a:r>
             <a:endParaRPr lang="de-CH"/>
           </a:p>
@@ -1710,10 +1789,9 @@
             </a:lvl1pPr>
           </a:lstStyle>
           <a:p>
-            <a:fld id="{D76A9070-E014-4528-8E82-312AA3518309}" type="datetime1">
+            <a:fld id="{C1D727A7-F8BE-4DBD-B625-B68BCBD713E6}" type="datetime1">
               <a:rPr lang="de-CH" smtClean="0"/>
-              <a:pPr/>
-              <a:t>05.01.2011</a:t>
+              <a:t>06.01.2011</a:t>
             </a:fld>
             <a:endParaRPr lang="de-CH"/>
           </a:p>
@@ -1740,7 +1818,7 @@
           <a:p>
             <a:r>
               <a:rPr lang="de-CH" smtClean="0"/>
-              <a:t>Fusszeile: Institut etc</a:t>
+              <a:t>Fachhochschule Nordwestschweiz, D. Xander, J. Truong</a:t>
             </a:r>
             <a:endParaRPr lang="de-CH"/>
           </a:p>
@@ -1915,10 +1993,9 @@
             </a:lvl1pPr>
           </a:lstStyle>
           <a:p>
-            <a:fld id="{23C64AC4-66C6-4A71-BD4B-5DCEE0F4ACAA}" type="datetime1">
+            <a:fld id="{5A8F2CFE-9649-4AFC-AC2C-ED0D76366C10}" type="datetime1">
               <a:rPr lang="de-CH" smtClean="0"/>
-              <a:pPr/>
-              <a:t>05.01.2011</a:t>
+              <a:t>06.01.2011</a:t>
             </a:fld>
             <a:endParaRPr lang="de-CH"/>
           </a:p>
@@ -1945,7 +2022,7 @@
           <a:p>
             <a:r>
               <a:rPr lang="de-CH" smtClean="0"/>
-              <a:t>Fusszeile: Institut etc</a:t>
+              <a:t>Fachhochschule Nordwestschweiz, D. Xander, J. Truong</a:t>
             </a:r>
             <a:endParaRPr lang="de-CH"/>
           </a:p>
@@ -2216,10 +2293,9 @@
             </a:lvl1pPr>
           </a:lstStyle>
           <a:p>
-            <a:fld id="{88C1DC40-DDF3-4F24-ABB3-DA3AE3B2FE00}" type="datetime1">
+            <a:fld id="{7FB71BB5-92E1-4BA0-98B3-6FAC0FD8DE92}" type="datetime1">
               <a:rPr lang="de-CH" smtClean="0"/>
-              <a:pPr/>
-              <a:t>05.01.2011</a:t>
+              <a:t>06.01.2011</a:t>
             </a:fld>
             <a:endParaRPr lang="de-CH"/>
           </a:p>
@@ -2246,7 +2322,7 @@
           <a:p>
             <a:r>
               <a:rPr lang="de-CH" smtClean="0"/>
-              <a:t>Fusszeile: Institut etc</a:t>
+              <a:t>Fachhochschule Nordwestschweiz, D. Xander, J. Truong</a:t>
             </a:r>
             <a:endParaRPr lang="de-CH"/>
           </a:p>
@@ -2656,10 +2732,9 @@
             </a:lvl1pPr>
           </a:lstStyle>
           <a:p>
-            <a:fld id="{503FCF75-0452-4EFC-A459-E58EEFAD8630}" type="datetime1">
+            <a:fld id="{83B18D64-1788-4477-9493-3F69B1473B74}" type="datetime1">
               <a:rPr lang="de-CH" smtClean="0"/>
-              <a:pPr/>
-              <a:t>05.01.2011</a:t>
+              <a:t>06.01.2011</a:t>
             </a:fld>
             <a:endParaRPr lang="de-CH"/>
           </a:p>
@@ -2686,7 +2761,7 @@
           <a:p>
             <a:r>
               <a:rPr lang="de-CH" smtClean="0"/>
-              <a:t>Fusszeile: Institut etc</a:t>
+              <a:t>Fachhochschule Nordwestschweiz, D. Xander, J. Truong</a:t>
             </a:r>
             <a:endParaRPr lang="de-CH"/>
           </a:p>
@@ -2787,10 +2862,9 @@
             </a:lvl1pPr>
           </a:lstStyle>
           <a:p>
-            <a:fld id="{C4168B66-B8F0-4CA9-A255-29A0917DD967}" type="datetime1">
+            <a:fld id="{1A1A452C-C5CB-4E7A-9AA7-831C18CFE6E6}" type="datetime1">
               <a:rPr lang="de-CH" smtClean="0"/>
-              <a:pPr/>
-              <a:t>05.01.2011</a:t>
+              <a:t>06.01.2011</a:t>
             </a:fld>
             <a:endParaRPr lang="de-CH"/>
           </a:p>
@@ -2817,7 +2891,7 @@
           <a:p>
             <a:r>
               <a:rPr lang="de-CH" smtClean="0"/>
-              <a:t>Fusszeile: Institut etc</a:t>
+              <a:t>Fachhochschule Nordwestschweiz, D. Xander, J. Truong</a:t>
             </a:r>
             <a:endParaRPr lang="de-CH"/>
           </a:p>
@@ -2895,10 +2969,9 @@
             </a:lvl1pPr>
           </a:lstStyle>
           <a:p>
-            <a:fld id="{8A814DE3-2CB2-4461-ADAD-CF6DC36C4E22}" type="datetime1">
+            <a:fld id="{3EC88C82-99FB-4586-8203-044DD5F3FA27}" type="datetime1">
               <a:rPr lang="de-CH" smtClean="0"/>
-              <a:pPr/>
-              <a:t>05.01.2011</a:t>
+              <a:t>06.01.2011</a:t>
             </a:fld>
             <a:endParaRPr lang="de-CH"/>
           </a:p>
@@ -2925,7 +2998,7 @@
           <a:p>
             <a:r>
               <a:rPr lang="de-CH" smtClean="0"/>
-              <a:t>Fusszeile: Institut etc</a:t>
+              <a:t>Fachhochschule Nordwestschweiz, D. Xander, J. Truong</a:t>
             </a:r>
             <a:endParaRPr lang="de-CH"/>
           </a:p>
@@ -3185,10 +3258,9 @@
             </a:lvl1pPr>
           </a:lstStyle>
           <a:p>
-            <a:fld id="{B671AC60-5C15-4E8F-A44D-030AE10F9264}" type="datetime1">
+            <a:fld id="{C575E39D-DD1B-42F3-A523-4CCC29C6C166}" type="datetime1">
               <a:rPr lang="de-CH" smtClean="0"/>
-              <a:pPr/>
-              <a:t>05.01.2011</a:t>
+              <a:t>06.01.2011</a:t>
             </a:fld>
             <a:endParaRPr lang="de-CH"/>
           </a:p>
@@ -3215,7 +3287,7 @@
           <a:p>
             <a:r>
               <a:rPr lang="de-CH" smtClean="0"/>
-              <a:t>Fusszeile: Institut etc</a:t>
+              <a:t>Fachhochschule Nordwestschweiz, D. Xander, J. Truong</a:t>
             </a:r>
             <a:endParaRPr lang="de-CH"/>
           </a:p>
@@ -3368,10 +3440,9 @@
             </a:lvl1pPr>
           </a:lstStyle>
           <a:p>
-            <a:fld id="{BF3A9F55-599C-49F5-AF74-04C3502D40EF}" type="datetime1">
+            <a:fld id="{ACB15F18-5595-40FF-BFA0-7879F726D5AE}" type="datetime1">
               <a:rPr lang="de-CH" smtClean="0"/>
-              <a:pPr/>
-              <a:t>05.01.2011</a:t>
+              <a:t>06.01.2011</a:t>
             </a:fld>
             <a:endParaRPr lang="de-CH"/>
           </a:p>
@@ -3398,7 +3469,7 @@
           <a:p>
             <a:r>
               <a:rPr lang="de-CH" smtClean="0"/>
-              <a:t>Fusszeile: Institut etc</a:t>
+              <a:t>Fachhochschule Nordwestschweiz, D. Xander, J. Truong</a:t>
             </a:r>
             <a:endParaRPr lang="de-CH"/>
           </a:p>
@@ -3634,10 +3705,9 @@
             </a:lvl1pPr>
           </a:lstStyle>
           <a:p>
-            <a:fld id="{16AE8008-ED1D-482B-A8C7-93FA99EBDA61}" type="datetime1">
+            <a:fld id="{14CFB763-D2B8-43F7-AFE4-40DD02284FD1}" type="datetime1">
               <a:rPr lang="de-CH" smtClean="0"/>
-              <a:pPr/>
-              <a:t>05.01.2011</a:t>
+              <a:t>06.01.2011</a:t>
             </a:fld>
             <a:endParaRPr lang="de-CH"/>
           </a:p>
@@ -3664,7 +3734,7 @@
           <a:p>
             <a:r>
               <a:rPr lang="de-CH" smtClean="0"/>
-              <a:t>Fusszeile: Institut etc</a:t>
+              <a:t>Fachhochschule Nordwestschweiz, D. Xander, J. Truong</a:t>
             </a:r>
             <a:endParaRPr lang="de-CH"/>
           </a:p>
@@ -3817,10 +3887,9 @@
             </a:lvl1pPr>
           </a:lstStyle>
           <a:p>
-            <a:fld id="{D4703289-65B3-4207-9E23-B0D8666C6F61}" type="datetime1">
+            <a:fld id="{7EA84CD8-AFAF-4DA0-9EED-EA92E60B5506}" type="datetime1">
               <a:rPr lang="de-CH" smtClean="0"/>
-              <a:pPr/>
-              <a:t>05.01.2011</a:t>
+              <a:t>06.01.2011</a:t>
             </a:fld>
             <a:endParaRPr lang="de-CH"/>
           </a:p>
@@ -3847,7 +3916,7 @@
           <a:p>
             <a:r>
               <a:rPr lang="de-CH" smtClean="0"/>
-              <a:t>Fusszeile: Institut etc</a:t>
+              <a:t>Fachhochschule Nordwestschweiz, D. Xander, J. Truong</a:t>
             </a:r>
             <a:endParaRPr lang="de-CH"/>
           </a:p>
@@ -4010,10 +4079,9 @@
             </a:lvl1pPr>
           </a:lstStyle>
           <a:p>
-            <a:fld id="{C7834E1E-49E3-4898-851D-8848B9C1143D}" type="datetime1">
+            <a:fld id="{520AB7E5-815E-4FE3-B102-7822D05BEC5E}" type="datetime1">
               <a:rPr lang="de-CH" smtClean="0"/>
-              <a:pPr/>
-              <a:t>05.01.2011</a:t>
+              <a:t>06.01.2011</a:t>
             </a:fld>
             <a:endParaRPr lang="de-CH"/>
           </a:p>
@@ -4040,7 +4108,7 @@
           <a:p>
             <a:r>
               <a:rPr lang="de-CH" smtClean="0"/>
-              <a:t>Fusszeile: Institut etc</a:t>
+              <a:t>Fachhochschule Nordwestschweiz, D. Xander, J. Truong</a:t>
             </a:r>
             <a:endParaRPr lang="de-CH"/>
           </a:p>
@@ -4211,10 +4279,9 @@
             </a:lvl1pPr>
           </a:lstStyle>
           <a:p>
-            <a:fld id="{8CF98BFD-C705-414C-A70D-F3690CE500E3}" type="datetime1">
+            <a:fld id="{AB6CA44E-AD84-48FE-B080-786C718B7FE3}" type="datetime1">
               <a:rPr lang="de-CH" smtClean="0"/>
-              <a:pPr/>
-              <a:t>05.01.2011</a:t>
+              <a:t>06.01.2011</a:t>
             </a:fld>
             <a:endParaRPr lang="de-CH"/>
           </a:p>
@@ -4241,7 +4308,7 @@
           <a:p>
             <a:r>
               <a:rPr lang="de-CH" smtClean="0"/>
-              <a:t>Fusszeile: Institut etc</a:t>
+              <a:t>Fachhochschule Nordwestschweiz, D. Xander, J. Truong</a:t>
             </a:r>
             <a:endParaRPr lang="de-CH"/>
           </a:p>
@@ -4394,10 +4461,9 @@
             </a:lvl1pPr>
           </a:lstStyle>
           <a:p>
-            <a:fld id="{985A9BD2-3538-494E-B21C-62CD8DBA5A00}" type="datetime1">
+            <a:fld id="{EC477FCB-D67E-440D-B0DA-1E21AE24338F}" type="datetime1">
               <a:rPr lang="de-CH" smtClean="0"/>
-              <a:pPr/>
-              <a:t>05.01.2011</a:t>
+              <a:t>06.01.2011</a:t>
             </a:fld>
             <a:endParaRPr lang="de-CH"/>
           </a:p>
@@ -4424,7 +4490,7 @@
           <a:p>
             <a:r>
               <a:rPr lang="de-CH" smtClean="0"/>
-              <a:t>Fusszeile: Institut etc</a:t>
+              <a:t>Fachhochschule Nordwestschweiz, D. Xander, J. Truong</a:t>
             </a:r>
             <a:endParaRPr lang="de-CH"/>
           </a:p>
@@ -4599,10 +4665,9 @@
             </a:lvl1pPr>
           </a:lstStyle>
           <a:p>
-            <a:fld id="{966BC0C4-7959-439F-952A-302EB95A8D29}" type="datetime1">
+            <a:fld id="{70639BAC-2A13-4FA1-B1AD-A5D6734D32B5}" type="datetime1">
               <a:rPr lang="de-CH" smtClean="0"/>
-              <a:pPr/>
-              <a:t>05.01.2011</a:t>
+              <a:t>06.01.2011</a:t>
             </a:fld>
             <a:endParaRPr lang="de-CH"/>
           </a:p>
@@ -4629,7 +4694,7 @@
           <a:p>
             <a:r>
               <a:rPr lang="de-CH" smtClean="0"/>
-              <a:t>Fusszeile: Institut etc</a:t>
+              <a:t>Fachhochschule Nordwestschweiz, D. Xander, J. Truong</a:t>
             </a:r>
             <a:endParaRPr lang="de-CH"/>
           </a:p>
@@ -4900,10 +4965,9 @@
             </a:lvl1pPr>
           </a:lstStyle>
           <a:p>
-            <a:fld id="{6F23402C-4852-4AC8-A059-DCE0DF4B34C7}" type="datetime1">
+            <a:fld id="{E055ECD9-5E0C-4E5B-B760-1E4A602F4071}" type="datetime1">
               <a:rPr lang="de-CH" smtClean="0"/>
-              <a:pPr/>
-              <a:t>05.01.2011</a:t>
+              <a:t>06.01.2011</a:t>
             </a:fld>
             <a:endParaRPr lang="de-CH"/>
           </a:p>
@@ -4930,7 +4994,7 @@
           <a:p>
             <a:r>
               <a:rPr lang="de-CH" smtClean="0"/>
-              <a:t>Fusszeile: Institut etc</a:t>
+              <a:t>Fachhochschule Nordwestschweiz, D. Xander, J. Truong</a:t>
             </a:r>
             <a:endParaRPr lang="de-CH"/>
           </a:p>
@@ -5340,10 +5404,9 @@
             </a:lvl1pPr>
           </a:lstStyle>
           <a:p>
-            <a:fld id="{844A0892-691F-4F2B-BCED-8DAAA807D98D}" type="datetime1">
+            <a:fld id="{B5C3AD81-7C4A-4E14-A2B5-D05B45D52629}" type="datetime1">
               <a:rPr lang="de-CH" smtClean="0"/>
-              <a:pPr/>
-              <a:t>05.01.2011</a:t>
+              <a:t>06.01.2011</a:t>
             </a:fld>
             <a:endParaRPr lang="de-CH"/>
           </a:p>
@@ -5370,7 +5433,7 @@
           <a:p>
             <a:r>
               <a:rPr lang="de-CH" smtClean="0"/>
-              <a:t>Fusszeile: Institut etc</a:t>
+              <a:t>Fachhochschule Nordwestschweiz, D. Xander, J. Truong</a:t>
             </a:r>
             <a:endParaRPr lang="de-CH"/>
           </a:p>
@@ -5471,10 +5534,9 @@
             </a:lvl1pPr>
           </a:lstStyle>
           <a:p>
-            <a:fld id="{488167B4-A489-4022-8CE9-07D4046F594C}" type="datetime1">
+            <a:fld id="{79D980F0-3B0B-4F17-9B5C-26781F351F78}" type="datetime1">
               <a:rPr lang="de-CH" smtClean="0"/>
-              <a:pPr/>
-              <a:t>05.01.2011</a:t>
+              <a:t>06.01.2011</a:t>
             </a:fld>
             <a:endParaRPr lang="de-CH"/>
           </a:p>
@@ -5501,7 +5563,7 @@
           <a:p>
             <a:r>
               <a:rPr lang="de-CH" smtClean="0"/>
-              <a:t>Fusszeile: Institut etc</a:t>
+              <a:t>Fachhochschule Nordwestschweiz, D. Xander, J. Truong</a:t>
             </a:r>
             <a:endParaRPr lang="de-CH"/>
           </a:p>
@@ -5579,10 +5641,9 @@
             </a:lvl1pPr>
           </a:lstStyle>
           <a:p>
-            <a:fld id="{C129CC09-B761-415D-8A57-A224D0792D0D}" type="datetime1">
+            <a:fld id="{BDA70DFE-306C-4902-BD12-F3E9C4409464}" type="datetime1">
               <a:rPr lang="de-CH" smtClean="0"/>
-              <a:pPr/>
-              <a:t>05.01.2011</a:t>
+              <a:t>06.01.2011</a:t>
             </a:fld>
             <a:endParaRPr lang="de-CH"/>
           </a:p>
@@ -5609,7 +5670,7 @@
           <a:p>
             <a:r>
               <a:rPr lang="de-CH" smtClean="0"/>
-              <a:t>Fusszeile: Institut etc</a:t>
+              <a:t>Fachhochschule Nordwestschweiz, D. Xander, J. Truong</a:t>
             </a:r>
             <a:endParaRPr lang="de-CH"/>
           </a:p>
@@ -5784,10 +5845,9 @@
             </a:lvl1pPr>
           </a:lstStyle>
           <a:p>
-            <a:fld id="{3754C16F-9DC2-4458-A3CD-4F1B7BD61FE6}" type="datetime1">
+            <a:fld id="{B7736599-82C7-4522-A0D5-8862BBE10E0B}" type="datetime1">
               <a:rPr lang="de-CH" smtClean="0"/>
-              <a:pPr/>
-              <a:t>05.01.2011</a:t>
+              <a:t>06.01.2011</a:t>
             </a:fld>
             <a:endParaRPr lang="de-CH"/>
           </a:p>
@@ -5814,7 +5874,7 @@
           <a:p>
             <a:r>
               <a:rPr lang="de-CH" smtClean="0"/>
-              <a:t>Fusszeile: Institut etc</a:t>
+              <a:t>Fachhochschule Nordwestschweiz, D. Xander, J. Truong</a:t>
             </a:r>
             <a:endParaRPr lang="de-CH"/>
           </a:p>
@@ -6074,10 +6134,9 @@
             </a:lvl1pPr>
           </a:lstStyle>
           <a:p>
-            <a:fld id="{E31B0E62-D4F5-4925-B9F9-61C7D5F95E34}" type="datetime1">
+            <a:fld id="{CCE29003-CC21-45BA-B7C4-BC24A03983FC}" type="datetime1">
               <a:rPr lang="de-CH" smtClean="0"/>
-              <a:pPr/>
-              <a:t>05.01.2011</a:t>
+              <a:t>06.01.2011</a:t>
             </a:fld>
             <a:endParaRPr lang="de-CH"/>
           </a:p>
@@ -6104,7 +6163,7 @@
           <a:p>
             <a:r>
               <a:rPr lang="de-CH" smtClean="0"/>
-              <a:t>Fusszeile: Institut etc</a:t>
+              <a:t>Fachhochschule Nordwestschweiz, D. Xander, J. Truong</a:t>
             </a:r>
             <a:endParaRPr lang="de-CH"/>
           </a:p>
@@ -6340,10 +6399,9 @@
             </a:lvl1pPr>
           </a:lstStyle>
           <a:p>
-            <a:fld id="{BB34C0F6-B736-4F5A-8DE5-FAC1E0D81667}" type="datetime1">
+            <a:fld id="{0FEFB2BE-8A3E-4767-8A27-4B5049E7C5D7}" type="datetime1">
               <a:rPr lang="de-CH" smtClean="0"/>
-              <a:pPr/>
-              <a:t>05.01.2011</a:t>
+              <a:t>06.01.2011</a:t>
             </a:fld>
             <a:endParaRPr lang="de-CH"/>
           </a:p>
@@ -6370,7 +6428,7 @@
           <a:p>
             <a:r>
               <a:rPr lang="de-CH" smtClean="0"/>
-              <a:t>Fusszeile: Institut etc</a:t>
+              <a:t>Fachhochschule Nordwestschweiz, D. Xander, J. Truong</a:t>
             </a:r>
             <a:endParaRPr lang="de-CH"/>
           </a:p>
@@ -6523,10 +6581,9 @@
             </a:lvl1pPr>
           </a:lstStyle>
           <a:p>
-            <a:fld id="{029F7034-3EA2-458F-BF6E-BF9A1465AA96}" type="datetime1">
+            <a:fld id="{660C2829-26D8-4C8A-B5C3-A16133852A04}" type="datetime1">
               <a:rPr lang="de-CH" smtClean="0"/>
-              <a:pPr/>
-              <a:t>05.01.2011</a:t>
+              <a:t>06.01.2011</a:t>
             </a:fld>
             <a:endParaRPr lang="de-CH"/>
           </a:p>
@@ -6553,7 +6610,7 @@
           <a:p>
             <a:r>
               <a:rPr lang="de-CH" smtClean="0"/>
-              <a:t>Fusszeile: Institut etc</a:t>
+              <a:t>Fachhochschule Nordwestschweiz, D. Xander, J. Truong</a:t>
             </a:r>
             <a:endParaRPr lang="de-CH"/>
           </a:p>
@@ -6716,10 +6773,9 @@
             </a:lvl1pPr>
           </a:lstStyle>
           <a:p>
-            <a:fld id="{953634B1-1D9A-48EA-9F88-13D7D2735112}" type="datetime1">
+            <a:fld id="{ADBB3C34-689A-4526-80CE-0B121196B0A4}" type="datetime1">
               <a:rPr lang="de-CH" smtClean="0"/>
-              <a:pPr/>
-              <a:t>05.01.2011</a:t>
+              <a:t>06.01.2011</a:t>
             </a:fld>
             <a:endParaRPr lang="de-CH"/>
           </a:p>
@@ -6746,7 +6802,7 @@
           <a:p>
             <a:r>
               <a:rPr lang="de-CH" smtClean="0"/>
-              <a:t>Fusszeile: Institut etc</a:t>
+              <a:t>Fachhochschule Nordwestschweiz, D. Xander, J. Truong</a:t>
             </a:r>
             <a:endParaRPr lang="de-CH"/>
           </a:p>
@@ -6917,10 +6973,9 @@
             </a:lvl1pPr>
           </a:lstStyle>
           <a:p>
-            <a:fld id="{8285F0D4-38F3-4CC8-A739-07C5D78F8665}" type="datetime1">
+            <a:fld id="{E9212234-2B50-4BE1-8A4E-7F955A1BB5BC}" type="datetime1">
               <a:rPr lang="de-CH" smtClean="0"/>
-              <a:pPr/>
-              <a:t>05.01.2011</a:t>
+              <a:t>06.01.2011</a:t>
             </a:fld>
             <a:endParaRPr lang="de-CH"/>
           </a:p>
@@ -6947,7 +7002,7 @@
           <a:p>
             <a:r>
               <a:rPr lang="de-CH" smtClean="0"/>
-              <a:t>Fusszeile: Institut etc</a:t>
+              <a:t>Fachhochschule Nordwestschweiz, D. Xander, J. Truong</a:t>
             </a:r>
             <a:endParaRPr lang="de-CH"/>
           </a:p>
@@ -7100,10 +7155,9 @@
             </a:lvl1pPr>
           </a:lstStyle>
           <a:p>
-            <a:fld id="{FAB429A5-16A5-472B-8DB9-5E9C5986B4F3}" type="datetime1">
+            <a:fld id="{DB158B34-57D3-4501-A0DA-782CD40B3ECC}" type="datetime1">
               <a:rPr lang="de-CH" smtClean="0"/>
-              <a:pPr/>
-              <a:t>05.01.2011</a:t>
+              <a:t>06.01.2011</a:t>
             </a:fld>
             <a:endParaRPr lang="de-CH"/>
           </a:p>
@@ -7130,7 +7184,7 @@
           <a:p>
             <a:r>
               <a:rPr lang="de-CH" smtClean="0"/>
-              <a:t>Fusszeile: Institut etc</a:t>
+              <a:t>Fachhochschule Nordwestschweiz, D. Xander, J. Truong</a:t>
             </a:r>
             <a:endParaRPr lang="de-CH"/>
           </a:p>
@@ -7305,10 +7359,9 @@
             </a:lvl1pPr>
           </a:lstStyle>
           <a:p>
-            <a:fld id="{0C2F24D8-D731-458E-B3F6-B8DD01364239}" type="datetime1">
+            <a:fld id="{B34B6831-C19F-4CF1-8155-E47DBC42E1E5}" type="datetime1">
               <a:rPr lang="de-CH" smtClean="0"/>
-              <a:pPr/>
-              <a:t>05.01.2011</a:t>
+              <a:t>06.01.2011</a:t>
             </a:fld>
             <a:endParaRPr lang="de-CH"/>
           </a:p>
@@ -7335,7 +7388,7 @@
           <a:p>
             <a:r>
               <a:rPr lang="de-CH" smtClean="0"/>
-              <a:t>Fusszeile: Institut etc</a:t>
+              <a:t>Fachhochschule Nordwestschweiz, D. Xander, J. Truong</a:t>
             </a:r>
             <a:endParaRPr lang="de-CH"/>
           </a:p>
@@ -7606,10 +7659,9 @@
             </a:lvl1pPr>
           </a:lstStyle>
           <a:p>
-            <a:fld id="{3236EE96-4A26-42EC-9731-CB49D7B306F3}" type="datetime1">
+            <a:fld id="{D65221F1-F007-4BBF-A8F0-6EA5FF5935F3}" type="datetime1">
               <a:rPr lang="de-CH" smtClean="0"/>
-              <a:pPr/>
-              <a:t>05.01.2011</a:t>
+              <a:t>06.01.2011</a:t>
             </a:fld>
             <a:endParaRPr lang="de-CH"/>
           </a:p>
@@ -7636,7 +7688,7 @@
           <a:p>
             <a:r>
               <a:rPr lang="de-CH" smtClean="0"/>
-              <a:t>Fusszeile: Institut etc</a:t>
+              <a:t>Fachhochschule Nordwestschweiz, D. Xander, J. Truong</a:t>
             </a:r>
             <a:endParaRPr lang="de-CH"/>
           </a:p>
@@ -8046,10 +8098,9 @@
             </a:lvl1pPr>
           </a:lstStyle>
           <a:p>
-            <a:fld id="{31E0D4EE-63B7-4D6F-972B-658CE75EE471}" type="datetime1">
+            <a:fld id="{B7C54507-441D-4214-BE30-B49DBDC86AA4}" type="datetime1">
               <a:rPr lang="de-CH" smtClean="0"/>
-              <a:pPr/>
-              <a:t>05.01.2011</a:t>
+              <a:t>06.01.2011</a:t>
             </a:fld>
             <a:endParaRPr lang="de-CH"/>
           </a:p>
@@ -8076,7 +8127,7 @@
           <a:p>
             <a:r>
               <a:rPr lang="de-CH" smtClean="0"/>
-              <a:t>Fusszeile: Institut etc</a:t>
+              <a:t>Fachhochschule Nordwestschweiz, D. Xander, J. Truong</a:t>
             </a:r>
             <a:endParaRPr lang="de-CH"/>
           </a:p>
@@ -8177,10 +8228,9 @@
             </a:lvl1pPr>
           </a:lstStyle>
           <a:p>
-            <a:fld id="{A609443E-D446-442A-9FBD-AEAFA84F95E6}" type="datetime1">
+            <a:fld id="{B4D56847-28DE-431C-9C89-E4A6F79B1C06}" type="datetime1">
               <a:rPr lang="de-CH" smtClean="0"/>
-              <a:pPr/>
-              <a:t>05.01.2011</a:t>
+              <a:t>06.01.2011</a:t>
             </a:fld>
             <a:endParaRPr lang="de-CH"/>
           </a:p>
@@ -8207,7 +8257,7 @@
           <a:p>
             <a:r>
               <a:rPr lang="de-CH" smtClean="0"/>
-              <a:t>Fusszeile: Institut etc</a:t>
+              <a:t>Fachhochschule Nordwestschweiz, D. Xander, J. Truong</a:t>
             </a:r>
             <a:endParaRPr lang="de-CH"/>
           </a:p>
@@ -8478,10 +8528,9 @@
             </a:lvl1pPr>
           </a:lstStyle>
           <a:p>
-            <a:fld id="{0EBEB26E-FAA9-43F7-ACCD-651B9922C582}" type="datetime1">
+            <a:fld id="{85E80101-F81A-4530-8598-30E5E6097D7B}" type="datetime1">
               <a:rPr lang="de-CH" smtClean="0"/>
-              <a:pPr/>
-              <a:t>05.01.2011</a:t>
+              <a:t>06.01.2011</a:t>
             </a:fld>
             <a:endParaRPr lang="de-CH"/>
           </a:p>
@@ -8508,7 +8557,7 @@
           <a:p>
             <a:r>
               <a:rPr lang="de-CH" smtClean="0"/>
-              <a:t>Fusszeile: Institut etc</a:t>
+              <a:t>Fachhochschule Nordwestschweiz, D. Xander, J. Truong</a:t>
             </a:r>
             <a:endParaRPr lang="de-CH"/>
           </a:p>
@@ -8586,10 +8635,9 @@
             </a:lvl1pPr>
           </a:lstStyle>
           <a:p>
-            <a:fld id="{719F4A55-C648-4A52-A678-8B2779C23B28}" type="datetime1">
+            <a:fld id="{550FA334-E22E-474A-89FB-C91B6498EBC9}" type="datetime1">
               <a:rPr lang="de-CH" smtClean="0"/>
-              <a:pPr/>
-              <a:t>05.01.2011</a:t>
+              <a:t>06.01.2011</a:t>
             </a:fld>
             <a:endParaRPr lang="de-CH"/>
           </a:p>
@@ -8616,7 +8664,7 @@
           <a:p>
             <a:r>
               <a:rPr lang="de-CH" smtClean="0"/>
-              <a:t>Fusszeile: Institut etc</a:t>
+              <a:t>Fachhochschule Nordwestschweiz, D. Xander, J. Truong</a:t>
             </a:r>
             <a:endParaRPr lang="de-CH"/>
           </a:p>
@@ -8876,10 +8924,9 @@
             </a:lvl1pPr>
           </a:lstStyle>
           <a:p>
-            <a:fld id="{2EDBB5F2-C9C9-44E9-A8F3-387716D7F22A}" type="datetime1">
+            <a:fld id="{ED3E79AC-A625-4903-B17E-B2C53F358D6A}" type="datetime1">
               <a:rPr lang="de-CH" smtClean="0"/>
-              <a:pPr/>
-              <a:t>05.01.2011</a:t>
+              <a:t>06.01.2011</a:t>
             </a:fld>
             <a:endParaRPr lang="de-CH"/>
           </a:p>
@@ -8906,7 +8953,7 @@
           <a:p>
             <a:r>
               <a:rPr lang="de-CH" smtClean="0"/>
-              <a:t>Fusszeile: Institut etc</a:t>
+              <a:t>Fachhochschule Nordwestschweiz, D. Xander, J. Truong</a:t>
             </a:r>
             <a:endParaRPr lang="de-CH"/>
           </a:p>
@@ -9142,10 +9189,9 @@
             </a:lvl1pPr>
           </a:lstStyle>
           <a:p>
-            <a:fld id="{9E779988-00A4-44F4-8892-49C27C4875A1}" type="datetime1">
+            <a:fld id="{748AA455-488A-4121-A1F0-9BDB9567D109}" type="datetime1">
               <a:rPr lang="de-CH" smtClean="0"/>
-              <a:pPr/>
-              <a:t>05.01.2011</a:t>
+              <a:t>06.01.2011</a:t>
             </a:fld>
             <a:endParaRPr lang="de-CH"/>
           </a:p>
@@ -9172,7 +9218,7 @@
           <a:p>
             <a:r>
               <a:rPr lang="de-CH" smtClean="0"/>
-              <a:t>Fusszeile: Institut etc</a:t>
+              <a:t>Fachhochschule Nordwestschweiz, D. Xander, J. Truong</a:t>
             </a:r>
             <a:endParaRPr lang="de-CH"/>
           </a:p>
@@ -9325,10 +9371,9 @@
             </a:lvl1pPr>
           </a:lstStyle>
           <a:p>
-            <a:fld id="{B54FE42C-DC26-42ED-ADE4-41C50EA3A1EE}" type="datetime1">
+            <a:fld id="{1F7864BF-0AD6-488D-8436-99077F8541C0}" type="datetime1">
               <a:rPr lang="de-CH" smtClean="0"/>
-              <a:pPr/>
-              <a:t>05.01.2011</a:t>
+              <a:t>06.01.2011</a:t>
             </a:fld>
             <a:endParaRPr lang="de-CH"/>
           </a:p>
@@ -9355,7 +9400,7 @@
           <a:p>
             <a:r>
               <a:rPr lang="de-CH" smtClean="0"/>
-              <a:t>Fusszeile: Institut etc</a:t>
+              <a:t>Fachhochschule Nordwestschweiz, D. Xander, J. Truong</a:t>
             </a:r>
             <a:endParaRPr lang="de-CH"/>
           </a:p>
@@ -9518,10 +9563,9 @@
             </a:lvl1pPr>
           </a:lstStyle>
           <a:p>
-            <a:fld id="{FA53D92C-01D5-4CF3-88FF-F07FF806F059}" type="datetime1">
+            <a:fld id="{70E79FE8-3BAA-4871-8A66-F38AB463BE80}" type="datetime1">
               <a:rPr lang="de-CH" smtClean="0"/>
-              <a:pPr/>
-              <a:t>05.01.2011</a:t>
+              <a:t>06.01.2011</a:t>
             </a:fld>
             <a:endParaRPr lang="de-CH"/>
           </a:p>
@@ -9548,7 +9592,7 @@
           <a:p>
             <a:r>
               <a:rPr lang="de-CH" smtClean="0"/>
-              <a:t>Fusszeile: Institut etc</a:t>
+              <a:t>Fachhochschule Nordwestschweiz, D. Xander, J. Truong</a:t>
             </a:r>
             <a:endParaRPr lang="de-CH"/>
           </a:p>
@@ -9958,10 +10002,9 @@
             </a:lvl1pPr>
           </a:lstStyle>
           <a:p>
-            <a:fld id="{22921EC6-F5A7-430C-9568-29661CFA53A0}" type="datetime1">
+            <a:fld id="{25644265-2664-4EC0-9624-5E8005C88B25}" type="datetime1">
               <a:rPr lang="de-CH" smtClean="0"/>
-              <a:pPr/>
-              <a:t>05.01.2011</a:t>
+              <a:t>06.01.2011</a:t>
             </a:fld>
             <a:endParaRPr lang="de-CH"/>
           </a:p>
@@ -9988,7 +10031,7 @@
           <a:p>
             <a:r>
               <a:rPr lang="de-CH" smtClean="0"/>
-              <a:t>Fusszeile: Institut etc</a:t>
+              <a:t>Fachhochschule Nordwestschweiz, D. Xander, J. Truong</a:t>
             </a:r>
             <a:endParaRPr lang="de-CH"/>
           </a:p>
@@ -10089,10 +10132,9 @@
             </a:lvl1pPr>
           </a:lstStyle>
           <a:p>
-            <a:fld id="{A4CF0BE4-69A1-430E-A15F-6EAA275DC771}" type="datetime1">
+            <a:fld id="{4D7B44C4-131D-4F41-BD50-237610EF0561}" type="datetime1">
               <a:rPr lang="de-CH" smtClean="0"/>
-              <a:pPr/>
-              <a:t>05.01.2011</a:t>
+              <a:t>06.01.2011</a:t>
             </a:fld>
             <a:endParaRPr lang="de-CH"/>
           </a:p>
@@ -10119,7 +10161,7 @@
           <a:p>
             <a:r>
               <a:rPr lang="de-CH" smtClean="0"/>
-              <a:t>Fusszeile: Institut etc</a:t>
+              <a:t>Fachhochschule Nordwestschweiz, D. Xander, J. Truong</a:t>
             </a:r>
             <a:endParaRPr lang="de-CH"/>
           </a:p>
@@ -10197,10 +10239,9 @@
             </a:lvl1pPr>
           </a:lstStyle>
           <a:p>
-            <a:fld id="{34C61C2C-7F3C-4708-87C3-A201A765C4DF}" type="datetime1">
+            <a:fld id="{E5989531-47DA-4126-8316-499F61344D25}" type="datetime1">
               <a:rPr lang="de-CH" smtClean="0"/>
-              <a:pPr/>
-              <a:t>05.01.2011</a:t>
+              <a:t>06.01.2011</a:t>
             </a:fld>
             <a:endParaRPr lang="de-CH"/>
           </a:p>
@@ -10227,7 +10268,7 @@
           <a:p>
             <a:r>
               <a:rPr lang="de-CH" smtClean="0"/>
-              <a:t>Fusszeile: Institut etc</a:t>
+              <a:t>Fachhochschule Nordwestschweiz, D. Xander, J. Truong</a:t>
             </a:r>
             <a:endParaRPr lang="de-CH"/>
           </a:p>
@@ -10487,10 +10528,9 @@
             </a:lvl1pPr>
           </a:lstStyle>
           <a:p>
-            <a:fld id="{39941886-3E11-4D5B-B4FC-8D611C28ED69}" type="datetime1">
+            <a:fld id="{57AFCE02-72F3-45F5-ACD5-0BF2E49B8361}" type="datetime1">
               <a:rPr lang="de-CH" smtClean="0"/>
-              <a:pPr/>
-              <a:t>05.01.2011</a:t>
+              <a:t>06.01.2011</a:t>
             </a:fld>
             <a:endParaRPr lang="de-CH"/>
           </a:p>
@@ -10517,7 +10557,7 @@
           <a:p>
             <a:r>
               <a:rPr lang="de-CH" smtClean="0"/>
-              <a:t>Fusszeile: Institut etc</a:t>
+              <a:t>Fachhochschule Nordwestschweiz, D. Xander, J. Truong</a:t>
             </a:r>
             <a:endParaRPr lang="de-CH"/>
           </a:p>
@@ -10757,10 +10797,9 @@
             </a:lvl1pPr>
           </a:lstStyle>
           <a:p>
-            <a:fld id="{1CEE9190-1C0A-4873-8E35-A3DC097433C0}" type="datetime1">
+            <a:fld id="{5AB5116F-5C30-4405-89C8-4B7F8B1B82CB}" type="datetime1">
               <a:rPr lang="de-CH" smtClean="0"/>
-              <a:pPr/>
-              <a:t>05.01.2011</a:t>
+              <a:t>06.01.2011</a:t>
             </a:fld>
             <a:endParaRPr lang="de-CH"/>
           </a:p>
@@ -10787,7 +10826,7 @@
           <a:p>
             <a:r>
               <a:rPr lang="de-CH" smtClean="0"/>
-              <a:t>Fusszeile: Institut etc</a:t>
+              <a:t>Fachhochschule Nordwestschweiz, D. Xander, J. Truong</a:t>
             </a:r>
             <a:endParaRPr lang="de-CH"/>
           </a:p>
@@ -11007,10 +11046,9 @@
             </a:lvl1pPr>
           </a:lstStyle>
           <a:p>
-            <a:fld id="{23F9165D-E5DE-4C67-AA17-B90458E19C17}" type="datetime1">
+            <a:fld id="{C53E04C3-B9DA-4EC6-A284-126F42817562}" type="datetime1">
               <a:rPr lang="de-CH" smtClean="0"/>
-              <a:pPr/>
-              <a:t>05.01.2011</a:t>
+              <a:t>06.01.2011</a:t>
             </a:fld>
             <a:endParaRPr lang="de-CH"/>
           </a:p>
@@ -11057,7 +11095,7 @@
           <a:p>
             <a:r>
               <a:rPr lang="de-CH" smtClean="0"/>
-              <a:t>Fusszeile: Institut etc</a:t>
+              <a:t>Fachhochschule Nordwestschweiz, D. Xander, J. Truong</a:t>
             </a:r>
             <a:endParaRPr lang="de-CH"/>
           </a:p>
@@ -11783,10 +11821,9 @@
             </a:lvl1pPr>
           </a:lstStyle>
           <a:p>
-            <a:fld id="{19D35908-844F-4ABE-B78E-458E2E524B7E}" type="datetime1">
+            <a:fld id="{89586C0D-E90A-49A0-82D3-4E3322DDFB6F}" type="datetime1">
               <a:rPr lang="de-CH" smtClean="0"/>
-              <a:pPr/>
-              <a:t>05.01.2011</a:t>
+              <a:t>06.01.2011</a:t>
             </a:fld>
             <a:endParaRPr lang="de-CH"/>
           </a:p>
@@ -11833,7 +11870,7 @@
           <a:p>
             <a:r>
               <a:rPr lang="de-CH" smtClean="0"/>
-              <a:t>Fusszeile: Institut etc</a:t>
+              <a:t>Fachhochschule Nordwestschweiz, D. Xander, J. Truong</a:t>
             </a:r>
             <a:endParaRPr lang="de-CH"/>
           </a:p>
@@ -12559,10 +12596,9 @@
             </a:lvl1pPr>
           </a:lstStyle>
           <a:p>
-            <a:fld id="{B42C9D14-A430-49D4-8F25-68442D5B6000}" type="datetime1">
+            <a:fld id="{5BC6E3B3-5341-4C6B-9800-96772B2DA6F0}" type="datetime1">
               <a:rPr lang="de-CH" smtClean="0"/>
-              <a:pPr/>
-              <a:t>05.01.2011</a:t>
+              <a:t>06.01.2011</a:t>
             </a:fld>
             <a:endParaRPr lang="de-CH"/>
           </a:p>
@@ -12609,7 +12645,7 @@
           <a:p>
             <a:r>
               <a:rPr lang="de-CH" smtClean="0"/>
-              <a:t>Fusszeile: Institut etc</a:t>
+              <a:t>Fachhochschule Nordwestschweiz, D. Xander, J. Truong</a:t>
             </a:r>
             <a:endParaRPr lang="de-CH"/>
           </a:p>
@@ -13308,10 +13344,9 @@
             </a:lvl1pPr>
           </a:lstStyle>
           <a:p>
-            <a:fld id="{CF40E398-99CA-4B91-831D-0D33FDD8BAC7}" type="datetime1">
+            <a:fld id="{72B2E167-E281-4CBA-A58B-D461C132FC23}" type="datetime1">
               <a:rPr lang="de-CH" smtClean="0"/>
-              <a:pPr/>
-              <a:t>05.01.2011</a:t>
+              <a:t>06.01.2011</a:t>
             </a:fld>
             <a:endParaRPr lang="de-CH"/>
           </a:p>
@@ -13358,7 +13393,7 @@
           <a:p>
             <a:r>
               <a:rPr lang="de-CH" smtClean="0"/>
-              <a:t>Fusszeile: Institut etc</a:t>
+              <a:t>Fachhochschule Nordwestschweiz, D. Xander, J. Truong</a:t>
             </a:r>
             <a:endParaRPr lang="de-CH"/>
           </a:p>
@@ -14085,45 +14120,6 @@
           </a:ln>
         </p:spPr>
       </p:pic>
-      <p:sp>
-        <p:nvSpPr>
-          <p:cNvPr id="10" name="Textfeld 9"/>
-          <p:cNvSpPr txBox="1"/>
-          <p:nvPr/>
-        </p:nvSpPr>
-        <p:spPr>
-          <a:xfrm>
-            <a:off x="3186460" y="7020991"/>
-            <a:ext cx="4176464" cy="415498"/>
-          </a:xfrm>
-          <a:prstGeom prst="rect">
-            <a:avLst/>
-          </a:prstGeom>
-          <a:noFill/>
-        </p:spPr>
-        <p:txBody>
-          <a:bodyPr wrap="square" rtlCol="0">
-            <a:spAutoFit/>
-          </a:bodyPr>
-          <a:lstStyle/>
-          <a:p>
-            <a:pPr algn="ctr"/>
-            <a:r>
-              <a:rPr lang="de-CH" dirty="0" smtClean="0"/>
-              <a:t>Daniel </a:t>
-            </a:r>
-            <a:r>
-              <a:rPr lang="de-CH" dirty="0" err="1" smtClean="0"/>
-              <a:t>Xander</a:t>
-            </a:r>
-            <a:r>
-              <a:rPr lang="de-CH" dirty="0" smtClean="0"/>
-              <a:t> und John Truong</a:t>
-            </a:r>
-            <a:endParaRPr lang="de-CH" dirty="0"/>
-          </a:p>
-        </p:txBody>
-      </p:sp>
     </p:spTree>
   </p:cSld>
   <p:clrMapOvr>
@@ -14221,10 +14217,9 @@
           <a:bodyPr/>
           <a:lstStyle/>
           <a:p>
-            <a:fld id="{BF3A9F55-599C-49F5-AF74-04C3502D40EF}" type="datetime1">
+            <a:fld id="{220025AB-24ED-4F9D-A1A9-59B3B7D2C2D2}" type="datetime1">
               <a:rPr lang="de-CH" smtClean="0"/>
-              <a:pPr/>
-              <a:t>05.01.2011</a:t>
+              <a:t>06.01.2011</a:t>
             </a:fld>
             <a:endParaRPr lang="de-CH"/>
           </a:p>
@@ -14247,7 +14242,7 @@
           <a:p>
             <a:r>
               <a:rPr lang="de-CH" smtClean="0"/>
-              <a:t>Fusszeile: Institut etc</a:t>
+              <a:t>Fachhochschule Nordwestschweiz, D. Xander, J. Truong</a:t>
             </a:r>
             <a:endParaRPr lang="de-CH"/>
           </a:p>
@@ -14362,10 +14357,9 @@
           <a:bodyPr/>
           <a:lstStyle/>
           <a:p>
-            <a:fld id="{14F307FF-F894-4080-8B07-C7DD9D592820}" type="datetime1">
+            <a:fld id="{8D013693-5936-4195-8EBB-21E481631B1C}" type="datetime1">
               <a:rPr lang="de-CH" smtClean="0"/>
-              <a:pPr/>
-              <a:t>05.01.2011</a:t>
+              <a:t>06.01.2011</a:t>
             </a:fld>
             <a:endParaRPr lang="de-CH"/>
           </a:p>
@@ -14388,7 +14382,19 @@
           <a:p>
             <a:r>
               <a:rPr lang="de-CH" dirty="0" smtClean="0"/>
-              <a:t>Fachhochschule Nordwestschweiz</a:t>
+              <a:t>Fachhochschule </a:t>
+            </a:r>
+            <a:r>
+              <a:rPr lang="de-CH" dirty="0" smtClean="0"/>
+              <a:t>Nordwestschweiz, D. </a:t>
+            </a:r>
+            <a:r>
+              <a:rPr lang="de-CH" dirty="0" err="1" smtClean="0"/>
+              <a:t>Xander</a:t>
+            </a:r>
+            <a:r>
+              <a:rPr lang="de-CH" dirty="0" smtClean="0"/>
+              <a:t>, J. Truong</a:t>
             </a:r>
             <a:endParaRPr lang="de-CH" dirty="0"/>
           </a:p>
@@ -14535,11 +14541,7 @@
             </a:pPr>
             <a:r>
               <a:rPr lang="de-DE" dirty="0" smtClean="0"/>
-              <a:t> </a:t>
-            </a:r>
-            <a:r>
-              <a:rPr lang="de-DE" dirty="0" smtClean="0"/>
-              <a:t>Diskussion</a:t>
+              <a:t> Diskussion</a:t>
             </a:r>
             <a:endParaRPr lang="de-DE" dirty="0"/>
           </a:p>
@@ -14759,10 +14761,9 @@
           <a:bodyPr/>
           <a:lstStyle/>
           <a:p>
-            <a:fld id="{BF3A9F55-599C-49F5-AF74-04C3502D40EF}" type="datetime1">
+            <a:fld id="{070D993A-E5D0-4B53-A797-3A2C1E46E8B8}" type="datetime1">
               <a:rPr lang="de-CH" smtClean="0"/>
-              <a:pPr/>
-              <a:t>05.01.2011</a:t>
+              <a:t>06.01.2011</a:t>
             </a:fld>
             <a:endParaRPr lang="de-CH"/>
           </a:p>
@@ -14785,9 +14786,9 @@
           <a:p>
             <a:r>
               <a:rPr lang="de-CH" smtClean="0"/>
-              <a:t>Fusszeile: Institut etc</a:t>
-            </a:r>
-            <a:endParaRPr lang="de-CH"/>
+              <a:t>Fachhochschule Nordwestschweiz, D. Xander, J. Truong</a:t>
+            </a:r>
+            <a:endParaRPr lang="de-CH" dirty="0"/>
           </a:p>
         </p:txBody>
       </p:sp>
@@ -14990,10 +14991,9 @@
           <a:bodyPr/>
           <a:lstStyle/>
           <a:p>
-            <a:fld id="{BF3A9F55-599C-49F5-AF74-04C3502D40EF}" type="datetime1">
+            <a:fld id="{FAB95291-3EF0-409E-93FD-7DA1423C73DF}" type="datetime1">
               <a:rPr lang="de-CH" smtClean="0"/>
-              <a:pPr/>
-              <a:t>05.01.2011</a:t>
+              <a:t>06.01.2011</a:t>
             </a:fld>
             <a:endParaRPr lang="de-CH"/>
           </a:p>
@@ -15016,7 +15016,7 @@
           <a:p>
             <a:r>
               <a:rPr lang="de-CH" smtClean="0"/>
-              <a:t>Fusszeile: Institut etc</a:t>
+              <a:t>Fachhochschule Nordwestschweiz, D. Xander, J. Truong</a:t>
             </a:r>
             <a:endParaRPr lang="de-CH"/>
           </a:p>
@@ -15265,10 +15265,9 @@
           <a:bodyPr/>
           <a:lstStyle/>
           <a:p>
-            <a:fld id="{BF3A9F55-599C-49F5-AF74-04C3502D40EF}" type="datetime1">
+            <a:fld id="{E2A4BA27-F804-453F-BFB2-9129B9BC6A07}" type="datetime1">
               <a:rPr lang="de-CH" smtClean="0"/>
-              <a:pPr/>
-              <a:t>05.01.2011</a:t>
+              <a:t>06.01.2011</a:t>
             </a:fld>
             <a:endParaRPr lang="de-CH"/>
           </a:p>
@@ -15291,7 +15290,7 @@
           <a:p>
             <a:r>
               <a:rPr lang="de-CH" smtClean="0"/>
-              <a:t>Fusszeile: Institut etc</a:t>
+              <a:t>Fachhochschule Nordwestschweiz, D. Xander, J. Truong</a:t>
             </a:r>
             <a:endParaRPr lang="de-CH"/>
           </a:p>
@@ -15456,10 +15455,9 @@
           <a:bodyPr/>
           <a:lstStyle/>
           <a:p>
-            <a:fld id="{BF3A9F55-599C-49F5-AF74-04C3502D40EF}" type="datetime1">
+            <a:fld id="{81BAE487-733A-4344-8C00-06736C4A1BCC}" type="datetime1">
               <a:rPr lang="de-CH" smtClean="0"/>
-              <a:pPr/>
-              <a:t>05.01.2011</a:t>
+              <a:t>06.01.2011</a:t>
             </a:fld>
             <a:endParaRPr lang="de-CH"/>
           </a:p>
@@ -15482,7 +15480,7 @@
           <a:p>
             <a:r>
               <a:rPr lang="de-CH" smtClean="0"/>
-              <a:t>Fusszeile: Institut etc</a:t>
+              <a:t>Fachhochschule Nordwestschweiz, D. Xander, J. Truong</a:t>
             </a:r>
             <a:endParaRPr lang="de-CH"/>
           </a:p>
@@ -15763,10 +15761,9 @@
           <a:bodyPr/>
           <a:lstStyle/>
           <a:p>
-            <a:fld id="{0EBEB26E-FAA9-43F7-ACCD-651B9922C582}" type="datetime1">
+            <a:fld id="{F4454C97-7E76-4280-9664-2C9EE75DA4F4}" type="datetime1">
               <a:rPr lang="de-CH" smtClean="0"/>
-              <a:pPr/>
-              <a:t>05.01.2011</a:t>
+              <a:t>06.01.2011</a:t>
             </a:fld>
             <a:endParaRPr lang="de-CH"/>
           </a:p>
@@ -15789,7 +15786,7 @@
           <a:p>
             <a:r>
               <a:rPr lang="de-CH" smtClean="0"/>
-              <a:t>Fusszeile: Institut etc</a:t>
+              <a:t>Fachhochschule Nordwestschweiz, D. Xander, J. Truong</a:t>
             </a:r>
             <a:endParaRPr lang="de-CH"/>
           </a:p>
@@ -15976,10 +15973,9 @@
           <a:bodyPr/>
           <a:lstStyle/>
           <a:p>
-            <a:fld id="{BF3A9F55-599C-49F5-AF74-04C3502D40EF}" type="datetime1">
+            <a:fld id="{E57F11C0-6A53-4432-86D9-8DFC17B445D3}" type="datetime1">
               <a:rPr lang="de-CH" smtClean="0"/>
-              <a:pPr/>
-              <a:t>05.01.2011</a:t>
+              <a:t>06.01.2011</a:t>
             </a:fld>
             <a:endParaRPr lang="de-CH"/>
           </a:p>
@@ -16002,7 +15998,7 @@
           <a:p>
             <a:r>
               <a:rPr lang="de-CH" smtClean="0"/>
-              <a:t>Fusszeile: Institut etc</a:t>
+              <a:t>Fachhochschule Nordwestschweiz, D. Xander, J. Truong</a:t>
             </a:r>
             <a:endParaRPr lang="de-CH"/>
           </a:p>
@@ -16163,10 +16159,9 @@
           <a:bodyPr/>
           <a:lstStyle/>
           <a:p>
-            <a:fld id="{BF3A9F55-599C-49F5-AF74-04C3502D40EF}" type="datetime1">
+            <a:fld id="{61F97A12-1E60-4D6C-B6EC-9FEA8F92A5CD}" type="datetime1">
               <a:rPr lang="de-CH" smtClean="0"/>
-              <a:pPr/>
-              <a:t>05.01.2011</a:t>
+              <a:t>06.01.2011</a:t>
             </a:fld>
             <a:endParaRPr lang="de-CH"/>
           </a:p>
@@ -16189,7 +16184,7 @@
           <a:p>
             <a:r>
               <a:rPr lang="de-CH" smtClean="0"/>
-              <a:t>Fusszeile: Institut etc</a:t>
+              <a:t>Fachhochschule Nordwestschweiz, D. Xander, J. Truong</a:t>
             </a:r>
             <a:endParaRPr lang="de-CH"/>
           </a:p>
